--- a/prsn/2020_2nd/2020_2nd_hosokawa.pptx
+++ b/prsn/2020_2nd/2020_2nd_hosokawa.pptx
@@ -5,7 +5,7 @@
     <p:sldMasterId id="2147483685" r:id="rId1"/>
   </p:sldMasterIdLst>
   <p:notesMasterIdLst>
-    <p:notesMasterId r:id="rId47"/>
+    <p:notesMasterId r:id="rId49"/>
   </p:notesMasterIdLst>
   <p:sldIdLst>
     <p:sldId id="256" r:id="rId2"/>
@@ -29,30 +29,32 @@
     <p:sldId id="302" r:id="rId20"/>
     <p:sldId id="277" r:id="rId21"/>
     <p:sldId id="288" r:id="rId22"/>
-    <p:sldId id="312" r:id="rId23"/>
-    <p:sldId id="313" r:id="rId24"/>
-    <p:sldId id="314" r:id="rId25"/>
-    <p:sldId id="315" r:id="rId26"/>
-    <p:sldId id="316" r:id="rId27"/>
-    <p:sldId id="335" r:id="rId28"/>
-    <p:sldId id="317" r:id="rId29"/>
-    <p:sldId id="318" r:id="rId30"/>
-    <p:sldId id="278" r:id="rId31"/>
-    <p:sldId id="338" r:id="rId32"/>
-    <p:sldId id="339" r:id="rId33"/>
-    <p:sldId id="341" r:id="rId34"/>
-    <p:sldId id="320" r:id="rId35"/>
-    <p:sldId id="321" r:id="rId36"/>
-    <p:sldId id="330" r:id="rId37"/>
-    <p:sldId id="324" r:id="rId38"/>
-    <p:sldId id="325" r:id="rId39"/>
-    <p:sldId id="326" r:id="rId40"/>
-    <p:sldId id="327" r:id="rId41"/>
-    <p:sldId id="328" r:id="rId42"/>
-    <p:sldId id="329" r:id="rId43"/>
-    <p:sldId id="305" r:id="rId44"/>
-    <p:sldId id="268" r:id="rId45"/>
-    <p:sldId id="297" r:id="rId46"/>
+    <p:sldId id="343" r:id="rId23"/>
+    <p:sldId id="312" r:id="rId24"/>
+    <p:sldId id="313" r:id="rId25"/>
+    <p:sldId id="314" r:id="rId26"/>
+    <p:sldId id="315" r:id="rId27"/>
+    <p:sldId id="316" r:id="rId28"/>
+    <p:sldId id="335" r:id="rId29"/>
+    <p:sldId id="317" r:id="rId30"/>
+    <p:sldId id="318" r:id="rId31"/>
+    <p:sldId id="278" r:id="rId32"/>
+    <p:sldId id="338" r:id="rId33"/>
+    <p:sldId id="339" r:id="rId34"/>
+    <p:sldId id="341" r:id="rId35"/>
+    <p:sldId id="320" r:id="rId36"/>
+    <p:sldId id="321" r:id="rId37"/>
+    <p:sldId id="330" r:id="rId38"/>
+    <p:sldId id="324" r:id="rId39"/>
+    <p:sldId id="325" r:id="rId40"/>
+    <p:sldId id="326" r:id="rId41"/>
+    <p:sldId id="327" r:id="rId42"/>
+    <p:sldId id="328" r:id="rId43"/>
+    <p:sldId id="329" r:id="rId44"/>
+    <p:sldId id="305" r:id="rId45"/>
+    <p:sldId id="268" r:id="rId46"/>
+    <p:sldId id="297" r:id="rId47"/>
+    <p:sldId id="342" r:id="rId48"/>
   </p:sldIdLst>
   <p:sldSz cx="9144000" cy="6858000" type="screen4x3"/>
   <p:notesSz cx="6858000" cy="9144000"/>
@@ -165,8 +167,8 @@
     <p1510:client id="{4D3784B5-592C-499E-9029-78B4D234B7F2}" v="1253" dt="2020-07-17T00:02:54.596"/>
     <p1510:client id="{6FDDDA30-1C09-4ED6-BD34-D0545637CE2F}" v="9" dt="2020-07-16T17:34:05.870"/>
     <p1510:client id="{B3965C93-315C-4841-8ABF-88010AB7376C}" v="1027" dt="2020-07-17T00:31:47.393"/>
+    <p1510:client id="{F1C948DC-F94E-4BBA-94BD-ACCC738C8D60}" v="8" dt="2020-07-17T01:26:16.578"/>
     <p1510:client id="{EFA4CE32-D8C5-4B16-A77F-84A4E123C290}" v="1091" dt="2020-07-16T13:31:59.262"/>
-    <p1510:client id="{F1C948DC-F94E-4BBA-94BD-ACCC738C8D60}" v="8" dt="2020-07-17T01:26:16.578"/>
   </p1510:revLst>
 </p1510:revInfo>
 </file>
@@ -8417,8 +8419,8 @@
           </p:sp>
         </mc:Fallback>
       </mc:AlternateContent>
-      <mc:AlternateContent xmlns:mc="http://schemas.openxmlformats.org/markup-compatibility/2006" xmlns:a14="http://schemas.microsoft.com/office/drawing/2010/main">
-        <mc:Choice Requires="a14">
+      <mc:AlternateContent xmlns:mc="http://schemas.openxmlformats.org/markup-compatibility/2006">
+        <mc:Choice xmlns:a14="http://schemas.microsoft.com/office/drawing/2010/main" Requires="a14">
           <p:sp>
             <p:nvSpPr>
               <p:cNvPr id="3" name="テキスト ボックス 2">
@@ -8463,7 +8465,7 @@
                 </a:r>
                 <a:r>
                   <a:rPr kumimoji="1" lang="ja-JP" altLang="en-US" sz="2800" dirty="0"/>
-                  <a:t>ラベル付きしデータのバッチサイズ</a:t>
+                  <a:t>ラベル付きデータのバッチサイズ</a:t>
                 </a:r>
                 <a:endParaRPr kumimoji="1" lang="en-US" altLang="ja-JP" sz="2800" dirty="0"/>
               </a:p>
@@ -8727,7 +8729,7 @@
             </p:txBody>
           </p:sp>
         </mc:Choice>
-        <mc:Fallback xmlns="">
+        <mc:Fallback>
           <p:sp>
             <p:nvSpPr>
               <p:cNvPr id="3" name="テキスト ボックス 2">
@@ -9912,12 +9914,12 @@
               <a:buChar char="•"/>
             </a:pPr>
             <a:r>
-              <a:rPr lang="ja-JP" altLang="en-US" sz="2800">
+              <a:rPr lang="ja-JP" altLang="en-US" sz="2800" dirty="0">
                 <a:ea typeface="メイリオ"/>
               </a:rPr>
               <a:t>データを遺伝子として表現</a:t>
             </a:r>
-            <a:endParaRPr lang="ja-JP" sz="2800">
+            <a:endParaRPr lang="ja-JP" sz="2800" dirty="0">
               <a:ea typeface="メイリオ"/>
             </a:endParaRPr>
           </a:p>
@@ -9927,23 +9929,23 @@
               <a:buChar char="•"/>
             </a:pPr>
             <a:r>
-              <a:rPr lang="ja-JP" altLang="en-US" sz="2800">
+              <a:rPr lang="ja-JP" altLang="en-US" sz="2800" dirty="0">
                 <a:ea typeface="メイリオ"/>
               </a:rPr>
               <a:t>選択，交叉，突然変異の3つの操作を</a:t>
             </a:r>
-            <a:endParaRPr lang="ja-JP" sz="2800">
+            <a:endParaRPr lang="ja-JP" sz="2800" dirty="0">
               <a:ea typeface="メイリオ"/>
             </a:endParaRPr>
           </a:p>
           <a:p>
             <a:r>
-              <a:rPr lang="ja-JP" altLang="en-US" sz="2800">
+              <a:rPr lang="ja-JP" altLang="en-US" sz="2800" dirty="0">
                 <a:ea typeface="メイリオ"/>
               </a:rPr>
               <a:t>   繰り返し行う</a:t>
             </a:r>
-            <a:endParaRPr lang="ja-JP" sz="2800">
+            <a:endParaRPr lang="ja-JP" sz="2800" dirty="0">
               <a:ea typeface="メイリオ"/>
             </a:endParaRPr>
           </a:p>
@@ -9953,7 +9955,7 @@
               <a:buChar char="•"/>
             </a:pPr>
             <a:r>
-              <a:rPr lang="ja-JP" altLang="en-US" sz="2800">
+              <a:rPr lang="ja-JP" altLang="en-US" sz="2800" dirty="0">
                 <a:ea typeface="メイリオ"/>
               </a:rPr>
               <a:t>他のアルゴリズムと比べ局所探索ではないが，初期収束が起こる場合がある</a:t>
@@ -14381,6 +14383,742 @@
       </p:grpSpPr>
       <p:sp>
         <p:nvSpPr>
+          <p:cNvPr id="4" name="スライド番号プレースホルダー 3">
+            <a:extLst>
+              <a:ext uri="{FF2B5EF4-FFF2-40B4-BE49-F238E27FC236}">
+                <a16:creationId xmlns:a16="http://schemas.microsoft.com/office/drawing/2014/main" id="{7811F4A6-62BE-4074-9E9E-CBF94EF64F40}"/>
+              </a:ext>
+            </a:extLst>
+          </p:cNvPr>
+          <p:cNvSpPr>
+            <a:spLocks noGrp="1"/>
+          </p:cNvSpPr>
+          <p:nvPr>
+            <p:ph type="sldNum" sz="quarter" idx="12"/>
+          </p:nvPr>
+        </p:nvSpPr>
+        <p:spPr/>
+        <p:txBody>
+          <a:bodyPr/>
+          <a:lstStyle/>
+          <a:p>
+            <a:fld id="{D57F1E4F-1CFF-5643-939E-217C01CDF565}" type="slidenum">
+              <a:rPr lang="en-US" smtClean="0"/>
+              <a:pPr/>
+              <a:t>22</a:t>
+            </a:fld>
+            <a:endParaRPr lang="en-US" dirty="0"/>
+          </a:p>
+        </p:txBody>
+      </p:sp>
+      <p:sp>
+        <p:nvSpPr>
+          <p:cNvPr id="6" name="テキスト ボックス 5">
+            <a:extLst>
+              <a:ext uri="{FF2B5EF4-FFF2-40B4-BE49-F238E27FC236}">
+                <a16:creationId xmlns:a16="http://schemas.microsoft.com/office/drawing/2014/main" id="{A787110A-F680-4C3A-AF75-2F6E113D5236}"/>
+              </a:ext>
+            </a:extLst>
+          </p:cNvPr>
+          <p:cNvSpPr txBox="1"/>
+          <p:nvPr/>
+        </p:nvSpPr>
+        <p:spPr>
+          <a:xfrm>
+            <a:off x="457467" y="628433"/>
+            <a:ext cx="6497348" cy="715581"/>
+          </a:xfrm>
+          <a:prstGeom prst="rect">
+            <a:avLst/>
+          </a:prstGeom>
+          <a:noFill/>
+        </p:spPr>
+        <p:txBody>
+          <a:bodyPr wrap="square" rtlCol="0" anchor="t">
+            <a:spAutoFit/>
+          </a:bodyPr>
+          <a:lstStyle/>
+          <a:p>
+            <a:r>
+              <a:rPr kumimoji="1" lang="ja-JP" sz="4050" dirty="0">
+                <a:ea typeface="メイリオ"/>
+              </a:rPr>
+              <a:t>実験　</a:t>
+            </a:r>
+            <a:endParaRPr lang="ja-JP" altLang="en-US" dirty="0"/>
+          </a:p>
+        </p:txBody>
+      </p:sp>
+      <mc:AlternateContent xmlns:mc="http://schemas.openxmlformats.org/markup-compatibility/2006" xmlns:a14="http://schemas.microsoft.com/office/drawing/2010/main">
+        <mc:Choice Requires="a14">
+          <p:sp>
+            <p:nvSpPr>
+              <p:cNvPr id="8" name="正方形/長方形 7">
+                <a:extLst>
+                  <a:ext uri="{FF2B5EF4-FFF2-40B4-BE49-F238E27FC236}">
+                    <a16:creationId xmlns:a16="http://schemas.microsoft.com/office/drawing/2014/main" id="{BDE35611-267F-4E4E-9187-D7260F408548}"/>
+                  </a:ext>
+                </a:extLst>
+              </p:cNvPr>
+              <p:cNvSpPr/>
+              <p:nvPr/>
+            </p:nvSpPr>
+            <p:spPr>
+              <a:xfrm>
+                <a:off x="477321" y="2680144"/>
+                <a:ext cx="3282737" cy="908720"/>
+              </a:xfrm>
+              <a:prstGeom prst="rect">
+                <a:avLst/>
+              </a:prstGeom>
+              <a:solidFill>
+                <a:srgbClr val="FFC000"/>
+              </a:solidFill>
+            </p:spPr>
+            <p:style>
+              <a:lnRef idx="2">
+                <a:schemeClr val="accent1">
+                  <a:shade val="50000"/>
+                </a:schemeClr>
+              </a:lnRef>
+              <a:fillRef idx="1">
+                <a:schemeClr val="accent1"/>
+              </a:fillRef>
+              <a:effectRef idx="0">
+                <a:schemeClr val="accent1"/>
+              </a:effectRef>
+              <a:fontRef idx="minor">
+                <a:schemeClr val="lt1"/>
+              </a:fontRef>
+            </p:style>
+            <p:txBody>
+              <a:bodyPr rtlCol="0" anchor="ctr"/>
+              <a:lstStyle/>
+              <a:p>
+                <a:pPr algn="ctr"/>
+                <a14:m>
+                  <m:oMath xmlns:m="http://schemas.openxmlformats.org/officeDocument/2006/math">
+                    <m:sSub>
+                      <m:sSubPr>
+                        <m:ctrlPr>
+                          <a:rPr lang="en-US" altLang="ja-JP" sz="2800" i="1" smtClean="0">
+                            <a:solidFill>
+                              <a:schemeClr val="tx1"/>
+                            </a:solidFill>
+                            <a:latin typeface="Cambria Math" panose="02040503050406030204" pitchFamily="18" charset="0"/>
+                            <a:ea typeface="メイリオ"/>
+                          </a:rPr>
+                        </m:ctrlPr>
+                      </m:sSubPr>
+                      <m:e>
+                        <m:r>
+                          <a:rPr lang="en-US" altLang="ja-JP" sz="2800" i="1">
+                            <a:solidFill>
+                              <a:schemeClr val="tx1"/>
+                            </a:solidFill>
+                            <a:latin typeface="Cambria Math" panose="02040503050406030204" pitchFamily="18" charset="0"/>
+                            <a:ea typeface="メイリオ"/>
+                          </a:rPr>
+                          <m:t>𝐷</m:t>
+                        </m:r>
+                      </m:e>
+                      <m:sub>
+                        <m:r>
+                          <m:rPr>
+                            <m:sty m:val="p"/>
+                          </m:rPr>
+                          <a:rPr lang="en-US" altLang="ja-JP" sz="2800">
+                            <a:solidFill>
+                              <a:schemeClr val="tx1"/>
+                            </a:solidFill>
+                            <a:latin typeface="Cambria Math" panose="02040503050406030204" pitchFamily="18" charset="0"/>
+                            <a:ea typeface="メイリオ"/>
+                          </a:rPr>
+                          <m:t>L</m:t>
+                        </m:r>
+                      </m:sub>
+                    </m:sSub>
+                  </m:oMath>
+                </a14:m>
+                <a:r>
+                  <a:rPr lang="en-US" altLang="ja-JP" sz="2800" dirty="0">
+                    <a:solidFill>
+                      <a:schemeClr val="tx1"/>
+                    </a:solidFill>
+                    <a:ea typeface="メイリオ"/>
+                  </a:rPr>
+                  <a:t>(100</a:t>
+                </a:r>
+                <a:r>
+                  <a:rPr lang="ja-JP" altLang="en-US" sz="2800" dirty="0">
+                    <a:solidFill>
+                      <a:schemeClr val="tx1"/>
+                    </a:solidFill>
+                    <a:ea typeface="メイリオ"/>
+                  </a:rPr>
+                  <a:t>枚)</a:t>
+                </a:r>
+              </a:p>
+            </p:txBody>
+          </p:sp>
+        </mc:Choice>
+        <mc:Fallback xmlns="">
+          <p:sp>
+            <p:nvSpPr>
+              <p:cNvPr id="8" name="正方形/長方形 7">
+                <a:extLst>
+                  <a:ext uri="{FF2B5EF4-FFF2-40B4-BE49-F238E27FC236}">
+                    <a16:creationId xmlns:a16="http://schemas.microsoft.com/office/drawing/2014/main" id="{BDE35611-267F-4E4E-9187-D7260F408548}"/>
+                  </a:ext>
+                </a:extLst>
+              </p:cNvPr>
+              <p:cNvSpPr>
+                <a:spLocks noRot="1" noChangeAspect="1" noMove="1" noResize="1" noEditPoints="1" noAdjustHandles="1" noChangeArrowheads="1" noChangeShapeType="1" noTextEdit="1"/>
+              </p:cNvSpPr>
+              <p:nvPr/>
+            </p:nvSpPr>
+            <p:spPr>
+              <a:xfrm>
+                <a:off x="477321" y="2680144"/>
+                <a:ext cx="3282737" cy="908720"/>
+              </a:xfrm>
+              <a:prstGeom prst="rect">
+                <a:avLst/>
+              </a:prstGeom>
+              <a:blipFill>
+                <a:blip r:embed="rId2"/>
+                <a:stretch>
+                  <a:fillRect/>
+                </a:stretch>
+              </a:blipFill>
+            </p:spPr>
+            <p:txBody>
+              <a:bodyPr/>
+              <a:lstStyle/>
+              <a:p>
+                <a:r>
+                  <a:rPr lang="ja-JP" altLang="en-US">
+                    <a:noFill/>
+                  </a:rPr>
+                  <a:t> </a:t>
+                </a:r>
+              </a:p>
+            </p:txBody>
+          </p:sp>
+        </mc:Fallback>
+      </mc:AlternateContent>
+      <p:sp>
+        <p:nvSpPr>
+          <p:cNvPr id="10" name="矢印: 下 9">
+            <a:extLst>
+              <a:ext uri="{FF2B5EF4-FFF2-40B4-BE49-F238E27FC236}">
+                <a16:creationId xmlns:a16="http://schemas.microsoft.com/office/drawing/2014/main" id="{F381F1C8-4488-4075-88D3-CC261738398A}"/>
+              </a:ext>
+            </a:extLst>
+          </p:cNvPr>
+          <p:cNvSpPr/>
+          <p:nvPr/>
+        </p:nvSpPr>
+        <p:spPr>
+          <a:xfrm>
+            <a:off x="2228907" y="3948151"/>
+            <a:ext cx="4121943" cy="1648095"/>
+          </a:xfrm>
+          <a:prstGeom prst="downArrow">
+            <a:avLst>
+              <a:gd name="adj1" fmla="val 56957"/>
+              <a:gd name="adj2" fmla="val 50000"/>
+            </a:avLst>
+          </a:prstGeom>
+        </p:spPr>
+        <p:style>
+          <a:lnRef idx="2">
+            <a:schemeClr val="accent1">
+              <a:shade val="50000"/>
+            </a:schemeClr>
+          </a:lnRef>
+          <a:fillRef idx="1">
+            <a:schemeClr val="accent1"/>
+          </a:fillRef>
+          <a:effectRef idx="0">
+            <a:schemeClr val="accent1"/>
+          </a:effectRef>
+          <a:fontRef idx="minor">
+            <a:schemeClr val="lt1"/>
+          </a:fontRef>
+        </p:style>
+        <p:txBody>
+          <a:bodyPr rtlCol="0" anchor="ctr"/>
+          <a:lstStyle/>
+          <a:p>
+            <a:pPr algn="ctr"/>
+            <a:r>
+              <a:rPr lang="en-US" altLang="ja-JP" sz="3200" dirty="0" err="1">
+                <a:solidFill>
+                  <a:schemeClr val="tx1"/>
+                </a:solidFill>
+              </a:rPr>
+              <a:t>FixMatch</a:t>
+            </a:r>
+            <a:endParaRPr lang="ja-JP" altLang="en-US" sz="3200" dirty="0">
+              <a:solidFill>
+                <a:schemeClr val="tx1"/>
+              </a:solidFill>
+            </a:endParaRPr>
+          </a:p>
+        </p:txBody>
+      </p:sp>
+      <p:sp>
+        <p:nvSpPr>
+          <p:cNvPr id="11" name="四角形: 角を丸くする 10">
+            <a:extLst>
+              <a:ext uri="{FF2B5EF4-FFF2-40B4-BE49-F238E27FC236}">
+                <a16:creationId xmlns:a16="http://schemas.microsoft.com/office/drawing/2014/main" id="{A1AC43E3-4622-4056-9C5B-19BFEAE485AB}"/>
+              </a:ext>
+            </a:extLst>
+          </p:cNvPr>
+          <p:cNvSpPr/>
+          <p:nvPr/>
+        </p:nvSpPr>
+        <p:spPr>
+          <a:xfrm>
+            <a:off x="3182375" y="5725357"/>
+            <a:ext cx="2215005" cy="880323"/>
+          </a:xfrm>
+          <a:prstGeom prst="roundRect">
+            <a:avLst/>
+          </a:prstGeom>
+          <a:solidFill>
+            <a:srgbClr val="FFFF66"/>
+          </a:solidFill>
+        </p:spPr>
+        <p:style>
+          <a:lnRef idx="2">
+            <a:schemeClr val="accent1">
+              <a:shade val="50000"/>
+            </a:schemeClr>
+          </a:lnRef>
+          <a:fillRef idx="1">
+            <a:schemeClr val="accent1"/>
+          </a:fillRef>
+          <a:effectRef idx="0">
+            <a:schemeClr val="accent1"/>
+          </a:effectRef>
+          <a:fontRef idx="minor">
+            <a:schemeClr val="lt1"/>
+          </a:fontRef>
+        </p:style>
+        <p:txBody>
+          <a:bodyPr rtlCol="0" anchor="ctr"/>
+          <a:lstStyle/>
+          <a:p>
+            <a:pPr algn="ctr"/>
+            <a:r>
+              <a:rPr lang="en-US" altLang="ja-JP" sz="3600" dirty="0">
+                <a:solidFill>
+                  <a:schemeClr val="tx1"/>
+                </a:solidFill>
+                <a:ea typeface="メイリオ"/>
+              </a:rPr>
+              <a:t>Model</a:t>
+            </a:r>
+            <a:endParaRPr lang="ja-JP" altLang="en-US" sz="3600" dirty="0">
+              <a:solidFill>
+                <a:schemeClr val="tx1"/>
+              </a:solidFill>
+              <a:ea typeface="メイリオ"/>
+            </a:endParaRPr>
+          </a:p>
+        </p:txBody>
+      </p:sp>
+      <p:sp>
+        <p:nvSpPr>
+          <p:cNvPr id="22" name="十字形 21">
+            <a:extLst>
+              <a:ext uri="{FF2B5EF4-FFF2-40B4-BE49-F238E27FC236}">
+                <a16:creationId xmlns:a16="http://schemas.microsoft.com/office/drawing/2014/main" id="{8D6A8906-66FB-4AB2-B299-2CFA32DD7334}"/>
+              </a:ext>
+            </a:extLst>
+          </p:cNvPr>
+          <p:cNvSpPr/>
+          <p:nvPr/>
+        </p:nvSpPr>
+        <p:spPr>
+          <a:xfrm>
+            <a:off x="3995228" y="2815690"/>
+            <a:ext cx="589302" cy="578430"/>
+          </a:xfrm>
+          <a:prstGeom prst="plus">
+            <a:avLst>
+              <a:gd name="adj" fmla="val 38174"/>
+            </a:avLst>
+          </a:prstGeom>
+          <a:solidFill>
+            <a:srgbClr val="FF0000"/>
+          </a:solidFill>
+        </p:spPr>
+        <p:style>
+          <a:lnRef idx="2">
+            <a:schemeClr val="accent1">
+              <a:shade val="50000"/>
+            </a:schemeClr>
+          </a:lnRef>
+          <a:fillRef idx="1">
+            <a:schemeClr val="accent1"/>
+          </a:fillRef>
+          <a:effectRef idx="0">
+            <a:schemeClr val="accent1"/>
+          </a:effectRef>
+          <a:fontRef idx="minor">
+            <a:schemeClr val="lt1"/>
+          </a:fontRef>
+        </p:style>
+        <p:txBody>
+          <a:bodyPr rtlCol="0" anchor="ctr"/>
+          <a:lstStyle/>
+          <a:p>
+            <a:pPr algn="ctr"/>
+            <a:endParaRPr kumimoji="1" lang="ja-JP" altLang="en-US"/>
+          </a:p>
+        </p:txBody>
+      </p:sp>
+      <p:sp>
+        <p:nvSpPr>
+          <p:cNvPr id="20" name="テキスト ボックス 19">
+            <a:extLst>
+              <a:ext uri="{FF2B5EF4-FFF2-40B4-BE49-F238E27FC236}">
+                <a16:creationId xmlns:a16="http://schemas.microsoft.com/office/drawing/2014/main" id="{CC200840-C717-4031-8A29-3AFA78D447E0}"/>
+              </a:ext>
+            </a:extLst>
+          </p:cNvPr>
+          <p:cNvSpPr txBox="1"/>
+          <p:nvPr/>
+        </p:nvSpPr>
+        <p:spPr>
+          <a:xfrm>
+            <a:off x="457466" y="1622804"/>
+            <a:ext cx="7048233" cy="707886"/>
+          </a:xfrm>
+          <a:prstGeom prst="rect">
+            <a:avLst/>
+          </a:prstGeom>
+          <a:noFill/>
+        </p:spPr>
+        <p:txBody>
+          <a:bodyPr wrap="square" rtlCol="0" anchor="t">
+            <a:spAutoFit/>
+          </a:bodyPr>
+          <a:lstStyle/>
+          <a:p>
+            <a:r>
+              <a:rPr lang="ja-JP" altLang="en-US" sz="4000" dirty="0">
+                <a:ea typeface="メイリオ"/>
+              </a:rPr>
+              <a:t>事前学習</a:t>
+            </a:r>
+          </a:p>
+        </p:txBody>
+      </p:sp>
+      <mc:AlternateContent xmlns:mc="http://schemas.openxmlformats.org/markup-compatibility/2006" xmlns:a14="http://schemas.microsoft.com/office/drawing/2010/main">
+        <mc:Choice Requires="a14">
+          <p:sp>
+            <p:nvSpPr>
+              <p:cNvPr id="21" name="正方形/長方形 20">
+                <a:extLst>
+                  <a:ext uri="{FF2B5EF4-FFF2-40B4-BE49-F238E27FC236}">
+                    <a16:creationId xmlns:a16="http://schemas.microsoft.com/office/drawing/2014/main" id="{6EAE27A8-2D5D-42EE-AA60-3813F5A94490}"/>
+                  </a:ext>
+                </a:extLst>
+              </p:cNvPr>
+              <p:cNvSpPr/>
+              <p:nvPr/>
+            </p:nvSpPr>
+            <p:spPr>
+              <a:xfrm>
+                <a:off x="4876850" y="2697860"/>
+                <a:ext cx="3282737" cy="908720"/>
+              </a:xfrm>
+              <a:prstGeom prst="rect">
+                <a:avLst/>
+              </a:prstGeom>
+              <a:solidFill>
+                <a:srgbClr val="F5CFFD"/>
+              </a:solidFill>
+            </p:spPr>
+            <p:style>
+              <a:lnRef idx="2">
+                <a:schemeClr val="accent1">
+                  <a:shade val="50000"/>
+                </a:schemeClr>
+              </a:lnRef>
+              <a:fillRef idx="1">
+                <a:schemeClr val="accent1"/>
+              </a:fillRef>
+              <a:effectRef idx="0">
+                <a:schemeClr val="accent1"/>
+              </a:effectRef>
+              <a:fontRef idx="minor">
+                <a:schemeClr val="lt1"/>
+              </a:fontRef>
+            </p:style>
+            <p:txBody>
+              <a:bodyPr rtlCol="0" anchor="ctr"/>
+              <a:lstStyle/>
+              <a:p>
+                <a:pPr algn="ctr"/>
+                <a14:m>
+                  <m:oMath xmlns:m="http://schemas.openxmlformats.org/officeDocument/2006/math">
+                    <m:sSub>
+                      <m:sSubPr>
+                        <m:ctrlPr>
+                          <a:rPr lang="en-US" altLang="ja-JP" sz="2800" i="1" smtClean="0">
+                            <a:solidFill>
+                              <a:schemeClr val="tx1"/>
+                            </a:solidFill>
+                            <a:latin typeface="Cambria Math" panose="02040503050406030204" pitchFamily="18" charset="0"/>
+                            <a:ea typeface="メイリオ"/>
+                          </a:rPr>
+                        </m:ctrlPr>
+                      </m:sSubPr>
+                      <m:e>
+                        <m:r>
+                          <a:rPr lang="en-US" altLang="ja-JP" sz="2800" i="1">
+                            <a:solidFill>
+                              <a:schemeClr val="tx1"/>
+                            </a:solidFill>
+                            <a:latin typeface="Cambria Math" panose="02040503050406030204" pitchFamily="18" charset="0"/>
+                            <a:ea typeface="メイリオ"/>
+                          </a:rPr>
+                          <m:t>𝐷</m:t>
+                        </m:r>
+                      </m:e>
+                      <m:sub>
+                        <m:r>
+                          <m:rPr>
+                            <m:sty m:val="p"/>
+                          </m:rPr>
+                          <a:rPr lang="en-US" altLang="ja-JP" sz="2800" b="0" i="0" smtClean="0">
+                            <a:solidFill>
+                              <a:schemeClr val="tx1"/>
+                            </a:solidFill>
+                            <a:latin typeface="Cambria Math" panose="02040503050406030204" pitchFamily="18" charset="0"/>
+                            <a:ea typeface="メイリオ"/>
+                          </a:rPr>
+                          <m:t>NL</m:t>
+                        </m:r>
+                      </m:sub>
+                    </m:sSub>
+                  </m:oMath>
+                </a14:m>
+                <a:r>
+                  <a:rPr lang="en-US" altLang="ja-JP" sz="2800" dirty="0">
+                    <a:solidFill>
+                      <a:schemeClr val="tx1"/>
+                    </a:solidFill>
+                    <a:ea typeface="メイリオ"/>
+                  </a:rPr>
+                  <a:t>(49650</a:t>
+                </a:r>
+                <a:r>
+                  <a:rPr lang="ja-JP" altLang="en-US" sz="2800" dirty="0">
+                    <a:solidFill>
+                      <a:schemeClr val="tx1"/>
+                    </a:solidFill>
+                    <a:ea typeface="メイリオ"/>
+                  </a:rPr>
+                  <a:t>枚)</a:t>
+                </a:r>
+              </a:p>
+            </p:txBody>
+          </p:sp>
+        </mc:Choice>
+        <mc:Fallback xmlns="">
+          <p:sp>
+            <p:nvSpPr>
+              <p:cNvPr id="21" name="正方形/長方形 20">
+                <a:extLst>
+                  <a:ext uri="{FF2B5EF4-FFF2-40B4-BE49-F238E27FC236}">
+                    <a16:creationId xmlns:a16="http://schemas.microsoft.com/office/drawing/2014/main" id="{6EAE27A8-2D5D-42EE-AA60-3813F5A94490}"/>
+                  </a:ext>
+                </a:extLst>
+              </p:cNvPr>
+              <p:cNvSpPr>
+                <a:spLocks noRot="1" noChangeAspect="1" noMove="1" noResize="1" noEditPoints="1" noAdjustHandles="1" noChangeArrowheads="1" noChangeShapeType="1" noTextEdit="1"/>
+              </p:cNvSpPr>
+              <p:nvPr/>
+            </p:nvSpPr>
+            <p:spPr>
+              <a:xfrm>
+                <a:off x="4876850" y="2697860"/>
+                <a:ext cx="3282737" cy="908720"/>
+              </a:xfrm>
+              <a:prstGeom prst="rect">
+                <a:avLst/>
+              </a:prstGeom>
+              <a:blipFill>
+                <a:blip r:embed="rId3"/>
+                <a:stretch>
+                  <a:fillRect/>
+                </a:stretch>
+              </a:blipFill>
+            </p:spPr>
+            <p:txBody>
+              <a:bodyPr/>
+              <a:lstStyle/>
+              <a:p>
+                <a:r>
+                  <a:rPr lang="ja-JP" altLang="en-US">
+                    <a:noFill/>
+                  </a:rPr>
+                  <a:t> </a:t>
+                </a:r>
+              </a:p>
+            </p:txBody>
+          </p:sp>
+        </mc:Fallback>
+      </mc:AlternateContent>
+      <p:sp>
+        <p:nvSpPr>
+          <p:cNvPr id="2" name="吹き出し: 四角形 1">
+            <a:extLst>
+              <a:ext uri="{FF2B5EF4-FFF2-40B4-BE49-F238E27FC236}">
+                <a16:creationId xmlns:a16="http://schemas.microsoft.com/office/drawing/2014/main" id="{46295508-A21A-4DF6-A1DE-BF4A94857787}"/>
+              </a:ext>
+            </a:extLst>
+          </p:cNvPr>
+          <p:cNvSpPr/>
+          <p:nvPr/>
+        </p:nvSpPr>
+        <p:spPr>
+          <a:xfrm>
+            <a:off x="3632635" y="372575"/>
+            <a:ext cx="4773134" cy="1942877"/>
+          </a:xfrm>
+          <a:prstGeom prst="wedgeRectCallout">
+            <a:avLst>
+              <a:gd name="adj1" fmla="val -53571"/>
+              <a:gd name="adj2" fmla="val 81249"/>
+            </a:avLst>
+          </a:prstGeom>
+          <a:solidFill>
+            <a:schemeClr val="accent1">
+              <a:lumMod val="20000"/>
+              <a:lumOff val="80000"/>
+            </a:schemeClr>
+          </a:solidFill>
+        </p:spPr>
+        <p:style>
+          <a:lnRef idx="2">
+            <a:schemeClr val="accent1">
+              <a:shade val="50000"/>
+            </a:schemeClr>
+          </a:lnRef>
+          <a:fillRef idx="1">
+            <a:schemeClr val="accent1"/>
+          </a:fillRef>
+          <a:effectRef idx="0">
+            <a:schemeClr val="accent1"/>
+          </a:effectRef>
+          <a:fontRef idx="minor">
+            <a:schemeClr val="lt1"/>
+          </a:fontRef>
+        </p:style>
+        <p:txBody>
+          <a:bodyPr rtlCol="0" anchor="ctr"/>
+          <a:lstStyle/>
+          <a:p>
+            <a:pPr algn="ctr"/>
+            <a:r>
+              <a:rPr kumimoji="1" lang="ja-JP" altLang="en-US" sz="2800" dirty="0">
+                <a:solidFill>
+                  <a:schemeClr val="tx1"/>
+                </a:solidFill>
+              </a:rPr>
+              <a:t>全部使うと</a:t>
+            </a:r>
+            <a:r>
+              <a:rPr kumimoji="1" lang="en-US" altLang="ja-JP" sz="2800" dirty="0">
+                <a:solidFill>
+                  <a:schemeClr val="tx1"/>
+                </a:solidFill>
+              </a:rPr>
+              <a:t>GA</a:t>
+            </a:r>
+            <a:r>
+              <a:rPr kumimoji="1" lang="ja-JP" altLang="en-US" sz="2800" dirty="0">
+                <a:solidFill>
+                  <a:schemeClr val="tx1"/>
+                </a:solidFill>
+              </a:rPr>
+              <a:t>の個体評価の初期</a:t>
+            </a:r>
+            <a:r>
+              <a:rPr kumimoji="1" lang="en-US" altLang="ja-JP" sz="2800" dirty="0">
+                <a:solidFill>
+                  <a:schemeClr val="tx1"/>
+                </a:solidFill>
+              </a:rPr>
+              <a:t>model</a:t>
+            </a:r>
+            <a:r>
+              <a:rPr kumimoji="1" lang="ja-JP" altLang="en-US" sz="2800" dirty="0">
+                <a:solidFill>
+                  <a:schemeClr val="tx1"/>
+                </a:solidFill>
+              </a:rPr>
+              <a:t>の精度が始めが</a:t>
+            </a:r>
+            <a:r>
+              <a:rPr kumimoji="1" lang="en-US" altLang="ja-JP" sz="2800" dirty="0">
+                <a:solidFill>
+                  <a:schemeClr val="tx1"/>
+                </a:solidFill>
+              </a:rPr>
+              <a:t>100%</a:t>
+            </a:r>
+            <a:r>
+              <a:rPr kumimoji="1" lang="ja-JP" altLang="en-US" sz="2800" dirty="0">
+                <a:solidFill>
+                  <a:schemeClr val="tx1"/>
+                </a:solidFill>
+              </a:rPr>
+              <a:t>になってしまう</a:t>
+            </a:r>
+          </a:p>
+        </p:txBody>
+      </p:sp>
+    </p:spTree>
+    <p:extLst>
+      <p:ext uri="{BB962C8B-B14F-4D97-AF65-F5344CB8AC3E}">
+        <p14:creationId xmlns:p14="http://schemas.microsoft.com/office/powerpoint/2010/main" val="497757932"/>
+      </p:ext>
+    </p:extLst>
+  </p:cSld>
+  <p:clrMapOvr>
+    <a:masterClrMapping/>
+  </p:clrMapOvr>
+</p:sld>
+</file>
+
+<file path=ppt/slides/slide23.xml><?xml version="1.0" encoding="utf-8"?>
+<p:sld xmlns:a="http://schemas.openxmlformats.org/drawingml/2006/main" xmlns:r="http://schemas.openxmlformats.org/officeDocument/2006/relationships" xmlns:p="http://schemas.openxmlformats.org/presentationml/2006/main">
+  <p:cSld>
+    <p:spTree>
+      <p:nvGrpSpPr>
+        <p:cNvPr id="1" name=""/>
+        <p:cNvGrpSpPr/>
+        <p:nvPr/>
+      </p:nvGrpSpPr>
+      <p:grpSpPr>
+        <a:xfrm>
+          <a:off x="0" y="0"/>
+          <a:ext cx="0" cy="0"/>
+          <a:chOff x="0" y="0"/>
+          <a:chExt cx="0" cy="0"/>
+        </a:xfrm>
+      </p:grpSpPr>
+      <p:sp>
+        <p:nvSpPr>
           <p:cNvPr id="2" name="楕円 1">
             <a:extLst>
               <a:ext uri="{FF2B5EF4-FFF2-40B4-BE49-F238E27FC236}">
@@ -14517,7 +15255,7 @@
             <a:fld id="{D57F1E4F-1CFF-5643-939E-217C01CDF565}" type="slidenum">
               <a:rPr lang="en-US" smtClean="0"/>
               <a:pPr/>
-              <a:t>22</a:t>
+              <a:t>23</a:t>
             </a:fld>
             <a:endParaRPr lang="en-US" dirty="0"/>
           </a:p>
@@ -14868,7 +15606,7 @@
 </p:sld>
 </file>
 
-<file path=ppt/slides/slide23.xml><?xml version="1.0" encoding="utf-8"?>
+<file path=ppt/slides/slide24.xml><?xml version="1.0" encoding="utf-8"?>
 <p:sld xmlns:a="http://schemas.openxmlformats.org/drawingml/2006/main" xmlns:r="http://schemas.openxmlformats.org/officeDocument/2006/relationships" xmlns:p="http://schemas.openxmlformats.org/presentationml/2006/main">
   <p:cSld>
     <p:spTree>
@@ -14967,7 +15705,7 @@
             <a:fld id="{D57F1E4F-1CFF-5643-939E-217C01CDF565}" type="slidenum">
               <a:rPr lang="en-US" smtClean="0"/>
               <a:pPr/>
-              <a:t>23</a:t>
+              <a:t>24</a:t>
             </a:fld>
             <a:endParaRPr lang="en-US" dirty="0"/>
           </a:p>
@@ -15455,7 +16193,7 @@
 </p:sld>
 </file>
 
-<file path=ppt/slides/slide24.xml><?xml version="1.0" encoding="utf-8"?>
+<file path=ppt/slides/slide25.xml><?xml version="1.0" encoding="utf-8"?>
 <p:sld xmlns:a="http://schemas.openxmlformats.org/drawingml/2006/main" xmlns:r="http://schemas.openxmlformats.org/officeDocument/2006/relationships" xmlns:p="http://schemas.openxmlformats.org/presentationml/2006/main">
   <p:cSld>
     <p:spTree>
@@ -15554,7 +16292,7 @@
             <a:fld id="{D57F1E4F-1CFF-5643-939E-217C01CDF565}" type="slidenum">
               <a:rPr lang="en-US" smtClean="0"/>
               <a:pPr/>
-              <a:t>24</a:t>
+              <a:t>25</a:t>
             </a:fld>
             <a:endParaRPr lang="en-US" dirty="0"/>
           </a:p>
@@ -16047,7 +16785,7 @@
 </p:sld>
 </file>
 
-<file path=ppt/slides/slide25.xml><?xml version="1.0" encoding="utf-8"?>
+<file path=ppt/slides/slide26.xml><?xml version="1.0" encoding="utf-8"?>
 <p:sld xmlns:a="http://schemas.openxmlformats.org/drawingml/2006/main" xmlns:r="http://schemas.openxmlformats.org/officeDocument/2006/relationships" xmlns:p="http://schemas.openxmlformats.org/presentationml/2006/main">
   <p:cSld>
     <p:spTree>
@@ -16088,7 +16826,7 @@
             <a:fld id="{D57F1E4F-1CFF-5643-939E-217C01CDF565}" type="slidenum">
               <a:rPr lang="en-US" smtClean="0"/>
               <a:pPr/>
-              <a:t>25</a:t>
+              <a:t>26</a:t>
             </a:fld>
             <a:endParaRPr lang="en-US" dirty="0"/>
           </a:p>
@@ -16729,7 +17467,7 @@
 </p:sld>
 </file>
 
-<file path=ppt/slides/slide26.xml><?xml version="1.0" encoding="utf-8"?>
+<file path=ppt/slides/slide27.xml><?xml version="1.0" encoding="utf-8"?>
 <p:sld xmlns:a="http://schemas.openxmlformats.org/drawingml/2006/main" xmlns:r="http://schemas.openxmlformats.org/officeDocument/2006/relationships" xmlns:p="http://schemas.openxmlformats.org/presentationml/2006/main">
   <p:cSld>
     <p:spTree>
@@ -16770,7 +17508,7 @@
             <a:fld id="{D57F1E4F-1CFF-5643-939E-217C01CDF565}" type="slidenum">
               <a:rPr lang="en-US" smtClean="0"/>
               <a:pPr/>
-              <a:t>26</a:t>
+              <a:t>27</a:t>
             </a:fld>
             <a:endParaRPr lang="en-US" dirty="0"/>
           </a:p>
@@ -17228,7 +17966,7 @@
 </p:sld>
 </file>
 
-<file path=ppt/slides/slide27.xml><?xml version="1.0" encoding="utf-8"?>
+<file path=ppt/slides/slide28.xml><?xml version="1.0" encoding="utf-8"?>
 <p:sld xmlns:a="http://schemas.openxmlformats.org/drawingml/2006/main" xmlns:r="http://schemas.openxmlformats.org/officeDocument/2006/relationships" xmlns:p="http://schemas.openxmlformats.org/presentationml/2006/main">
   <p:cSld>
     <p:spTree>
@@ -17413,7 +18151,7 @@
             <a:fld id="{D57F1E4F-1CFF-5643-939E-217C01CDF565}" type="slidenum">
               <a:rPr lang="en-US" smtClean="0"/>
               <a:pPr/>
-              <a:t>27</a:t>
+              <a:t>28</a:t>
             </a:fld>
             <a:endParaRPr lang="en-US" dirty="0"/>
           </a:p>
@@ -17529,17 +18267,8 @@
               <a:rPr lang="en-US" altLang="ja-JP" sz="2800" dirty="0">
                 <a:ea typeface="メイリオ"/>
               </a:rPr>
-              <a:t>[ #12, #34, #56, …, #99]  : </a:t>
-            </a:r>
-            <a:r>
-              <a:rPr lang="ja-JP" altLang="en-US" sz="2800" dirty="0">
-                <a:ea typeface="メイリオ"/>
-              </a:rPr>
-              <a:t>データ番号</a:t>
-            </a:r>
-            <a:endParaRPr lang="en-US" altLang="ja-JP" sz="2800" dirty="0">
-              <a:ea typeface="メイリオ"/>
-            </a:endParaRPr>
+              <a:t>[ #12, #34, #56, …, #99]</a:t>
+            </a:r>
           </a:p>
           <a:p>
             <a:r>
@@ -17767,7 +18496,7 @@
 </p:sld>
 </file>
 
-<file path=ppt/slides/slide28.xml><?xml version="1.0" encoding="utf-8"?>
+<file path=ppt/slides/slide29.xml><?xml version="1.0" encoding="utf-8"?>
 <p:sld xmlns:a="http://schemas.openxmlformats.org/drawingml/2006/main" xmlns:r="http://schemas.openxmlformats.org/officeDocument/2006/relationships" xmlns:p="http://schemas.openxmlformats.org/presentationml/2006/main">
   <p:cSld>
     <p:spTree>
@@ -17808,7 +18537,7 @@
             <a:fld id="{D57F1E4F-1CFF-5643-939E-217C01CDF565}" type="slidenum">
               <a:rPr lang="en-US" smtClean="0"/>
               <a:pPr/>
-              <a:t>28</a:t>
+              <a:t>29</a:t>
             </a:fld>
             <a:endParaRPr lang="en-US" dirty="0"/>
           </a:p>
@@ -17852,8 +18581,8 @@
           </a:p>
         </p:txBody>
       </p:sp>
-      <mc:AlternateContent xmlns:mc="http://schemas.openxmlformats.org/markup-compatibility/2006">
-        <mc:Choice xmlns:a14="http://schemas.microsoft.com/office/drawing/2010/main" Requires="a14">
+      <mc:AlternateContent xmlns:mc="http://schemas.openxmlformats.org/markup-compatibility/2006" xmlns:a14="http://schemas.microsoft.com/office/drawing/2010/main">
+        <mc:Choice Requires="a14">
           <p:sp>
             <p:nvSpPr>
               <p:cNvPr id="8" name="正方形/長方形 7">
@@ -17965,7 +18694,7 @@
             </p:txBody>
           </p:sp>
         </mc:Choice>
-        <mc:Fallback>
+        <mc:Fallback xmlns="">
           <p:sp>
             <p:nvSpPr>
               <p:cNvPr id="8" name="正方形/長方形 7">
@@ -18662,476 +19391,6 @@
 </p:sld>
 </file>
 
-<file path=ppt/slides/slide29.xml><?xml version="1.0" encoding="utf-8"?>
-<p:sld xmlns:a="http://schemas.openxmlformats.org/drawingml/2006/main" xmlns:r="http://schemas.openxmlformats.org/officeDocument/2006/relationships" xmlns:p="http://schemas.openxmlformats.org/presentationml/2006/main">
-  <p:cSld>
-    <p:spTree>
-      <p:nvGrpSpPr>
-        <p:cNvPr id="1" name=""/>
-        <p:cNvGrpSpPr/>
-        <p:nvPr/>
-      </p:nvGrpSpPr>
-      <p:grpSpPr>
-        <a:xfrm>
-          <a:off x="0" y="0"/>
-          <a:ext cx="0" cy="0"/>
-          <a:chOff x="0" y="0"/>
-          <a:chExt cx="0" cy="0"/>
-        </a:xfrm>
-      </p:grpSpPr>
-      <p:sp>
-        <p:nvSpPr>
-          <p:cNvPr id="4" name="スライド番号プレースホルダー 3">
-            <a:extLst>
-              <a:ext uri="{FF2B5EF4-FFF2-40B4-BE49-F238E27FC236}">
-                <a16:creationId xmlns:a16="http://schemas.microsoft.com/office/drawing/2014/main" id="{7811F4A6-62BE-4074-9E9E-CBF94EF64F40}"/>
-              </a:ext>
-            </a:extLst>
-          </p:cNvPr>
-          <p:cNvSpPr>
-            <a:spLocks noGrp="1"/>
-          </p:cNvSpPr>
-          <p:nvPr>
-            <p:ph type="sldNum" sz="quarter" idx="12"/>
-          </p:nvPr>
-        </p:nvSpPr>
-        <p:spPr/>
-        <p:txBody>
-          <a:bodyPr/>
-          <a:lstStyle/>
-          <a:p>
-            <a:fld id="{D57F1E4F-1CFF-5643-939E-217C01CDF565}" type="slidenum">
-              <a:rPr lang="en-US" smtClean="0"/>
-              <a:pPr/>
-              <a:t>29</a:t>
-            </a:fld>
-            <a:endParaRPr lang="en-US" dirty="0"/>
-          </a:p>
-        </p:txBody>
-      </p:sp>
-      <p:sp>
-        <p:nvSpPr>
-          <p:cNvPr id="6" name="テキスト ボックス 5">
-            <a:extLst>
-              <a:ext uri="{FF2B5EF4-FFF2-40B4-BE49-F238E27FC236}">
-                <a16:creationId xmlns:a16="http://schemas.microsoft.com/office/drawing/2014/main" id="{A787110A-F680-4C3A-AF75-2F6E113D5236}"/>
-              </a:ext>
-            </a:extLst>
-          </p:cNvPr>
-          <p:cNvSpPr txBox="1"/>
-          <p:nvPr/>
-        </p:nvSpPr>
-        <p:spPr>
-          <a:xfrm>
-            <a:off x="457467" y="628433"/>
-            <a:ext cx="6497348" cy="715581"/>
-          </a:xfrm>
-          <a:prstGeom prst="rect">
-            <a:avLst/>
-          </a:prstGeom>
-          <a:noFill/>
-        </p:spPr>
-        <p:txBody>
-          <a:bodyPr wrap="square" rtlCol="0" anchor="t">
-            <a:spAutoFit/>
-          </a:bodyPr>
-          <a:lstStyle/>
-          <a:p>
-            <a:r>
-              <a:rPr kumimoji="1" lang="ja-JP" sz="4050" dirty="0">
-                <a:ea typeface="メイリオ"/>
-              </a:rPr>
-              <a:t>実験　</a:t>
-            </a:r>
-            <a:endParaRPr lang="ja-JP" altLang="en-US" dirty="0"/>
-          </a:p>
-        </p:txBody>
-      </p:sp>
-      <mc:AlternateContent xmlns:mc="http://schemas.openxmlformats.org/markup-compatibility/2006" xmlns:a14="http://schemas.microsoft.com/office/drawing/2010/main">
-        <mc:Choice Requires="a14">
-          <p:sp>
-            <p:nvSpPr>
-              <p:cNvPr id="8" name="正方形/長方形 7">
-                <a:extLst>
-                  <a:ext uri="{FF2B5EF4-FFF2-40B4-BE49-F238E27FC236}">
-                    <a16:creationId xmlns:a16="http://schemas.microsoft.com/office/drawing/2014/main" id="{BDE35611-267F-4E4E-9187-D7260F408548}"/>
-                  </a:ext>
-                </a:extLst>
-              </p:cNvPr>
-              <p:cNvSpPr/>
-              <p:nvPr/>
-            </p:nvSpPr>
-            <p:spPr>
-              <a:xfrm>
-                <a:off x="2684368" y="2226538"/>
-                <a:ext cx="3282737" cy="908720"/>
-              </a:xfrm>
-              <a:prstGeom prst="rect">
-                <a:avLst/>
-              </a:prstGeom>
-              <a:solidFill>
-                <a:srgbClr val="8895F8"/>
-              </a:solidFill>
-            </p:spPr>
-            <p:style>
-              <a:lnRef idx="2">
-                <a:schemeClr val="accent1">
-                  <a:shade val="50000"/>
-                </a:schemeClr>
-              </a:lnRef>
-              <a:fillRef idx="1">
-                <a:schemeClr val="accent1"/>
-              </a:fillRef>
-              <a:effectRef idx="0">
-                <a:schemeClr val="accent1"/>
-              </a:effectRef>
-              <a:fontRef idx="minor">
-                <a:schemeClr val="lt1"/>
-              </a:fontRef>
-            </p:style>
-            <p:txBody>
-              <a:bodyPr rtlCol="0" anchor="ctr"/>
-              <a:lstStyle/>
-              <a:p>
-                <a:pPr algn="ctr"/>
-                <a14:m>
-                  <m:oMath xmlns:m="http://schemas.openxmlformats.org/officeDocument/2006/math">
-                    <m:sSub>
-                      <m:sSubPr>
-                        <m:ctrlPr>
-                          <a:rPr lang="en-US" altLang="ja-JP" sz="2800" i="1" smtClean="0">
-                            <a:solidFill>
-                              <a:schemeClr val="tx1"/>
-                            </a:solidFill>
-                            <a:latin typeface="Cambria Math" panose="02040503050406030204" pitchFamily="18" charset="0"/>
-                            <a:ea typeface="メイリオ"/>
-                          </a:rPr>
-                        </m:ctrlPr>
-                      </m:sSubPr>
-                      <m:e>
-                        <m:r>
-                          <a:rPr lang="en-US" altLang="ja-JP" sz="2800" i="1">
-                            <a:solidFill>
-                              <a:schemeClr val="tx1"/>
-                            </a:solidFill>
-                            <a:latin typeface="Cambria Math" panose="02040503050406030204" pitchFamily="18" charset="0"/>
-                            <a:ea typeface="メイリオ"/>
-                          </a:rPr>
-                          <m:t>𝐷</m:t>
-                        </m:r>
-                      </m:e>
-                      <m:sub>
-                        <m:r>
-                          <m:rPr>
-                            <m:sty m:val="p"/>
-                          </m:rPr>
-                          <a:rPr lang="en-US" altLang="ja-JP" sz="2800" b="0" i="0" smtClean="0">
-                            <a:solidFill>
-                              <a:schemeClr val="tx1"/>
-                            </a:solidFill>
-                            <a:latin typeface="Cambria Math" panose="02040503050406030204" pitchFamily="18" charset="0"/>
-                            <a:ea typeface="メイリオ"/>
-                          </a:rPr>
-                          <m:t>T</m:t>
-                        </m:r>
-                      </m:sub>
-                    </m:sSub>
-                  </m:oMath>
-                </a14:m>
-                <a:r>
-                  <a:rPr lang="en-US" altLang="ja-JP" sz="2800" dirty="0">
-                    <a:solidFill>
-                      <a:schemeClr val="tx1"/>
-                    </a:solidFill>
-                    <a:ea typeface="メイリオ"/>
-                  </a:rPr>
-                  <a:t>(10000</a:t>
-                </a:r>
-                <a:r>
-                  <a:rPr lang="ja-JP" altLang="en-US" sz="2800" dirty="0">
-                    <a:solidFill>
-                      <a:schemeClr val="tx1"/>
-                    </a:solidFill>
-                    <a:ea typeface="メイリオ"/>
-                  </a:rPr>
-                  <a:t>枚)</a:t>
-                </a:r>
-              </a:p>
-            </p:txBody>
-          </p:sp>
-        </mc:Choice>
-        <mc:Fallback xmlns="">
-          <p:sp>
-            <p:nvSpPr>
-              <p:cNvPr id="8" name="正方形/長方形 7">
-                <a:extLst>
-                  <a:ext uri="{FF2B5EF4-FFF2-40B4-BE49-F238E27FC236}">
-                    <a16:creationId xmlns:a16="http://schemas.microsoft.com/office/drawing/2014/main" id="{BDE35611-267F-4E4E-9187-D7260F408548}"/>
-                  </a:ext>
-                </a:extLst>
-              </p:cNvPr>
-              <p:cNvSpPr>
-                <a:spLocks noRot="1" noChangeAspect="1" noMove="1" noResize="1" noEditPoints="1" noAdjustHandles="1" noChangeArrowheads="1" noChangeShapeType="1" noTextEdit="1"/>
-              </p:cNvSpPr>
-              <p:nvPr/>
-            </p:nvSpPr>
-            <p:spPr>
-              <a:xfrm>
-                <a:off x="2684368" y="2226538"/>
-                <a:ext cx="3282737" cy="908720"/>
-              </a:xfrm>
-              <a:prstGeom prst="rect">
-                <a:avLst/>
-              </a:prstGeom>
-              <a:blipFill>
-                <a:blip r:embed="rId2"/>
-                <a:stretch>
-                  <a:fillRect/>
-                </a:stretch>
-              </a:blipFill>
-            </p:spPr>
-            <p:txBody>
-              <a:bodyPr/>
-              <a:lstStyle/>
-              <a:p>
-                <a:r>
-                  <a:rPr lang="ja-JP" altLang="en-US">
-                    <a:noFill/>
-                  </a:rPr>
-                  <a:t> </a:t>
-                </a:r>
-              </a:p>
-            </p:txBody>
-          </p:sp>
-        </mc:Fallback>
-      </mc:AlternateContent>
-      <p:sp>
-        <p:nvSpPr>
-          <p:cNvPr id="20" name="テキスト ボックス 19">
-            <a:extLst>
-              <a:ext uri="{FF2B5EF4-FFF2-40B4-BE49-F238E27FC236}">
-                <a16:creationId xmlns:a16="http://schemas.microsoft.com/office/drawing/2014/main" id="{CC200840-C717-4031-8A29-3AFA78D447E0}"/>
-              </a:ext>
-            </a:extLst>
-          </p:cNvPr>
-          <p:cNvSpPr txBox="1"/>
-          <p:nvPr/>
-        </p:nvSpPr>
-        <p:spPr>
-          <a:xfrm>
-            <a:off x="457466" y="1622804"/>
-            <a:ext cx="7048233" cy="707886"/>
-          </a:xfrm>
-          <a:prstGeom prst="rect">
-            <a:avLst/>
-          </a:prstGeom>
-          <a:noFill/>
-        </p:spPr>
-        <p:txBody>
-          <a:bodyPr wrap="square" rtlCol="0" anchor="t">
-            <a:spAutoFit/>
-          </a:bodyPr>
-          <a:lstStyle/>
-          <a:p>
-            <a:r>
-              <a:rPr lang="ja-JP" altLang="en-US" sz="4000" dirty="0">
-                <a:ea typeface="メイリオ"/>
-              </a:rPr>
-              <a:t>精度確認</a:t>
-            </a:r>
-          </a:p>
-        </p:txBody>
-      </p:sp>
-      <p:sp>
-        <p:nvSpPr>
-          <p:cNvPr id="17" name="矢印: 下 16">
-            <a:extLst>
-              <a:ext uri="{FF2B5EF4-FFF2-40B4-BE49-F238E27FC236}">
-                <a16:creationId xmlns:a16="http://schemas.microsoft.com/office/drawing/2014/main" id="{6C17A437-4E90-418D-BF18-E974B7E6AB15}"/>
-              </a:ext>
-            </a:extLst>
-          </p:cNvPr>
-          <p:cNvSpPr/>
-          <p:nvPr/>
-        </p:nvSpPr>
-        <p:spPr>
-          <a:xfrm>
-            <a:off x="2300486" y="3193044"/>
-            <a:ext cx="4121943" cy="2131431"/>
-          </a:xfrm>
-          <a:prstGeom prst="downArrow">
-            <a:avLst>
-              <a:gd name="adj1" fmla="val 56957"/>
-              <a:gd name="adj2" fmla="val 50000"/>
-            </a:avLst>
-          </a:prstGeom>
-        </p:spPr>
-        <p:style>
-          <a:lnRef idx="2">
-            <a:schemeClr val="accent1">
-              <a:shade val="50000"/>
-            </a:schemeClr>
-          </a:lnRef>
-          <a:fillRef idx="1">
-            <a:schemeClr val="accent1"/>
-          </a:fillRef>
-          <a:effectRef idx="0">
-            <a:schemeClr val="accent1"/>
-          </a:effectRef>
-          <a:fontRef idx="minor">
-            <a:schemeClr val="lt1"/>
-          </a:fontRef>
-        </p:style>
-        <p:txBody>
-          <a:bodyPr rtlCol="0" anchor="ctr"/>
-          <a:lstStyle/>
-          <a:p>
-            <a:pPr algn="ctr"/>
-            <a:r>
-              <a:rPr lang="ja-JP" altLang="en-US" sz="3200" dirty="0">
-                <a:solidFill>
-                  <a:schemeClr val="tx1"/>
-                </a:solidFill>
-              </a:rPr>
-              <a:t>精度確認</a:t>
-            </a:r>
-          </a:p>
-        </p:txBody>
-      </p:sp>
-      <p:sp>
-        <p:nvSpPr>
-          <p:cNvPr id="18" name="四角形: 角を丸くする 17">
-            <a:extLst>
-              <a:ext uri="{FF2B5EF4-FFF2-40B4-BE49-F238E27FC236}">
-                <a16:creationId xmlns:a16="http://schemas.microsoft.com/office/drawing/2014/main" id="{6B412A90-4F56-42E2-834C-CDD752E03981}"/>
-              </a:ext>
-            </a:extLst>
-          </p:cNvPr>
-          <p:cNvSpPr/>
-          <p:nvPr/>
-        </p:nvSpPr>
-        <p:spPr>
-          <a:xfrm>
-            <a:off x="3253954" y="4258759"/>
-            <a:ext cx="2215005" cy="880323"/>
-          </a:xfrm>
-          <a:prstGeom prst="roundRect">
-            <a:avLst/>
-          </a:prstGeom>
-          <a:solidFill>
-            <a:srgbClr val="FFFF66"/>
-          </a:solidFill>
-        </p:spPr>
-        <p:style>
-          <a:lnRef idx="2">
-            <a:schemeClr val="accent1">
-              <a:shade val="50000"/>
-            </a:schemeClr>
-          </a:lnRef>
-          <a:fillRef idx="1">
-            <a:schemeClr val="accent1"/>
-          </a:fillRef>
-          <a:effectRef idx="0">
-            <a:schemeClr val="accent1"/>
-          </a:effectRef>
-          <a:fontRef idx="minor">
-            <a:schemeClr val="lt1"/>
-          </a:fontRef>
-        </p:style>
-        <p:txBody>
-          <a:bodyPr rtlCol="0" anchor="ctr"/>
-          <a:lstStyle/>
-          <a:p>
-            <a:pPr algn="ctr"/>
-            <a:r>
-              <a:rPr lang="en-US" altLang="ja-JP" sz="3600" dirty="0">
-                <a:solidFill>
-                  <a:schemeClr val="tx1"/>
-                </a:solidFill>
-                <a:ea typeface="メイリオ"/>
-              </a:rPr>
-              <a:t>Model</a:t>
-            </a:r>
-            <a:endParaRPr lang="ja-JP" altLang="en-US" sz="3600" dirty="0">
-              <a:solidFill>
-                <a:schemeClr val="tx1"/>
-              </a:solidFill>
-              <a:ea typeface="メイリオ"/>
-            </a:endParaRPr>
-          </a:p>
-        </p:txBody>
-      </p:sp>
-      <p:sp>
-        <p:nvSpPr>
-          <p:cNvPr id="9" name="楕円 8">
-            <a:extLst>
-              <a:ext uri="{FF2B5EF4-FFF2-40B4-BE49-F238E27FC236}">
-                <a16:creationId xmlns:a16="http://schemas.microsoft.com/office/drawing/2014/main" id="{93950DD9-D2EA-4FC6-9E8D-E45E7B722961}"/>
-              </a:ext>
-            </a:extLst>
-          </p:cNvPr>
-          <p:cNvSpPr/>
-          <p:nvPr/>
-        </p:nvSpPr>
-        <p:spPr>
-          <a:xfrm>
-            <a:off x="2893415" y="5382261"/>
-            <a:ext cx="3073690" cy="1139983"/>
-          </a:xfrm>
-          <a:prstGeom prst="ellipse">
-            <a:avLst/>
-          </a:prstGeom>
-          <a:solidFill>
-            <a:schemeClr val="bg1">
-              <a:lumMod val="95000"/>
-            </a:schemeClr>
-          </a:solidFill>
-        </p:spPr>
-        <p:style>
-          <a:lnRef idx="2">
-            <a:schemeClr val="accent1">
-              <a:shade val="50000"/>
-            </a:schemeClr>
-          </a:lnRef>
-          <a:fillRef idx="1">
-            <a:schemeClr val="accent1"/>
-          </a:fillRef>
-          <a:effectRef idx="0">
-            <a:schemeClr val="accent1"/>
-          </a:effectRef>
-          <a:fontRef idx="minor">
-            <a:schemeClr val="lt1"/>
-          </a:fontRef>
-        </p:style>
-        <p:txBody>
-          <a:bodyPr rtlCol="0" anchor="ctr"/>
-          <a:lstStyle/>
-          <a:p>
-            <a:pPr algn="ctr"/>
-            <a:r>
-              <a:rPr kumimoji="1" lang="ja-JP" altLang="en-US" sz="2800" dirty="0">
-                <a:solidFill>
-                  <a:schemeClr val="tx1"/>
-                </a:solidFill>
-              </a:rPr>
-              <a:t>精度</a:t>
-            </a:r>
-          </a:p>
-        </p:txBody>
-      </p:sp>
-    </p:spTree>
-    <p:extLst>
-      <p:ext uri="{BB962C8B-B14F-4D97-AF65-F5344CB8AC3E}">
-        <p14:creationId xmlns:p14="http://schemas.microsoft.com/office/powerpoint/2010/main" val="3186511922"/>
-      </p:ext>
-    </p:extLst>
-  </p:cSld>
-  <p:clrMapOvr>
-    <a:masterClrMapping/>
-  </p:clrMapOvr>
-</p:sld>
-</file>
-
 <file path=ppt/slides/slide3.xml><?xml version="1.0" encoding="utf-8"?>
 <p:sld xmlns:a="http://schemas.openxmlformats.org/drawingml/2006/main" xmlns:r="http://schemas.openxmlformats.org/officeDocument/2006/relationships" xmlns:p="http://schemas.openxmlformats.org/presentationml/2006/main">
   <p:cSld>
@@ -19632,6 +19891,476 @@
               <a:rPr lang="en-US" smtClean="0"/>
               <a:pPr/>
               <a:t>30</a:t>
+            </a:fld>
+            <a:endParaRPr lang="en-US" dirty="0"/>
+          </a:p>
+        </p:txBody>
+      </p:sp>
+      <p:sp>
+        <p:nvSpPr>
+          <p:cNvPr id="6" name="テキスト ボックス 5">
+            <a:extLst>
+              <a:ext uri="{FF2B5EF4-FFF2-40B4-BE49-F238E27FC236}">
+                <a16:creationId xmlns:a16="http://schemas.microsoft.com/office/drawing/2014/main" id="{A787110A-F680-4C3A-AF75-2F6E113D5236}"/>
+              </a:ext>
+            </a:extLst>
+          </p:cNvPr>
+          <p:cNvSpPr txBox="1"/>
+          <p:nvPr/>
+        </p:nvSpPr>
+        <p:spPr>
+          <a:xfrm>
+            <a:off x="457467" y="628433"/>
+            <a:ext cx="6497348" cy="715581"/>
+          </a:xfrm>
+          <a:prstGeom prst="rect">
+            <a:avLst/>
+          </a:prstGeom>
+          <a:noFill/>
+        </p:spPr>
+        <p:txBody>
+          <a:bodyPr wrap="square" rtlCol="0" anchor="t">
+            <a:spAutoFit/>
+          </a:bodyPr>
+          <a:lstStyle/>
+          <a:p>
+            <a:r>
+              <a:rPr kumimoji="1" lang="ja-JP" sz="4050" dirty="0">
+                <a:ea typeface="メイリオ"/>
+              </a:rPr>
+              <a:t>実験　</a:t>
+            </a:r>
+            <a:endParaRPr lang="ja-JP" altLang="en-US" dirty="0"/>
+          </a:p>
+        </p:txBody>
+      </p:sp>
+      <mc:AlternateContent xmlns:mc="http://schemas.openxmlformats.org/markup-compatibility/2006" xmlns:a14="http://schemas.microsoft.com/office/drawing/2010/main">
+        <mc:Choice Requires="a14">
+          <p:sp>
+            <p:nvSpPr>
+              <p:cNvPr id="8" name="正方形/長方形 7">
+                <a:extLst>
+                  <a:ext uri="{FF2B5EF4-FFF2-40B4-BE49-F238E27FC236}">
+                    <a16:creationId xmlns:a16="http://schemas.microsoft.com/office/drawing/2014/main" id="{BDE35611-267F-4E4E-9187-D7260F408548}"/>
+                  </a:ext>
+                </a:extLst>
+              </p:cNvPr>
+              <p:cNvSpPr/>
+              <p:nvPr/>
+            </p:nvSpPr>
+            <p:spPr>
+              <a:xfrm>
+                <a:off x="2684368" y="2226538"/>
+                <a:ext cx="3282737" cy="908720"/>
+              </a:xfrm>
+              <a:prstGeom prst="rect">
+                <a:avLst/>
+              </a:prstGeom>
+              <a:solidFill>
+                <a:srgbClr val="8895F8"/>
+              </a:solidFill>
+            </p:spPr>
+            <p:style>
+              <a:lnRef idx="2">
+                <a:schemeClr val="accent1">
+                  <a:shade val="50000"/>
+                </a:schemeClr>
+              </a:lnRef>
+              <a:fillRef idx="1">
+                <a:schemeClr val="accent1"/>
+              </a:fillRef>
+              <a:effectRef idx="0">
+                <a:schemeClr val="accent1"/>
+              </a:effectRef>
+              <a:fontRef idx="minor">
+                <a:schemeClr val="lt1"/>
+              </a:fontRef>
+            </p:style>
+            <p:txBody>
+              <a:bodyPr rtlCol="0" anchor="ctr"/>
+              <a:lstStyle/>
+              <a:p>
+                <a:pPr algn="ctr"/>
+                <a14:m>
+                  <m:oMath xmlns:m="http://schemas.openxmlformats.org/officeDocument/2006/math">
+                    <m:sSub>
+                      <m:sSubPr>
+                        <m:ctrlPr>
+                          <a:rPr lang="en-US" altLang="ja-JP" sz="2800" i="1" smtClean="0">
+                            <a:solidFill>
+                              <a:schemeClr val="tx1"/>
+                            </a:solidFill>
+                            <a:latin typeface="Cambria Math" panose="02040503050406030204" pitchFamily="18" charset="0"/>
+                            <a:ea typeface="メイリオ"/>
+                          </a:rPr>
+                        </m:ctrlPr>
+                      </m:sSubPr>
+                      <m:e>
+                        <m:r>
+                          <a:rPr lang="en-US" altLang="ja-JP" sz="2800" i="1">
+                            <a:solidFill>
+                              <a:schemeClr val="tx1"/>
+                            </a:solidFill>
+                            <a:latin typeface="Cambria Math" panose="02040503050406030204" pitchFamily="18" charset="0"/>
+                            <a:ea typeface="メイリオ"/>
+                          </a:rPr>
+                          <m:t>𝐷</m:t>
+                        </m:r>
+                      </m:e>
+                      <m:sub>
+                        <m:r>
+                          <m:rPr>
+                            <m:sty m:val="p"/>
+                          </m:rPr>
+                          <a:rPr lang="en-US" altLang="ja-JP" sz="2800" b="0" i="0" smtClean="0">
+                            <a:solidFill>
+                              <a:schemeClr val="tx1"/>
+                            </a:solidFill>
+                            <a:latin typeface="Cambria Math" panose="02040503050406030204" pitchFamily="18" charset="0"/>
+                            <a:ea typeface="メイリオ"/>
+                          </a:rPr>
+                          <m:t>T</m:t>
+                        </m:r>
+                      </m:sub>
+                    </m:sSub>
+                  </m:oMath>
+                </a14:m>
+                <a:r>
+                  <a:rPr lang="en-US" altLang="ja-JP" sz="2800" dirty="0">
+                    <a:solidFill>
+                      <a:schemeClr val="tx1"/>
+                    </a:solidFill>
+                    <a:ea typeface="メイリオ"/>
+                  </a:rPr>
+                  <a:t>(10000</a:t>
+                </a:r>
+                <a:r>
+                  <a:rPr lang="ja-JP" altLang="en-US" sz="2800" dirty="0">
+                    <a:solidFill>
+                      <a:schemeClr val="tx1"/>
+                    </a:solidFill>
+                    <a:ea typeface="メイリオ"/>
+                  </a:rPr>
+                  <a:t>枚)</a:t>
+                </a:r>
+              </a:p>
+            </p:txBody>
+          </p:sp>
+        </mc:Choice>
+        <mc:Fallback xmlns="">
+          <p:sp>
+            <p:nvSpPr>
+              <p:cNvPr id="8" name="正方形/長方形 7">
+                <a:extLst>
+                  <a:ext uri="{FF2B5EF4-FFF2-40B4-BE49-F238E27FC236}">
+                    <a16:creationId xmlns:a16="http://schemas.microsoft.com/office/drawing/2014/main" id="{BDE35611-267F-4E4E-9187-D7260F408548}"/>
+                  </a:ext>
+                </a:extLst>
+              </p:cNvPr>
+              <p:cNvSpPr>
+                <a:spLocks noRot="1" noChangeAspect="1" noMove="1" noResize="1" noEditPoints="1" noAdjustHandles="1" noChangeArrowheads="1" noChangeShapeType="1" noTextEdit="1"/>
+              </p:cNvSpPr>
+              <p:nvPr/>
+            </p:nvSpPr>
+            <p:spPr>
+              <a:xfrm>
+                <a:off x="2684368" y="2226538"/>
+                <a:ext cx="3282737" cy="908720"/>
+              </a:xfrm>
+              <a:prstGeom prst="rect">
+                <a:avLst/>
+              </a:prstGeom>
+              <a:blipFill>
+                <a:blip r:embed="rId2"/>
+                <a:stretch>
+                  <a:fillRect/>
+                </a:stretch>
+              </a:blipFill>
+            </p:spPr>
+            <p:txBody>
+              <a:bodyPr/>
+              <a:lstStyle/>
+              <a:p>
+                <a:r>
+                  <a:rPr lang="ja-JP" altLang="en-US">
+                    <a:noFill/>
+                  </a:rPr>
+                  <a:t> </a:t>
+                </a:r>
+              </a:p>
+            </p:txBody>
+          </p:sp>
+        </mc:Fallback>
+      </mc:AlternateContent>
+      <p:sp>
+        <p:nvSpPr>
+          <p:cNvPr id="20" name="テキスト ボックス 19">
+            <a:extLst>
+              <a:ext uri="{FF2B5EF4-FFF2-40B4-BE49-F238E27FC236}">
+                <a16:creationId xmlns:a16="http://schemas.microsoft.com/office/drawing/2014/main" id="{CC200840-C717-4031-8A29-3AFA78D447E0}"/>
+              </a:ext>
+            </a:extLst>
+          </p:cNvPr>
+          <p:cNvSpPr txBox="1"/>
+          <p:nvPr/>
+        </p:nvSpPr>
+        <p:spPr>
+          <a:xfrm>
+            <a:off x="457466" y="1622804"/>
+            <a:ext cx="7048233" cy="707886"/>
+          </a:xfrm>
+          <a:prstGeom prst="rect">
+            <a:avLst/>
+          </a:prstGeom>
+          <a:noFill/>
+        </p:spPr>
+        <p:txBody>
+          <a:bodyPr wrap="square" rtlCol="0" anchor="t">
+            <a:spAutoFit/>
+          </a:bodyPr>
+          <a:lstStyle/>
+          <a:p>
+            <a:r>
+              <a:rPr lang="ja-JP" altLang="en-US" sz="4000" dirty="0">
+                <a:ea typeface="メイリオ"/>
+              </a:rPr>
+              <a:t>精度確認</a:t>
+            </a:r>
+          </a:p>
+        </p:txBody>
+      </p:sp>
+      <p:sp>
+        <p:nvSpPr>
+          <p:cNvPr id="17" name="矢印: 下 16">
+            <a:extLst>
+              <a:ext uri="{FF2B5EF4-FFF2-40B4-BE49-F238E27FC236}">
+                <a16:creationId xmlns:a16="http://schemas.microsoft.com/office/drawing/2014/main" id="{6C17A437-4E90-418D-BF18-E974B7E6AB15}"/>
+              </a:ext>
+            </a:extLst>
+          </p:cNvPr>
+          <p:cNvSpPr/>
+          <p:nvPr/>
+        </p:nvSpPr>
+        <p:spPr>
+          <a:xfrm>
+            <a:off x="2300486" y="3193044"/>
+            <a:ext cx="4121943" cy="2131431"/>
+          </a:xfrm>
+          <a:prstGeom prst="downArrow">
+            <a:avLst>
+              <a:gd name="adj1" fmla="val 56957"/>
+              <a:gd name="adj2" fmla="val 50000"/>
+            </a:avLst>
+          </a:prstGeom>
+        </p:spPr>
+        <p:style>
+          <a:lnRef idx="2">
+            <a:schemeClr val="accent1">
+              <a:shade val="50000"/>
+            </a:schemeClr>
+          </a:lnRef>
+          <a:fillRef idx="1">
+            <a:schemeClr val="accent1"/>
+          </a:fillRef>
+          <a:effectRef idx="0">
+            <a:schemeClr val="accent1"/>
+          </a:effectRef>
+          <a:fontRef idx="minor">
+            <a:schemeClr val="lt1"/>
+          </a:fontRef>
+        </p:style>
+        <p:txBody>
+          <a:bodyPr rtlCol="0" anchor="ctr"/>
+          <a:lstStyle/>
+          <a:p>
+            <a:pPr algn="ctr"/>
+            <a:r>
+              <a:rPr lang="ja-JP" altLang="en-US" sz="3200" dirty="0">
+                <a:solidFill>
+                  <a:schemeClr val="tx1"/>
+                </a:solidFill>
+              </a:rPr>
+              <a:t>精度確認</a:t>
+            </a:r>
+          </a:p>
+        </p:txBody>
+      </p:sp>
+      <p:sp>
+        <p:nvSpPr>
+          <p:cNvPr id="18" name="四角形: 角を丸くする 17">
+            <a:extLst>
+              <a:ext uri="{FF2B5EF4-FFF2-40B4-BE49-F238E27FC236}">
+                <a16:creationId xmlns:a16="http://schemas.microsoft.com/office/drawing/2014/main" id="{6B412A90-4F56-42E2-834C-CDD752E03981}"/>
+              </a:ext>
+            </a:extLst>
+          </p:cNvPr>
+          <p:cNvSpPr/>
+          <p:nvPr/>
+        </p:nvSpPr>
+        <p:spPr>
+          <a:xfrm>
+            <a:off x="3253954" y="4258759"/>
+            <a:ext cx="2215005" cy="880323"/>
+          </a:xfrm>
+          <a:prstGeom prst="roundRect">
+            <a:avLst/>
+          </a:prstGeom>
+          <a:solidFill>
+            <a:srgbClr val="FFFF66"/>
+          </a:solidFill>
+        </p:spPr>
+        <p:style>
+          <a:lnRef idx="2">
+            <a:schemeClr val="accent1">
+              <a:shade val="50000"/>
+            </a:schemeClr>
+          </a:lnRef>
+          <a:fillRef idx="1">
+            <a:schemeClr val="accent1"/>
+          </a:fillRef>
+          <a:effectRef idx="0">
+            <a:schemeClr val="accent1"/>
+          </a:effectRef>
+          <a:fontRef idx="minor">
+            <a:schemeClr val="lt1"/>
+          </a:fontRef>
+        </p:style>
+        <p:txBody>
+          <a:bodyPr rtlCol="0" anchor="ctr"/>
+          <a:lstStyle/>
+          <a:p>
+            <a:pPr algn="ctr"/>
+            <a:r>
+              <a:rPr lang="en-US" altLang="ja-JP" sz="3600" dirty="0">
+                <a:solidFill>
+                  <a:schemeClr val="tx1"/>
+                </a:solidFill>
+                <a:ea typeface="メイリオ"/>
+              </a:rPr>
+              <a:t>Model</a:t>
+            </a:r>
+            <a:endParaRPr lang="ja-JP" altLang="en-US" sz="3600" dirty="0">
+              <a:solidFill>
+                <a:schemeClr val="tx1"/>
+              </a:solidFill>
+              <a:ea typeface="メイリオ"/>
+            </a:endParaRPr>
+          </a:p>
+        </p:txBody>
+      </p:sp>
+      <p:sp>
+        <p:nvSpPr>
+          <p:cNvPr id="9" name="楕円 8">
+            <a:extLst>
+              <a:ext uri="{FF2B5EF4-FFF2-40B4-BE49-F238E27FC236}">
+                <a16:creationId xmlns:a16="http://schemas.microsoft.com/office/drawing/2014/main" id="{93950DD9-D2EA-4FC6-9E8D-E45E7B722961}"/>
+              </a:ext>
+            </a:extLst>
+          </p:cNvPr>
+          <p:cNvSpPr/>
+          <p:nvPr/>
+        </p:nvSpPr>
+        <p:spPr>
+          <a:xfrm>
+            <a:off x="2893415" y="5382261"/>
+            <a:ext cx="3073690" cy="1139983"/>
+          </a:xfrm>
+          <a:prstGeom prst="ellipse">
+            <a:avLst/>
+          </a:prstGeom>
+          <a:solidFill>
+            <a:schemeClr val="bg1">
+              <a:lumMod val="95000"/>
+            </a:schemeClr>
+          </a:solidFill>
+        </p:spPr>
+        <p:style>
+          <a:lnRef idx="2">
+            <a:schemeClr val="accent1">
+              <a:shade val="50000"/>
+            </a:schemeClr>
+          </a:lnRef>
+          <a:fillRef idx="1">
+            <a:schemeClr val="accent1"/>
+          </a:fillRef>
+          <a:effectRef idx="0">
+            <a:schemeClr val="accent1"/>
+          </a:effectRef>
+          <a:fontRef idx="minor">
+            <a:schemeClr val="lt1"/>
+          </a:fontRef>
+        </p:style>
+        <p:txBody>
+          <a:bodyPr rtlCol="0" anchor="ctr"/>
+          <a:lstStyle/>
+          <a:p>
+            <a:pPr algn="ctr"/>
+            <a:r>
+              <a:rPr kumimoji="1" lang="ja-JP" altLang="en-US" sz="2800" dirty="0">
+                <a:solidFill>
+                  <a:schemeClr val="tx1"/>
+                </a:solidFill>
+              </a:rPr>
+              <a:t>精度</a:t>
+            </a:r>
+          </a:p>
+        </p:txBody>
+      </p:sp>
+    </p:spTree>
+    <p:extLst>
+      <p:ext uri="{BB962C8B-B14F-4D97-AF65-F5344CB8AC3E}">
+        <p14:creationId xmlns:p14="http://schemas.microsoft.com/office/powerpoint/2010/main" val="3186511922"/>
+      </p:ext>
+    </p:extLst>
+  </p:cSld>
+  <p:clrMapOvr>
+    <a:masterClrMapping/>
+  </p:clrMapOvr>
+</p:sld>
+</file>
+
+<file path=ppt/slides/slide31.xml><?xml version="1.0" encoding="utf-8"?>
+<p:sld xmlns:a="http://schemas.openxmlformats.org/drawingml/2006/main" xmlns:r="http://schemas.openxmlformats.org/officeDocument/2006/relationships" xmlns:p="http://schemas.openxmlformats.org/presentationml/2006/main">
+  <p:cSld>
+    <p:spTree>
+      <p:nvGrpSpPr>
+        <p:cNvPr id="1" name=""/>
+        <p:cNvGrpSpPr/>
+        <p:nvPr/>
+      </p:nvGrpSpPr>
+      <p:grpSpPr>
+        <a:xfrm>
+          <a:off x="0" y="0"/>
+          <a:ext cx="0" cy="0"/>
+          <a:chOff x="0" y="0"/>
+          <a:chExt cx="0" cy="0"/>
+        </a:xfrm>
+      </p:grpSpPr>
+      <p:sp>
+        <p:nvSpPr>
+          <p:cNvPr id="4" name="スライド番号プレースホルダー 3">
+            <a:extLst>
+              <a:ext uri="{FF2B5EF4-FFF2-40B4-BE49-F238E27FC236}">
+                <a16:creationId xmlns:a16="http://schemas.microsoft.com/office/drawing/2014/main" id="{7811F4A6-62BE-4074-9E9E-CBF94EF64F40}"/>
+              </a:ext>
+            </a:extLst>
+          </p:cNvPr>
+          <p:cNvSpPr>
+            <a:spLocks noGrp="1"/>
+          </p:cNvSpPr>
+          <p:nvPr>
+            <p:ph type="sldNum" sz="quarter" idx="12"/>
+          </p:nvPr>
+        </p:nvSpPr>
+        <p:spPr/>
+        <p:txBody>
+          <a:bodyPr/>
+          <a:lstStyle/>
+          <a:p>
+            <a:fld id="{D57F1E4F-1CFF-5643-939E-217C01CDF565}" type="slidenum">
+              <a:rPr lang="en-US" smtClean="0"/>
+              <a:pPr/>
+              <a:t>31</a:t>
             </a:fld>
             <a:endParaRPr lang="en-US" dirty="0"/>
           </a:p>
@@ -20068,7 +20797,7 @@
 </p:sld>
 </file>
 
-<file path=ppt/slides/slide31.xml><?xml version="1.0" encoding="utf-8"?>
+<file path=ppt/slides/slide32.xml><?xml version="1.0" encoding="utf-8"?>
 <p:sld xmlns:a="http://schemas.openxmlformats.org/drawingml/2006/main" xmlns:r="http://schemas.openxmlformats.org/officeDocument/2006/relationships" xmlns:p="http://schemas.openxmlformats.org/presentationml/2006/main">
   <p:cSld>
     <p:spTree>
@@ -20109,7 +20838,7 @@
             <a:fld id="{D57F1E4F-1CFF-5643-939E-217C01CDF565}" type="slidenum">
               <a:rPr lang="en-US" smtClean="0"/>
               <a:pPr/>
-              <a:t>31</a:t>
+              <a:t>32</a:t>
             </a:fld>
             <a:endParaRPr lang="en-US" dirty="0"/>
           </a:p>
@@ -21051,7 +21780,7 @@
 </p:sld>
 </file>
 
-<file path=ppt/slides/slide32.xml><?xml version="1.0" encoding="utf-8"?>
+<file path=ppt/slides/slide33.xml><?xml version="1.0" encoding="utf-8"?>
 <p:sld xmlns:a="http://schemas.openxmlformats.org/drawingml/2006/main" xmlns:r="http://schemas.openxmlformats.org/officeDocument/2006/relationships" xmlns:p="http://schemas.openxmlformats.org/presentationml/2006/main">
   <p:cSld>
     <p:spTree>
@@ -21092,7 +21821,7 @@
             <a:fld id="{D57F1E4F-1CFF-5643-939E-217C01CDF565}" type="slidenum">
               <a:rPr lang="en-US" smtClean="0"/>
               <a:pPr/>
-              <a:t>32</a:t>
+              <a:t>33</a:t>
             </a:fld>
             <a:endParaRPr lang="en-US" dirty="0"/>
           </a:p>
@@ -21629,7 +22358,7 @@
 </p:sld>
 </file>
 
-<file path=ppt/slides/slide33.xml><?xml version="1.0" encoding="utf-8"?>
+<file path=ppt/slides/slide34.xml><?xml version="1.0" encoding="utf-8"?>
 <p:sld xmlns:a="http://schemas.openxmlformats.org/drawingml/2006/main" xmlns:r="http://schemas.openxmlformats.org/officeDocument/2006/relationships" xmlns:p="http://schemas.openxmlformats.org/presentationml/2006/main">
   <p:cSld>
     <p:spTree>
@@ -21670,7 +22399,7 @@
             <a:fld id="{D57F1E4F-1CFF-5643-939E-217C01CDF565}" type="slidenum">
               <a:rPr lang="en-US" smtClean="0"/>
               <a:pPr/>
-              <a:t>33</a:t>
+              <a:t>34</a:t>
             </a:fld>
             <a:endParaRPr lang="en-US" dirty="0"/>
           </a:p>
@@ -22646,151 +23375,6 @@
 </p:sld>
 </file>
 
-<file path=ppt/slides/slide34.xml><?xml version="1.0" encoding="utf-8"?>
-<p:sld xmlns:a="http://schemas.openxmlformats.org/drawingml/2006/main" xmlns:r="http://schemas.openxmlformats.org/officeDocument/2006/relationships" xmlns:p="http://schemas.openxmlformats.org/presentationml/2006/main">
-  <p:cSld>
-    <p:spTree>
-      <p:nvGrpSpPr>
-        <p:cNvPr id="1" name=""/>
-        <p:cNvGrpSpPr/>
-        <p:nvPr/>
-      </p:nvGrpSpPr>
-      <p:grpSpPr>
-        <a:xfrm>
-          <a:off x="0" y="0"/>
-          <a:ext cx="0" cy="0"/>
-          <a:chOff x="0" y="0"/>
-          <a:chExt cx="0" cy="0"/>
-        </a:xfrm>
-      </p:grpSpPr>
-      <p:pic>
-        <p:nvPicPr>
-          <p:cNvPr id="3" name="図 2">
-            <a:extLst>
-              <a:ext uri="{FF2B5EF4-FFF2-40B4-BE49-F238E27FC236}">
-                <a16:creationId xmlns:a16="http://schemas.microsoft.com/office/drawing/2014/main" id="{186ACCB4-DF06-4BAD-97C6-1E4D4C0AE0C2}"/>
-              </a:ext>
-            </a:extLst>
-          </p:cNvPr>
-          <p:cNvPicPr>
-            <a:picLocks noChangeAspect="1"/>
-          </p:cNvPicPr>
-          <p:nvPr/>
-        </p:nvPicPr>
-        <p:blipFill rotWithShape="1">
-          <a:blip r:embed="rId2"/>
-          <a:srcRect l="4702" t="11046" r="8148"/>
-          <a:stretch/>
-        </p:blipFill>
-        <p:spPr>
-          <a:xfrm>
-            <a:off x="885823" y="2115019"/>
-            <a:ext cx="6893720" cy="4742981"/>
-          </a:xfrm>
-          <a:prstGeom prst="rect">
-            <a:avLst/>
-          </a:prstGeom>
-        </p:spPr>
-      </p:pic>
-      <p:sp>
-        <p:nvSpPr>
-          <p:cNvPr id="4" name="スライド番号プレースホルダー 3">
-            <a:extLst>
-              <a:ext uri="{FF2B5EF4-FFF2-40B4-BE49-F238E27FC236}">
-                <a16:creationId xmlns:a16="http://schemas.microsoft.com/office/drawing/2014/main" id="{7811F4A6-62BE-4074-9E9E-CBF94EF64F40}"/>
-              </a:ext>
-            </a:extLst>
-          </p:cNvPr>
-          <p:cNvSpPr>
-            <a:spLocks noGrp="1"/>
-          </p:cNvSpPr>
-          <p:nvPr>
-            <p:ph type="sldNum" sz="quarter" idx="12"/>
-          </p:nvPr>
-        </p:nvSpPr>
-        <p:spPr/>
-        <p:txBody>
-          <a:bodyPr/>
-          <a:lstStyle/>
-          <a:p>
-            <a:fld id="{D57F1E4F-1CFF-5643-939E-217C01CDF565}" type="slidenum">
-              <a:rPr lang="en-US" smtClean="0"/>
-              <a:pPr/>
-              <a:t>34</a:t>
-            </a:fld>
-            <a:endParaRPr lang="en-US" dirty="0"/>
-          </a:p>
-        </p:txBody>
-      </p:sp>
-      <p:sp>
-        <p:nvSpPr>
-          <p:cNvPr id="6" name="テキスト ボックス 5">
-            <a:extLst>
-              <a:ext uri="{FF2B5EF4-FFF2-40B4-BE49-F238E27FC236}">
-                <a16:creationId xmlns:a16="http://schemas.microsoft.com/office/drawing/2014/main" id="{A787110A-F680-4C3A-AF75-2F6E113D5236}"/>
-              </a:ext>
-            </a:extLst>
-          </p:cNvPr>
-          <p:cNvSpPr txBox="1"/>
-          <p:nvPr/>
-        </p:nvSpPr>
-        <p:spPr>
-          <a:xfrm>
-            <a:off x="457467" y="628433"/>
-            <a:ext cx="6497348" cy="715581"/>
-          </a:xfrm>
-          <a:prstGeom prst="rect">
-            <a:avLst/>
-          </a:prstGeom>
-          <a:noFill/>
-        </p:spPr>
-        <p:txBody>
-          <a:bodyPr wrap="square" rtlCol="0" anchor="t">
-            <a:spAutoFit/>
-          </a:bodyPr>
-          <a:lstStyle/>
-          <a:p>
-            <a:r>
-              <a:rPr kumimoji="1" lang="ja-JP" sz="4050" dirty="0">
-                <a:ea typeface="メイリオ"/>
-              </a:rPr>
-              <a:t>実験</a:t>
-            </a:r>
-            <a:r>
-              <a:rPr kumimoji="1" lang="en-US" altLang="ja-JP" sz="4050" dirty="0">
-                <a:ea typeface="メイリオ"/>
-              </a:rPr>
-              <a:t>    </a:t>
-            </a:r>
-            <a:r>
-              <a:rPr kumimoji="1" lang="ja-JP" altLang="en-US" sz="4050" dirty="0">
-                <a:ea typeface="メイリオ"/>
-              </a:rPr>
-              <a:t>結果</a:t>
-            </a:r>
-            <a:r>
-              <a:rPr kumimoji="1" lang="ja-JP" sz="4050" dirty="0">
-                <a:ea typeface="メイリオ"/>
-              </a:rPr>
-              <a:t>　</a:t>
-            </a:r>
-            <a:endParaRPr lang="ja-JP" altLang="en-US" dirty="0"/>
-          </a:p>
-        </p:txBody>
-      </p:sp>
-    </p:spTree>
-    <p:extLst>
-      <p:ext uri="{BB962C8B-B14F-4D97-AF65-F5344CB8AC3E}">
-        <p14:creationId xmlns:p14="http://schemas.microsoft.com/office/powerpoint/2010/main" val="2829478275"/>
-      </p:ext>
-    </p:extLst>
-  </p:cSld>
-  <p:clrMapOvr>
-    <a:masterClrMapping/>
-  </p:clrMapOvr>
-</p:sld>
-</file>
-
 <file path=ppt/slides/slide35.xml><?xml version="1.0" encoding="utf-8"?>
 <p:sld xmlns:a="http://schemas.openxmlformats.org/drawingml/2006/main" xmlns:r="http://schemas.openxmlformats.org/officeDocument/2006/relationships" xmlns:p="http://schemas.openxmlformats.org/presentationml/2006/main">
   <p:cSld>
@@ -22923,121 +23507,10 @@
           </a:p>
         </p:txBody>
       </p:sp>
-      <p:sp>
-        <p:nvSpPr>
-          <p:cNvPr id="2" name="吹き出し: 角を丸めた四角形 1">
-            <a:extLst>
-              <a:ext uri="{FF2B5EF4-FFF2-40B4-BE49-F238E27FC236}">
-                <a16:creationId xmlns:a16="http://schemas.microsoft.com/office/drawing/2014/main" id="{7F5025A1-A4CD-4F3B-8FFF-9CED3F5BF1E3}"/>
-              </a:ext>
-            </a:extLst>
-          </p:cNvPr>
-          <p:cNvSpPr/>
-          <p:nvPr/>
-        </p:nvSpPr>
-        <p:spPr>
-          <a:xfrm>
-            <a:off x="2135982" y="164775"/>
-            <a:ext cx="6745540" cy="1950244"/>
-          </a:xfrm>
-          <a:prstGeom prst="wedgeRoundRectCallout">
-            <a:avLst>
-              <a:gd name="adj1" fmla="val -14444"/>
-              <a:gd name="adj2" fmla="val 63233"/>
-              <a:gd name="adj3" fmla="val 16667"/>
-            </a:avLst>
-          </a:prstGeom>
-          <a:solidFill>
-            <a:srgbClr val="F1FBA5"/>
-          </a:solidFill>
-        </p:spPr>
-        <p:style>
-          <a:lnRef idx="2">
-            <a:schemeClr val="accent1">
-              <a:shade val="50000"/>
-            </a:schemeClr>
-          </a:lnRef>
-          <a:fillRef idx="1">
-            <a:schemeClr val="accent1"/>
-          </a:fillRef>
-          <a:effectRef idx="0">
-            <a:schemeClr val="accent1"/>
-          </a:effectRef>
-          <a:fontRef idx="minor">
-            <a:schemeClr val="lt1"/>
-          </a:fontRef>
-        </p:style>
-        <p:txBody>
-          <a:bodyPr rtlCol="0" anchor="ctr"/>
-          <a:lstStyle/>
-          <a:p>
-            <a:pPr algn="ctr"/>
-            <a:r>
-              <a:rPr kumimoji="1" lang="ja-JP" altLang="en-US" sz="2800" dirty="0">
-                <a:solidFill>
-                  <a:schemeClr val="tx1"/>
-                </a:solidFill>
-              </a:rPr>
-              <a:t>適応度は上がっており</a:t>
-            </a:r>
-            <a:r>
-              <a:rPr kumimoji="1" lang="en-US" altLang="ja-JP" sz="2800" dirty="0">
-                <a:solidFill>
-                  <a:schemeClr val="tx1"/>
-                </a:solidFill>
-              </a:rPr>
-              <a:t>,</a:t>
-            </a:r>
-          </a:p>
-          <a:p>
-            <a:pPr algn="ctr"/>
-            <a:r>
-              <a:rPr kumimoji="1" lang="ja-JP" altLang="en-US" sz="2800" dirty="0">
-                <a:solidFill>
-                  <a:schemeClr val="tx1"/>
-                </a:solidFill>
-              </a:rPr>
-              <a:t>ばらつきが収束しつつある</a:t>
-            </a:r>
-            <a:endParaRPr kumimoji="1" lang="en-US" altLang="ja-JP" sz="2800" dirty="0">
-              <a:solidFill>
-                <a:schemeClr val="tx1"/>
-              </a:solidFill>
-            </a:endParaRPr>
-          </a:p>
-          <a:p>
-            <a:pPr algn="ctr"/>
-            <a:r>
-              <a:rPr kumimoji="1" lang="ja-JP" altLang="en-US" sz="2800" dirty="0">
-                <a:solidFill>
-                  <a:schemeClr val="tx1"/>
-                </a:solidFill>
-              </a:rPr>
-              <a:t>→</a:t>
-            </a:r>
-            <a:r>
-              <a:rPr kumimoji="1" lang="en-US" altLang="ja-JP" sz="2800" dirty="0">
-                <a:solidFill>
-                  <a:schemeClr val="tx1"/>
-                </a:solidFill>
-              </a:rPr>
-              <a:t>GA</a:t>
-            </a:r>
-            <a:r>
-              <a:rPr kumimoji="1" lang="ja-JP" altLang="en-US" sz="2800" dirty="0">
-                <a:solidFill>
-                  <a:schemeClr val="tx1"/>
-                </a:solidFill>
-              </a:rPr>
-              <a:t>の学習は進んでいる</a:t>
-            </a:r>
-          </a:p>
-        </p:txBody>
-      </p:sp>
     </p:spTree>
     <p:extLst>
       <p:ext uri="{BB962C8B-B14F-4D97-AF65-F5344CB8AC3E}">
-        <p14:creationId xmlns:p14="http://schemas.microsoft.com/office/powerpoint/2010/main" val="3324722176"/>
+        <p14:creationId xmlns:p14="http://schemas.microsoft.com/office/powerpoint/2010/main" val="2829478275"/>
       </p:ext>
     </p:extLst>
   </p:cSld>
@@ -23118,6 +23591,262 @@
               <a:rPr lang="en-US" smtClean="0"/>
               <a:pPr/>
               <a:t>36</a:t>
+            </a:fld>
+            <a:endParaRPr lang="en-US" dirty="0"/>
+          </a:p>
+        </p:txBody>
+      </p:sp>
+      <p:sp>
+        <p:nvSpPr>
+          <p:cNvPr id="6" name="テキスト ボックス 5">
+            <a:extLst>
+              <a:ext uri="{FF2B5EF4-FFF2-40B4-BE49-F238E27FC236}">
+                <a16:creationId xmlns:a16="http://schemas.microsoft.com/office/drawing/2014/main" id="{A787110A-F680-4C3A-AF75-2F6E113D5236}"/>
+              </a:ext>
+            </a:extLst>
+          </p:cNvPr>
+          <p:cNvSpPr txBox="1"/>
+          <p:nvPr/>
+        </p:nvSpPr>
+        <p:spPr>
+          <a:xfrm>
+            <a:off x="457467" y="628433"/>
+            <a:ext cx="6497348" cy="715581"/>
+          </a:xfrm>
+          <a:prstGeom prst="rect">
+            <a:avLst/>
+          </a:prstGeom>
+          <a:noFill/>
+        </p:spPr>
+        <p:txBody>
+          <a:bodyPr wrap="square" rtlCol="0" anchor="t">
+            <a:spAutoFit/>
+          </a:bodyPr>
+          <a:lstStyle/>
+          <a:p>
+            <a:r>
+              <a:rPr kumimoji="1" lang="ja-JP" sz="4050" dirty="0">
+                <a:ea typeface="メイリオ"/>
+              </a:rPr>
+              <a:t>実験</a:t>
+            </a:r>
+            <a:r>
+              <a:rPr kumimoji="1" lang="en-US" altLang="ja-JP" sz="4050" dirty="0">
+                <a:ea typeface="メイリオ"/>
+              </a:rPr>
+              <a:t>    </a:t>
+            </a:r>
+            <a:r>
+              <a:rPr kumimoji="1" lang="ja-JP" altLang="en-US" sz="4050" dirty="0">
+                <a:ea typeface="メイリオ"/>
+              </a:rPr>
+              <a:t>結果</a:t>
+            </a:r>
+            <a:r>
+              <a:rPr kumimoji="1" lang="ja-JP" sz="4050" dirty="0">
+                <a:ea typeface="メイリオ"/>
+              </a:rPr>
+              <a:t>　</a:t>
+            </a:r>
+            <a:endParaRPr lang="ja-JP" altLang="en-US" dirty="0"/>
+          </a:p>
+        </p:txBody>
+      </p:sp>
+      <p:sp>
+        <p:nvSpPr>
+          <p:cNvPr id="2" name="吹き出し: 角を丸めた四角形 1">
+            <a:extLst>
+              <a:ext uri="{FF2B5EF4-FFF2-40B4-BE49-F238E27FC236}">
+                <a16:creationId xmlns:a16="http://schemas.microsoft.com/office/drawing/2014/main" id="{7F5025A1-A4CD-4F3B-8FFF-9CED3F5BF1E3}"/>
+              </a:ext>
+            </a:extLst>
+          </p:cNvPr>
+          <p:cNvSpPr/>
+          <p:nvPr/>
+        </p:nvSpPr>
+        <p:spPr>
+          <a:xfrm>
+            <a:off x="2135982" y="164775"/>
+            <a:ext cx="6745540" cy="1950244"/>
+          </a:xfrm>
+          <a:prstGeom prst="wedgeRoundRectCallout">
+            <a:avLst>
+              <a:gd name="adj1" fmla="val -14444"/>
+              <a:gd name="adj2" fmla="val 63233"/>
+              <a:gd name="adj3" fmla="val 16667"/>
+            </a:avLst>
+          </a:prstGeom>
+          <a:solidFill>
+            <a:srgbClr val="F1FBA5"/>
+          </a:solidFill>
+        </p:spPr>
+        <p:style>
+          <a:lnRef idx="2">
+            <a:schemeClr val="accent1">
+              <a:shade val="50000"/>
+            </a:schemeClr>
+          </a:lnRef>
+          <a:fillRef idx="1">
+            <a:schemeClr val="accent1"/>
+          </a:fillRef>
+          <a:effectRef idx="0">
+            <a:schemeClr val="accent1"/>
+          </a:effectRef>
+          <a:fontRef idx="minor">
+            <a:schemeClr val="lt1"/>
+          </a:fontRef>
+        </p:style>
+        <p:txBody>
+          <a:bodyPr rtlCol="0" anchor="ctr"/>
+          <a:lstStyle/>
+          <a:p>
+            <a:pPr algn="ctr"/>
+            <a:r>
+              <a:rPr kumimoji="1" lang="ja-JP" altLang="en-US" sz="2800" dirty="0">
+                <a:solidFill>
+                  <a:schemeClr val="tx1"/>
+                </a:solidFill>
+              </a:rPr>
+              <a:t>適応度は上がっており</a:t>
+            </a:r>
+            <a:r>
+              <a:rPr kumimoji="1" lang="en-US" altLang="ja-JP" sz="2800" dirty="0">
+                <a:solidFill>
+                  <a:schemeClr val="tx1"/>
+                </a:solidFill>
+              </a:rPr>
+              <a:t>,</a:t>
+            </a:r>
+          </a:p>
+          <a:p>
+            <a:pPr algn="ctr"/>
+            <a:r>
+              <a:rPr kumimoji="1" lang="ja-JP" altLang="en-US" sz="2800" dirty="0">
+                <a:solidFill>
+                  <a:schemeClr val="tx1"/>
+                </a:solidFill>
+              </a:rPr>
+              <a:t>ばらつきが収束しつつある</a:t>
+            </a:r>
+            <a:endParaRPr kumimoji="1" lang="en-US" altLang="ja-JP" sz="2800" dirty="0">
+              <a:solidFill>
+                <a:schemeClr val="tx1"/>
+              </a:solidFill>
+            </a:endParaRPr>
+          </a:p>
+          <a:p>
+            <a:pPr algn="ctr"/>
+            <a:r>
+              <a:rPr kumimoji="1" lang="ja-JP" altLang="en-US" sz="2800" dirty="0">
+                <a:solidFill>
+                  <a:schemeClr val="tx1"/>
+                </a:solidFill>
+              </a:rPr>
+              <a:t>→</a:t>
+            </a:r>
+            <a:r>
+              <a:rPr kumimoji="1" lang="en-US" altLang="ja-JP" sz="2800" dirty="0">
+                <a:solidFill>
+                  <a:schemeClr val="tx1"/>
+                </a:solidFill>
+              </a:rPr>
+              <a:t>GA</a:t>
+            </a:r>
+            <a:r>
+              <a:rPr kumimoji="1" lang="ja-JP" altLang="en-US" sz="2800" dirty="0">
+                <a:solidFill>
+                  <a:schemeClr val="tx1"/>
+                </a:solidFill>
+              </a:rPr>
+              <a:t>の学習は進んでいる</a:t>
+            </a:r>
+          </a:p>
+        </p:txBody>
+      </p:sp>
+    </p:spTree>
+    <p:extLst>
+      <p:ext uri="{BB962C8B-B14F-4D97-AF65-F5344CB8AC3E}">
+        <p14:creationId xmlns:p14="http://schemas.microsoft.com/office/powerpoint/2010/main" val="3324722176"/>
+      </p:ext>
+    </p:extLst>
+  </p:cSld>
+  <p:clrMapOvr>
+    <a:masterClrMapping/>
+  </p:clrMapOvr>
+</p:sld>
+</file>
+
+<file path=ppt/slides/slide37.xml><?xml version="1.0" encoding="utf-8"?>
+<p:sld xmlns:a="http://schemas.openxmlformats.org/drawingml/2006/main" xmlns:r="http://schemas.openxmlformats.org/officeDocument/2006/relationships" xmlns:p="http://schemas.openxmlformats.org/presentationml/2006/main">
+  <p:cSld>
+    <p:spTree>
+      <p:nvGrpSpPr>
+        <p:cNvPr id="1" name=""/>
+        <p:cNvGrpSpPr/>
+        <p:nvPr/>
+      </p:nvGrpSpPr>
+      <p:grpSpPr>
+        <a:xfrm>
+          <a:off x="0" y="0"/>
+          <a:ext cx="0" cy="0"/>
+          <a:chOff x="0" y="0"/>
+          <a:chExt cx="0" cy="0"/>
+        </a:xfrm>
+      </p:grpSpPr>
+      <p:pic>
+        <p:nvPicPr>
+          <p:cNvPr id="3" name="図 2">
+            <a:extLst>
+              <a:ext uri="{FF2B5EF4-FFF2-40B4-BE49-F238E27FC236}">
+                <a16:creationId xmlns:a16="http://schemas.microsoft.com/office/drawing/2014/main" id="{186ACCB4-DF06-4BAD-97C6-1E4D4C0AE0C2}"/>
+              </a:ext>
+            </a:extLst>
+          </p:cNvPr>
+          <p:cNvPicPr>
+            <a:picLocks noChangeAspect="1"/>
+          </p:cNvPicPr>
+          <p:nvPr/>
+        </p:nvPicPr>
+        <p:blipFill rotWithShape="1">
+          <a:blip r:embed="rId2"/>
+          <a:srcRect l="4702" t="11046" r="8148"/>
+          <a:stretch/>
+        </p:blipFill>
+        <p:spPr>
+          <a:xfrm>
+            <a:off x="885823" y="2115019"/>
+            <a:ext cx="6893720" cy="4742981"/>
+          </a:xfrm>
+          <a:prstGeom prst="rect">
+            <a:avLst/>
+          </a:prstGeom>
+        </p:spPr>
+      </p:pic>
+      <p:sp>
+        <p:nvSpPr>
+          <p:cNvPr id="4" name="スライド番号プレースホルダー 3">
+            <a:extLst>
+              <a:ext uri="{FF2B5EF4-FFF2-40B4-BE49-F238E27FC236}">
+                <a16:creationId xmlns:a16="http://schemas.microsoft.com/office/drawing/2014/main" id="{7811F4A6-62BE-4074-9E9E-CBF94EF64F40}"/>
+              </a:ext>
+            </a:extLst>
+          </p:cNvPr>
+          <p:cNvSpPr>
+            <a:spLocks noGrp="1"/>
+          </p:cNvSpPr>
+          <p:nvPr>
+            <p:ph type="sldNum" sz="quarter" idx="12"/>
+          </p:nvPr>
+        </p:nvSpPr>
+        <p:spPr/>
+        <p:txBody>
+          <a:bodyPr/>
+          <a:lstStyle/>
+          <a:p>
+            <a:fld id="{D57F1E4F-1CFF-5643-939E-217C01CDF565}" type="slidenum">
+              <a:rPr lang="en-US" smtClean="0"/>
+              <a:pPr/>
+              <a:t>37</a:t>
             </a:fld>
             <a:endParaRPr lang="en-US" dirty="0"/>
           </a:p>
@@ -23412,7 +24141,7 @@
 </p:sld>
 </file>
 
-<file path=ppt/slides/slide37.xml><?xml version="1.0" encoding="utf-8"?>
+<file path=ppt/slides/slide38.xml><?xml version="1.0" encoding="utf-8"?>
 <p:sld xmlns:a="http://schemas.openxmlformats.org/drawingml/2006/main" xmlns:r="http://schemas.openxmlformats.org/officeDocument/2006/relationships" xmlns:p="http://schemas.openxmlformats.org/presentationml/2006/main">
   <p:cSld>
     <p:spTree>
@@ -23453,7 +24182,7 @@
             <a:fld id="{D57F1E4F-1CFF-5643-939E-217C01CDF565}" type="slidenum">
               <a:rPr lang="en-US" smtClean="0"/>
               <a:pPr/>
-              <a:t>37</a:t>
+              <a:t>38</a:t>
             </a:fld>
             <a:endParaRPr lang="en-US" dirty="0"/>
           </a:p>
@@ -23558,7 +24287,7 @@
 </p:sld>
 </file>
 
-<file path=ppt/slides/slide38.xml><?xml version="1.0" encoding="utf-8"?>
+<file path=ppt/slides/slide39.xml><?xml version="1.0" encoding="utf-8"?>
 <p:sld xmlns:a="http://schemas.openxmlformats.org/drawingml/2006/main" xmlns:r="http://schemas.openxmlformats.org/officeDocument/2006/relationships" xmlns:p="http://schemas.openxmlformats.org/presentationml/2006/main">
   <p:cSld>
     <p:spTree>
@@ -23599,7 +24328,7 @@
             <a:fld id="{D57F1E4F-1CFF-5643-939E-217C01CDF565}" type="slidenum">
               <a:rPr lang="en-US" smtClean="0"/>
               <a:pPr/>
-              <a:t>38</a:t>
+              <a:t>39</a:t>
             </a:fld>
             <a:endParaRPr lang="en-US" dirty="0"/>
           </a:p>
@@ -23776,1437 +24505,6 @@
     <p:extLst>
       <p:ext uri="{BB962C8B-B14F-4D97-AF65-F5344CB8AC3E}">
         <p14:creationId xmlns:p14="http://schemas.microsoft.com/office/powerpoint/2010/main" val="4283358908"/>
-      </p:ext>
-    </p:extLst>
-  </p:cSld>
-  <p:clrMapOvr>
-    <a:masterClrMapping/>
-  </p:clrMapOvr>
-</p:sld>
-</file>
-
-<file path=ppt/slides/slide39.xml><?xml version="1.0" encoding="utf-8"?>
-<p:sld xmlns:a="http://schemas.openxmlformats.org/drawingml/2006/main" xmlns:r="http://schemas.openxmlformats.org/officeDocument/2006/relationships" xmlns:p="http://schemas.openxmlformats.org/presentationml/2006/main">
-  <p:cSld>
-    <p:spTree>
-      <p:nvGrpSpPr>
-        <p:cNvPr id="1" name=""/>
-        <p:cNvGrpSpPr/>
-        <p:nvPr/>
-      </p:nvGrpSpPr>
-      <p:grpSpPr>
-        <a:xfrm>
-          <a:off x="0" y="0"/>
-          <a:ext cx="0" cy="0"/>
-          <a:chOff x="0" y="0"/>
-          <a:chExt cx="0" cy="0"/>
-        </a:xfrm>
-      </p:grpSpPr>
-      <p:sp>
-        <p:nvSpPr>
-          <p:cNvPr id="4" name="スライド番号プレースホルダー 3">
-            <a:extLst>
-              <a:ext uri="{FF2B5EF4-FFF2-40B4-BE49-F238E27FC236}">
-                <a16:creationId xmlns:a16="http://schemas.microsoft.com/office/drawing/2014/main" id="{7811F4A6-62BE-4074-9E9E-CBF94EF64F40}"/>
-              </a:ext>
-            </a:extLst>
-          </p:cNvPr>
-          <p:cNvSpPr>
-            <a:spLocks noGrp="1"/>
-          </p:cNvSpPr>
-          <p:nvPr>
-            <p:ph type="sldNum" sz="quarter" idx="12"/>
-          </p:nvPr>
-        </p:nvSpPr>
-        <p:spPr/>
-        <p:txBody>
-          <a:bodyPr/>
-          <a:lstStyle/>
-          <a:p>
-            <a:fld id="{D57F1E4F-1CFF-5643-939E-217C01CDF565}" type="slidenum">
-              <a:rPr lang="en-US" smtClean="0"/>
-              <a:pPr/>
-              <a:t>39</a:t>
-            </a:fld>
-            <a:endParaRPr lang="en-US" dirty="0"/>
-          </a:p>
-        </p:txBody>
-      </p:sp>
-      <p:sp>
-        <p:nvSpPr>
-          <p:cNvPr id="6" name="テキスト ボックス 5">
-            <a:extLst>
-              <a:ext uri="{FF2B5EF4-FFF2-40B4-BE49-F238E27FC236}">
-                <a16:creationId xmlns:a16="http://schemas.microsoft.com/office/drawing/2014/main" id="{A787110A-F680-4C3A-AF75-2F6E113D5236}"/>
-              </a:ext>
-            </a:extLst>
-          </p:cNvPr>
-          <p:cNvSpPr txBox="1"/>
-          <p:nvPr/>
-        </p:nvSpPr>
-        <p:spPr>
-          <a:xfrm>
-            <a:off x="457467" y="628433"/>
-            <a:ext cx="6497348" cy="715581"/>
-          </a:xfrm>
-          <a:prstGeom prst="rect">
-            <a:avLst/>
-          </a:prstGeom>
-          <a:noFill/>
-        </p:spPr>
-        <p:txBody>
-          <a:bodyPr wrap="square" rtlCol="0" anchor="t">
-            <a:spAutoFit/>
-          </a:bodyPr>
-          <a:lstStyle/>
-          <a:p>
-            <a:r>
-              <a:rPr kumimoji="1" lang="ja-JP" sz="4050" dirty="0">
-                <a:ea typeface="メイリオ"/>
-              </a:rPr>
-              <a:t>実験</a:t>
-            </a:r>
-            <a:r>
-              <a:rPr kumimoji="1" lang="en-US" altLang="ja-JP" sz="4050" dirty="0">
-                <a:ea typeface="メイリオ"/>
-              </a:rPr>
-              <a:t>    </a:t>
-            </a:r>
-            <a:r>
-              <a:rPr kumimoji="1" lang="ja-JP" altLang="en-US" sz="4050" dirty="0">
-                <a:ea typeface="メイリオ"/>
-              </a:rPr>
-              <a:t>結果</a:t>
-            </a:r>
-            <a:r>
-              <a:rPr kumimoji="1" lang="ja-JP" sz="4050" dirty="0">
-                <a:ea typeface="メイリオ"/>
-              </a:rPr>
-              <a:t>　</a:t>
-            </a:r>
-            <a:endParaRPr lang="ja-JP" altLang="en-US" dirty="0"/>
-          </a:p>
-        </p:txBody>
-      </p:sp>
-      <p:graphicFrame>
-        <p:nvGraphicFramePr>
-          <p:cNvPr id="3" name="表 6">
-            <a:extLst>
-              <a:ext uri="{FF2B5EF4-FFF2-40B4-BE49-F238E27FC236}">
-                <a16:creationId xmlns:a16="http://schemas.microsoft.com/office/drawing/2014/main" id="{723CA669-AF50-4E6C-A4B9-603D39AF7BAA}"/>
-              </a:ext>
-            </a:extLst>
-          </p:cNvPr>
-          <p:cNvGraphicFramePr>
-            <a:graphicFrameLocks noGrp="1"/>
-          </p:cNvGraphicFramePr>
-          <p:nvPr>
-            <p:extLst>
-              <p:ext uri="{D42A27DB-BD31-4B8C-83A1-F6EECF244321}">
-                <p14:modId xmlns:p14="http://schemas.microsoft.com/office/powerpoint/2010/main" val="1106255012"/>
-              </p:ext>
-            </p:extLst>
-          </p:nvPr>
-        </p:nvGraphicFramePr>
-        <p:xfrm>
-          <a:off x="1271587" y="2640013"/>
-          <a:ext cx="6084095" cy="2590800"/>
-        </p:xfrm>
-        <a:graphic>
-          <a:graphicData uri="http://schemas.openxmlformats.org/drawingml/2006/table">
-            <a:tbl>
-              <a:tblPr firstRow="1" bandRow="1">
-                <a:tableStyleId>{7E9639D4-E3E2-4D34-9284-5A2195B3D0D7}</a:tableStyleId>
-              </a:tblPr>
-              <a:tblGrid>
-                <a:gridCol w="1512095">
-                  <a:extLst>
-                    <a:ext uri="{9D8B030D-6E8A-4147-A177-3AD203B41FA5}">
-                      <a16:colId xmlns:a16="http://schemas.microsoft.com/office/drawing/2014/main" val="1433879298"/>
-                    </a:ext>
-                  </a:extLst>
-                </a:gridCol>
-                <a:gridCol w="1524000">
-                  <a:extLst>
-                    <a:ext uri="{9D8B030D-6E8A-4147-A177-3AD203B41FA5}">
-                      <a16:colId xmlns:a16="http://schemas.microsoft.com/office/drawing/2014/main" val="2707363644"/>
-                    </a:ext>
-                  </a:extLst>
-                </a:gridCol>
-                <a:gridCol w="1524000">
-                  <a:extLst>
-                    <a:ext uri="{9D8B030D-6E8A-4147-A177-3AD203B41FA5}">
-                      <a16:colId xmlns:a16="http://schemas.microsoft.com/office/drawing/2014/main" val="219470981"/>
-                    </a:ext>
-                  </a:extLst>
-                </a:gridCol>
-                <a:gridCol w="1524000">
-                  <a:extLst>
-                    <a:ext uri="{9D8B030D-6E8A-4147-A177-3AD203B41FA5}">
-                      <a16:colId xmlns:a16="http://schemas.microsoft.com/office/drawing/2014/main" val="636473423"/>
-                    </a:ext>
-                  </a:extLst>
-                </a:gridCol>
-              </a:tblGrid>
-              <a:tr h="476409">
-                <a:tc>
-                  <a:txBody>
-                    <a:bodyPr/>
-                    <a:lstStyle/>
-                    <a:p>
-                      <a:pPr algn="ctr"/>
-                      <a:r>
-                        <a:rPr kumimoji="1" lang="ja-JP" altLang="en-US" sz="2800" b="0" dirty="0">
-                          <a:solidFill>
-                            <a:schemeClr val="tx1"/>
-                          </a:solidFill>
-                        </a:rPr>
-                        <a:t>採択数</a:t>
-                      </a:r>
-                    </a:p>
-                  </a:txBody>
-                  <a:tcPr>
-                    <a:lnL w="12700" cap="flat" cmpd="sng" algn="ctr">
-                      <a:solidFill>
-                        <a:schemeClr val="tx1"/>
-                      </a:solidFill>
-                      <a:prstDash val="solid"/>
-                      <a:round/>
-                      <a:headEnd type="none" w="med" len="med"/>
-                      <a:tailEnd type="none" w="med" len="med"/>
-                    </a:lnL>
-                    <a:lnR w="12700" cap="flat" cmpd="sng" algn="ctr">
-                      <a:solidFill>
-                        <a:schemeClr val="tx1"/>
-                      </a:solidFill>
-                      <a:prstDash val="solid"/>
-                      <a:round/>
-                      <a:headEnd type="none" w="med" len="med"/>
-                      <a:tailEnd type="none" w="med" len="med"/>
-                    </a:lnR>
-                    <a:lnT w="12700" cap="flat" cmpd="sng" algn="ctr">
-                      <a:solidFill>
-                        <a:schemeClr val="tx1"/>
-                      </a:solidFill>
-                      <a:prstDash val="solid"/>
-                      <a:round/>
-                      <a:headEnd type="none" w="med" len="med"/>
-                      <a:tailEnd type="none" w="med" len="med"/>
-                    </a:lnT>
-                    <a:lnB w="12700" cap="flat" cmpd="sng" algn="ctr">
-                      <a:solidFill>
-                        <a:schemeClr val="tx1"/>
-                      </a:solidFill>
-                      <a:prstDash val="solid"/>
-                      <a:round/>
-                      <a:headEnd type="none" w="med" len="med"/>
-                      <a:tailEnd type="none" w="med" len="med"/>
-                    </a:lnB>
-                    <a:solidFill>
-                      <a:schemeClr val="bg2">
-                        <a:lumMod val="90000"/>
-                      </a:schemeClr>
-                    </a:solidFill>
-                  </a:tcPr>
-                </a:tc>
-                <a:tc>
-                  <a:txBody>
-                    <a:bodyPr/>
-                    <a:lstStyle/>
-                    <a:p>
-                      <a:pPr algn="ctr"/>
-                      <a:r>
-                        <a:rPr kumimoji="1" lang="ja-JP" altLang="en-US" sz="2800" b="0" dirty="0">
-                          <a:solidFill>
-                            <a:schemeClr val="tx1"/>
-                          </a:solidFill>
-                        </a:rPr>
-                        <a:t>正答数</a:t>
-                      </a:r>
-                    </a:p>
-                  </a:txBody>
-                  <a:tcPr>
-                    <a:lnL w="12700" cap="flat" cmpd="sng" algn="ctr">
-                      <a:solidFill>
-                        <a:schemeClr val="tx1"/>
-                      </a:solidFill>
-                      <a:prstDash val="solid"/>
-                      <a:round/>
-                      <a:headEnd type="none" w="med" len="med"/>
-                      <a:tailEnd type="none" w="med" len="med"/>
-                    </a:lnL>
-                    <a:lnR w="12700" cap="flat" cmpd="sng" algn="ctr">
-                      <a:solidFill>
-                        <a:schemeClr val="tx1"/>
-                      </a:solidFill>
-                      <a:prstDash val="solid"/>
-                      <a:round/>
-                      <a:headEnd type="none" w="med" len="med"/>
-                      <a:tailEnd type="none" w="med" len="med"/>
-                    </a:lnR>
-                    <a:lnT w="12700" cap="flat" cmpd="sng" algn="ctr">
-                      <a:solidFill>
-                        <a:schemeClr val="tx1"/>
-                      </a:solidFill>
-                      <a:prstDash val="solid"/>
-                      <a:round/>
-                      <a:headEnd type="none" w="med" len="med"/>
-                      <a:tailEnd type="none" w="med" len="med"/>
-                    </a:lnT>
-                    <a:lnB w="12700" cap="flat" cmpd="sng" algn="ctr">
-                      <a:solidFill>
-                        <a:schemeClr val="tx1"/>
-                      </a:solidFill>
-                      <a:prstDash val="solid"/>
-                      <a:round/>
-                      <a:headEnd type="none" w="med" len="med"/>
-                      <a:tailEnd type="none" w="med" len="med"/>
-                    </a:lnB>
-                    <a:solidFill>
-                      <a:schemeClr val="bg2">
-                        <a:lumMod val="90000"/>
-                      </a:schemeClr>
-                    </a:solidFill>
-                  </a:tcPr>
-                </a:tc>
-                <a:tc>
-                  <a:txBody>
-                    <a:bodyPr/>
-                    <a:lstStyle/>
-                    <a:p>
-                      <a:pPr algn="ctr"/>
-                      <a:r>
-                        <a:rPr kumimoji="1" lang="ja-JP" altLang="en-US" sz="2800" b="0" dirty="0">
-                          <a:solidFill>
-                            <a:schemeClr val="tx1"/>
-                          </a:solidFill>
-                        </a:rPr>
-                        <a:t>閾値</a:t>
-                      </a:r>
-                    </a:p>
-                  </a:txBody>
-                  <a:tcPr>
-                    <a:lnL w="12700" cap="flat" cmpd="sng" algn="ctr">
-                      <a:solidFill>
-                        <a:schemeClr val="tx1"/>
-                      </a:solidFill>
-                      <a:prstDash val="solid"/>
-                      <a:round/>
-                      <a:headEnd type="none" w="med" len="med"/>
-                      <a:tailEnd type="none" w="med" len="med"/>
-                    </a:lnL>
-                    <a:lnR w="12700" cap="flat" cmpd="sng" algn="ctr">
-                      <a:solidFill>
-                        <a:schemeClr val="tx1"/>
-                      </a:solidFill>
-                      <a:prstDash val="solid"/>
-                      <a:round/>
-                      <a:headEnd type="none" w="med" len="med"/>
-                      <a:tailEnd type="none" w="med" len="med"/>
-                    </a:lnR>
-                    <a:lnT w="12700" cap="flat" cmpd="sng" algn="ctr">
-                      <a:solidFill>
-                        <a:schemeClr val="tx1"/>
-                      </a:solidFill>
-                      <a:prstDash val="solid"/>
-                      <a:round/>
-                      <a:headEnd type="none" w="med" len="med"/>
-                      <a:tailEnd type="none" w="med" len="med"/>
-                    </a:lnT>
-                    <a:lnB w="12700" cap="flat" cmpd="sng" algn="ctr">
-                      <a:solidFill>
-                        <a:schemeClr val="tx1"/>
-                      </a:solidFill>
-                      <a:prstDash val="solid"/>
-                      <a:round/>
-                      <a:headEnd type="none" w="med" len="med"/>
-                      <a:tailEnd type="none" w="med" len="med"/>
-                    </a:lnB>
-                    <a:solidFill>
-                      <a:schemeClr val="bg2">
-                        <a:lumMod val="90000"/>
-                      </a:schemeClr>
-                    </a:solidFill>
-                  </a:tcPr>
-                </a:tc>
-                <a:tc>
-                  <a:txBody>
-                    <a:bodyPr/>
-                    <a:lstStyle/>
-                    <a:p>
-                      <a:pPr algn="ctr"/>
-                      <a:r>
-                        <a:rPr kumimoji="1" lang="ja-JP" altLang="en-US" sz="2800" b="0" dirty="0">
-                          <a:solidFill>
-                            <a:schemeClr val="tx1"/>
-                          </a:solidFill>
-                        </a:rPr>
-                        <a:t>精度</a:t>
-                      </a:r>
-                    </a:p>
-                  </a:txBody>
-                  <a:tcPr>
-                    <a:lnL w="12700" cap="flat" cmpd="sng" algn="ctr">
-                      <a:solidFill>
-                        <a:schemeClr val="tx1"/>
-                      </a:solidFill>
-                      <a:prstDash val="solid"/>
-                      <a:round/>
-                      <a:headEnd type="none" w="med" len="med"/>
-                      <a:tailEnd type="none" w="med" len="med"/>
-                    </a:lnL>
-                    <a:lnR w="12700" cap="flat" cmpd="sng" algn="ctr">
-                      <a:solidFill>
-                        <a:schemeClr val="tx1"/>
-                      </a:solidFill>
-                      <a:prstDash val="solid"/>
-                      <a:round/>
-                      <a:headEnd type="none" w="med" len="med"/>
-                      <a:tailEnd type="none" w="med" len="med"/>
-                    </a:lnR>
-                    <a:lnT w="12700" cap="flat" cmpd="sng" algn="ctr">
-                      <a:solidFill>
-                        <a:schemeClr val="tx1"/>
-                      </a:solidFill>
-                      <a:prstDash val="solid"/>
-                      <a:round/>
-                      <a:headEnd type="none" w="med" len="med"/>
-                      <a:tailEnd type="none" w="med" len="med"/>
-                    </a:lnT>
-                    <a:lnB w="12700" cap="flat" cmpd="sng" algn="ctr">
-                      <a:solidFill>
-                        <a:schemeClr val="tx1"/>
-                      </a:solidFill>
-                      <a:prstDash val="solid"/>
-                      <a:round/>
-                      <a:headEnd type="none" w="med" len="med"/>
-                      <a:tailEnd type="none" w="med" len="med"/>
-                    </a:lnB>
-                    <a:solidFill>
-                      <a:schemeClr val="bg2">
-                        <a:lumMod val="90000"/>
-                      </a:schemeClr>
-                    </a:solidFill>
-                  </a:tcPr>
-                </a:tc>
-                <a:extLst>
-                  <a:ext uri="{0D108BD9-81ED-4DB2-BD59-A6C34878D82A}">
-                    <a16:rowId xmlns:a16="http://schemas.microsoft.com/office/drawing/2014/main" val="1430855264"/>
-                  </a:ext>
-                </a:extLst>
-              </a:tr>
-              <a:tr h="476409">
-                <a:tc>
-                  <a:txBody>
-                    <a:bodyPr/>
-                    <a:lstStyle/>
-                    <a:p>
-                      <a:pPr algn="ctr"/>
-                      <a:r>
-                        <a:rPr kumimoji="1" lang="ja-JP" altLang="en-US" sz="2800" dirty="0">
-                          <a:solidFill>
-                            <a:schemeClr val="tx1"/>
-                          </a:solidFill>
-                        </a:rPr>
-                        <a:t>０</a:t>
-                      </a:r>
-                    </a:p>
-                  </a:txBody>
-                  <a:tcPr>
-                    <a:lnL w="12700" cap="flat" cmpd="sng" algn="ctr">
-                      <a:solidFill>
-                        <a:schemeClr val="tx1"/>
-                      </a:solidFill>
-                      <a:prstDash val="solid"/>
-                      <a:round/>
-                      <a:headEnd type="none" w="med" len="med"/>
-                      <a:tailEnd type="none" w="med" len="med"/>
-                    </a:lnL>
-                    <a:lnR w="12700" cap="flat" cmpd="sng" algn="ctr">
-                      <a:solidFill>
-                        <a:schemeClr val="tx1"/>
-                      </a:solidFill>
-                      <a:prstDash val="solid"/>
-                      <a:round/>
-                      <a:headEnd type="none" w="med" len="med"/>
-                      <a:tailEnd type="none" w="med" len="med"/>
-                    </a:lnR>
-                    <a:lnT w="12700" cap="flat" cmpd="sng" algn="ctr">
-                      <a:solidFill>
-                        <a:schemeClr val="tx1"/>
-                      </a:solidFill>
-                      <a:prstDash val="solid"/>
-                      <a:round/>
-                      <a:headEnd type="none" w="med" len="med"/>
-                      <a:tailEnd type="none" w="med" len="med"/>
-                    </a:lnT>
-                    <a:lnB w="12700" cap="flat" cmpd="sng" algn="ctr">
-                      <a:solidFill>
-                        <a:schemeClr val="tx1"/>
-                      </a:solidFill>
-                      <a:prstDash val="solid"/>
-                      <a:round/>
-                      <a:headEnd type="none" w="med" len="med"/>
-                      <a:tailEnd type="none" w="med" len="med"/>
-                    </a:lnB>
-                    <a:lnTlToBr w="12700" cmpd="sng">
-                      <a:noFill/>
-                      <a:prstDash val="solid"/>
-                    </a:lnTlToBr>
-                    <a:lnBlToTr w="12700" cmpd="sng">
-                      <a:noFill/>
-                      <a:prstDash val="solid"/>
-                    </a:lnBlToTr>
-                  </a:tcPr>
-                </a:tc>
-                <a:tc>
-                  <a:txBody>
-                    <a:bodyPr/>
-                    <a:lstStyle/>
-                    <a:p>
-                      <a:pPr algn="ctr"/>
-                      <a:endParaRPr kumimoji="1" lang="ja-JP" altLang="en-US" sz="2800" dirty="0">
-                        <a:solidFill>
-                          <a:schemeClr val="tx1"/>
-                        </a:solidFill>
-                      </a:endParaRPr>
-                    </a:p>
-                  </a:txBody>
-                  <a:tcPr>
-                    <a:lnL w="12700" cap="flat" cmpd="sng" algn="ctr">
-                      <a:solidFill>
-                        <a:schemeClr val="tx1"/>
-                      </a:solidFill>
-                      <a:prstDash val="solid"/>
-                      <a:round/>
-                      <a:headEnd type="none" w="med" len="med"/>
-                      <a:tailEnd type="none" w="med" len="med"/>
-                    </a:lnL>
-                    <a:lnR w="12700" cap="flat" cmpd="sng" algn="ctr">
-                      <a:solidFill>
-                        <a:schemeClr val="tx1"/>
-                      </a:solidFill>
-                      <a:prstDash val="solid"/>
-                      <a:round/>
-                      <a:headEnd type="none" w="med" len="med"/>
-                      <a:tailEnd type="none" w="med" len="med"/>
-                    </a:lnR>
-                    <a:lnT w="12700" cap="flat" cmpd="sng" algn="ctr">
-                      <a:solidFill>
-                        <a:schemeClr val="tx1"/>
-                      </a:solidFill>
-                      <a:prstDash val="solid"/>
-                      <a:round/>
-                      <a:headEnd type="none" w="med" len="med"/>
-                      <a:tailEnd type="none" w="med" len="med"/>
-                    </a:lnT>
-                    <a:lnB w="12700" cap="flat" cmpd="sng" algn="ctr">
-                      <a:solidFill>
-                        <a:schemeClr val="tx1"/>
-                      </a:solidFill>
-                      <a:prstDash val="solid"/>
-                      <a:round/>
-                      <a:headEnd type="none" w="med" len="med"/>
-                      <a:tailEnd type="none" w="med" len="med"/>
-                    </a:lnB>
-                    <a:lnTlToBr w="12700" cap="flat" cmpd="sng" algn="ctr">
-                      <a:solidFill>
-                        <a:schemeClr val="tx1"/>
-                      </a:solidFill>
-                      <a:prstDash val="solid"/>
-                      <a:round/>
-                      <a:headEnd type="none" w="med" len="med"/>
-                      <a:tailEnd type="none" w="med" len="med"/>
-                    </a:lnTlToBr>
-                    <a:lnBlToTr w="12700" cmpd="sng">
-                      <a:noFill/>
-                      <a:prstDash val="solid"/>
-                    </a:lnBlToTr>
-                  </a:tcPr>
-                </a:tc>
-                <a:tc>
-                  <a:txBody>
-                    <a:bodyPr/>
-                    <a:lstStyle/>
-                    <a:p>
-                      <a:pPr algn="ctr"/>
-                      <a:endParaRPr kumimoji="1" lang="ja-JP" altLang="en-US" sz="2800" dirty="0">
-                        <a:solidFill>
-                          <a:schemeClr val="tx1"/>
-                        </a:solidFill>
-                      </a:endParaRPr>
-                    </a:p>
-                  </a:txBody>
-                  <a:tcPr>
-                    <a:lnL w="12700" cap="flat" cmpd="sng" algn="ctr">
-                      <a:solidFill>
-                        <a:schemeClr val="tx1"/>
-                      </a:solidFill>
-                      <a:prstDash val="solid"/>
-                      <a:round/>
-                      <a:headEnd type="none" w="med" len="med"/>
-                      <a:tailEnd type="none" w="med" len="med"/>
-                    </a:lnL>
-                    <a:lnR w="12700" cap="flat" cmpd="sng" algn="ctr">
-                      <a:solidFill>
-                        <a:schemeClr val="tx1"/>
-                      </a:solidFill>
-                      <a:prstDash val="solid"/>
-                      <a:round/>
-                      <a:headEnd type="none" w="med" len="med"/>
-                      <a:tailEnd type="none" w="med" len="med"/>
-                    </a:lnR>
-                    <a:lnT w="12700" cap="flat" cmpd="sng" algn="ctr">
-                      <a:solidFill>
-                        <a:schemeClr val="tx1"/>
-                      </a:solidFill>
-                      <a:prstDash val="solid"/>
-                      <a:round/>
-                      <a:headEnd type="none" w="med" len="med"/>
-                      <a:tailEnd type="none" w="med" len="med"/>
-                    </a:lnT>
-                    <a:lnB w="12700" cap="flat" cmpd="sng" algn="ctr">
-                      <a:solidFill>
-                        <a:schemeClr val="tx1"/>
-                      </a:solidFill>
-                      <a:prstDash val="solid"/>
-                      <a:round/>
-                      <a:headEnd type="none" w="med" len="med"/>
-                      <a:tailEnd type="none" w="med" len="med"/>
-                    </a:lnB>
-                    <a:lnTlToBr w="12700" cap="flat" cmpd="sng" algn="ctr">
-                      <a:solidFill>
-                        <a:schemeClr val="tx1"/>
-                      </a:solidFill>
-                      <a:prstDash val="solid"/>
-                      <a:round/>
-                      <a:headEnd type="none" w="med" len="med"/>
-                      <a:tailEnd type="none" w="med" len="med"/>
-                    </a:lnTlToBr>
-                    <a:lnBlToTr w="12700" cmpd="sng">
-                      <a:noFill/>
-                      <a:prstDash val="solid"/>
-                    </a:lnBlToTr>
-                  </a:tcPr>
-                </a:tc>
-                <a:tc>
-                  <a:txBody>
-                    <a:bodyPr/>
-                    <a:lstStyle/>
-                    <a:p>
-                      <a:pPr algn="ctr"/>
-                      <a:r>
-                        <a:rPr kumimoji="1" lang="en-US" altLang="ja-JP" sz="2800" dirty="0">
-                          <a:solidFill>
-                            <a:schemeClr val="tx1"/>
-                          </a:solidFill>
-                        </a:rPr>
-                        <a:t>0.868</a:t>
-                      </a:r>
-                      <a:endParaRPr kumimoji="1" lang="ja-JP" altLang="en-US" sz="2800" dirty="0">
-                        <a:solidFill>
-                          <a:schemeClr val="tx1"/>
-                        </a:solidFill>
-                      </a:endParaRPr>
-                    </a:p>
-                  </a:txBody>
-                  <a:tcPr>
-                    <a:lnL w="12700" cap="flat" cmpd="sng" algn="ctr">
-                      <a:solidFill>
-                        <a:schemeClr val="tx1"/>
-                      </a:solidFill>
-                      <a:prstDash val="solid"/>
-                      <a:round/>
-                      <a:headEnd type="none" w="med" len="med"/>
-                      <a:tailEnd type="none" w="med" len="med"/>
-                    </a:lnL>
-                    <a:lnR w="12700" cap="flat" cmpd="sng" algn="ctr">
-                      <a:solidFill>
-                        <a:schemeClr val="tx1"/>
-                      </a:solidFill>
-                      <a:prstDash val="solid"/>
-                      <a:round/>
-                      <a:headEnd type="none" w="med" len="med"/>
-                      <a:tailEnd type="none" w="med" len="med"/>
-                    </a:lnR>
-                    <a:lnT w="12700" cap="flat" cmpd="sng" algn="ctr">
-                      <a:solidFill>
-                        <a:schemeClr val="tx1"/>
-                      </a:solidFill>
-                      <a:prstDash val="solid"/>
-                      <a:round/>
-                      <a:headEnd type="none" w="med" len="med"/>
-                      <a:tailEnd type="none" w="med" len="med"/>
-                    </a:lnT>
-                    <a:lnB w="12700" cap="flat" cmpd="sng" algn="ctr">
-                      <a:solidFill>
-                        <a:schemeClr val="tx1"/>
-                      </a:solidFill>
-                      <a:prstDash val="solid"/>
-                      <a:round/>
-                      <a:headEnd type="none" w="med" len="med"/>
-                      <a:tailEnd type="none" w="med" len="med"/>
-                    </a:lnB>
-                    <a:lnTlToBr w="12700" cmpd="sng">
-                      <a:noFill/>
-                      <a:prstDash val="solid"/>
-                    </a:lnTlToBr>
-                    <a:lnBlToTr w="12700" cmpd="sng">
-                      <a:noFill/>
-                      <a:prstDash val="solid"/>
-                    </a:lnBlToTr>
-                  </a:tcPr>
-                </a:tc>
-                <a:extLst>
-                  <a:ext uri="{0D108BD9-81ED-4DB2-BD59-A6C34878D82A}">
-                    <a16:rowId xmlns:a16="http://schemas.microsoft.com/office/drawing/2014/main" val="1377644744"/>
-                  </a:ext>
-                </a:extLst>
-              </a:tr>
-              <a:tr h="476409">
-                <a:tc>
-                  <a:txBody>
-                    <a:bodyPr/>
-                    <a:lstStyle/>
-                    <a:p>
-                      <a:pPr algn="ctr"/>
-                      <a:r>
-                        <a:rPr kumimoji="1" lang="en-US" altLang="ja-JP" sz="2800" dirty="0">
-                          <a:solidFill>
-                            <a:schemeClr val="tx1"/>
-                          </a:solidFill>
-                        </a:rPr>
-                        <a:t>100</a:t>
-                      </a:r>
-                      <a:endParaRPr kumimoji="1" lang="ja-JP" altLang="en-US" sz="2800" dirty="0">
-                        <a:solidFill>
-                          <a:schemeClr val="tx1"/>
-                        </a:solidFill>
-                      </a:endParaRPr>
-                    </a:p>
-                  </a:txBody>
-                  <a:tcPr>
-                    <a:lnL w="12700" cap="flat" cmpd="sng" algn="ctr">
-                      <a:solidFill>
-                        <a:schemeClr val="tx1"/>
-                      </a:solidFill>
-                      <a:prstDash val="solid"/>
-                      <a:round/>
-                      <a:headEnd type="none" w="med" len="med"/>
-                      <a:tailEnd type="none" w="med" len="med"/>
-                    </a:lnL>
-                    <a:lnR w="12700" cap="flat" cmpd="sng" algn="ctr">
-                      <a:solidFill>
-                        <a:schemeClr val="tx1"/>
-                      </a:solidFill>
-                      <a:prstDash val="solid"/>
-                      <a:round/>
-                      <a:headEnd type="none" w="med" len="med"/>
-                      <a:tailEnd type="none" w="med" len="med"/>
-                    </a:lnR>
-                    <a:lnT w="12700" cap="flat" cmpd="sng" algn="ctr">
-                      <a:solidFill>
-                        <a:schemeClr val="tx1"/>
-                      </a:solidFill>
-                      <a:prstDash val="solid"/>
-                      <a:round/>
-                      <a:headEnd type="none" w="med" len="med"/>
-                      <a:tailEnd type="none" w="med" len="med"/>
-                    </a:lnT>
-                    <a:lnB w="12700" cap="flat" cmpd="sng" algn="ctr">
-                      <a:solidFill>
-                        <a:schemeClr val="tx1"/>
-                      </a:solidFill>
-                      <a:prstDash val="solid"/>
-                      <a:round/>
-                      <a:headEnd type="none" w="med" len="med"/>
-                      <a:tailEnd type="none" w="med" len="med"/>
-                    </a:lnB>
-                  </a:tcPr>
-                </a:tc>
-                <a:tc>
-                  <a:txBody>
-                    <a:bodyPr/>
-                    <a:lstStyle/>
-                    <a:p>
-                      <a:pPr algn="ctr"/>
-                      <a:r>
-                        <a:rPr kumimoji="1" lang="en-US" altLang="ja-JP" sz="2800" dirty="0">
-                          <a:solidFill>
-                            <a:schemeClr val="tx1"/>
-                          </a:solidFill>
-                        </a:rPr>
-                        <a:t>46</a:t>
-                      </a:r>
-                      <a:endParaRPr kumimoji="1" lang="ja-JP" altLang="en-US" sz="2800" dirty="0">
-                        <a:solidFill>
-                          <a:schemeClr val="tx1"/>
-                        </a:solidFill>
-                      </a:endParaRPr>
-                    </a:p>
-                  </a:txBody>
-                  <a:tcPr>
-                    <a:lnL w="12700" cap="flat" cmpd="sng" algn="ctr">
-                      <a:solidFill>
-                        <a:schemeClr val="tx1"/>
-                      </a:solidFill>
-                      <a:prstDash val="solid"/>
-                      <a:round/>
-                      <a:headEnd type="none" w="med" len="med"/>
-                      <a:tailEnd type="none" w="med" len="med"/>
-                    </a:lnL>
-                    <a:lnR w="12700" cap="flat" cmpd="sng" algn="ctr">
-                      <a:solidFill>
-                        <a:schemeClr val="tx1"/>
-                      </a:solidFill>
-                      <a:prstDash val="solid"/>
-                      <a:round/>
-                      <a:headEnd type="none" w="med" len="med"/>
-                      <a:tailEnd type="none" w="med" len="med"/>
-                    </a:lnR>
-                    <a:lnT w="12700" cap="flat" cmpd="sng" algn="ctr">
-                      <a:solidFill>
-                        <a:schemeClr val="tx1"/>
-                      </a:solidFill>
-                      <a:prstDash val="solid"/>
-                      <a:round/>
-                      <a:headEnd type="none" w="med" len="med"/>
-                      <a:tailEnd type="none" w="med" len="med"/>
-                    </a:lnT>
-                    <a:lnB w="12700" cap="flat" cmpd="sng" algn="ctr">
-                      <a:solidFill>
-                        <a:schemeClr val="tx1"/>
-                      </a:solidFill>
-                      <a:prstDash val="solid"/>
-                      <a:round/>
-                      <a:headEnd type="none" w="med" len="med"/>
-                      <a:tailEnd type="none" w="med" len="med"/>
-                    </a:lnB>
-                  </a:tcPr>
-                </a:tc>
-                <a:tc>
-                  <a:txBody>
-                    <a:bodyPr/>
-                    <a:lstStyle/>
-                    <a:p>
-                      <a:pPr algn="ctr"/>
-                      <a:r>
-                        <a:rPr kumimoji="1" lang="ja-JP" altLang="en-US" sz="2800" dirty="0">
-                          <a:solidFill>
-                            <a:schemeClr val="tx1"/>
-                          </a:solidFill>
-                        </a:rPr>
-                        <a:t>なし</a:t>
-                      </a:r>
-                    </a:p>
-                  </a:txBody>
-                  <a:tcPr>
-                    <a:lnL w="12700" cap="flat" cmpd="sng" algn="ctr">
-                      <a:solidFill>
-                        <a:schemeClr val="tx1"/>
-                      </a:solidFill>
-                      <a:prstDash val="solid"/>
-                      <a:round/>
-                      <a:headEnd type="none" w="med" len="med"/>
-                      <a:tailEnd type="none" w="med" len="med"/>
-                    </a:lnL>
-                    <a:lnR w="12700" cap="flat" cmpd="sng" algn="ctr">
-                      <a:solidFill>
-                        <a:schemeClr val="tx1"/>
-                      </a:solidFill>
-                      <a:prstDash val="solid"/>
-                      <a:round/>
-                      <a:headEnd type="none" w="med" len="med"/>
-                      <a:tailEnd type="none" w="med" len="med"/>
-                    </a:lnR>
-                    <a:lnT w="12700" cap="flat" cmpd="sng" algn="ctr">
-                      <a:solidFill>
-                        <a:schemeClr val="tx1"/>
-                      </a:solidFill>
-                      <a:prstDash val="solid"/>
-                      <a:round/>
-                      <a:headEnd type="none" w="med" len="med"/>
-                      <a:tailEnd type="none" w="med" len="med"/>
-                    </a:lnT>
-                    <a:lnB w="12700" cap="flat" cmpd="sng" algn="ctr">
-                      <a:solidFill>
-                        <a:schemeClr val="tx1"/>
-                      </a:solidFill>
-                      <a:prstDash val="solid"/>
-                      <a:round/>
-                      <a:headEnd type="none" w="med" len="med"/>
-                      <a:tailEnd type="none" w="med" len="med"/>
-                    </a:lnB>
-                  </a:tcPr>
-                </a:tc>
-                <a:tc>
-                  <a:txBody>
-                    <a:bodyPr/>
-                    <a:lstStyle/>
-                    <a:p>
-                      <a:pPr algn="ctr"/>
-                      <a:r>
-                        <a:rPr kumimoji="1" lang="en-US" altLang="ja-JP" sz="2800" dirty="0">
-                          <a:solidFill>
-                            <a:schemeClr val="tx1"/>
-                          </a:solidFill>
-                        </a:rPr>
-                        <a:t>0.836</a:t>
-                      </a:r>
-                      <a:endParaRPr kumimoji="1" lang="ja-JP" altLang="en-US" sz="2800" dirty="0">
-                        <a:solidFill>
-                          <a:schemeClr val="tx1"/>
-                        </a:solidFill>
-                      </a:endParaRPr>
-                    </a:p>
-                  </a:txBody>
-                  <a:tcPr>
-                    <a:lnL w="12700" cap="flat" cmpd="sng" algn="ctr">
-                      <a:solidFill>
-                        <a:schemeClr val="tx1"/>
-                      </a:solidFill>
-                      <a:prstDash val="solid"/>
-                      <a:round/>
-                      <a:headEnd type="none" w="med" len="med"/>
-                      <a:tailEnd type="none" w="med" len="med"/>
-                    </a:lnL>
-                    <a:lnR w="12700" cap="flat" cmpd="sng" algn="ctr">
-                      <a:solidFill>
-                        <a:schemeClr val="tx1"/>
-                      </a:solidFill>
-                      <a:prstDash val="solid"/>
-                      <a:round/>
-                      <a:headEnd type="none" w="med" len="med"/>
-                      <a:tailEnd type="none" w="med" len="med"/>
-                    </a:lnR>
-                    <a:lnT w="12700" cap="flat" cmpd="sng" algn="ctr">
-                      <a:solidFill>
-                        <a:schemeClr val="tx1"/>
-                      </a:solidFill>
-                      <a:prstDash val="solid"/>
-                      <a:round/>
-                      <a:headEnd type="none" w="med" len="med"/>
-                      <a:tailEnd type="none" w="med" len="med"/>
-                    </a:lnT>
-                    <a:lnB w="12700" cap="flat" cmpd="sng" algn="ctr">
-                      <a:solidFill>
-                        <a:schemeClr val="tx1"/>
-                      </a:solidFill>
-                      <a:prstDash val="solid"/>
-                      <a:round/>
-                      <a:headEnd type="none" w="med" len="med"/>
-                      <a:tailEnd type="none" w="med" len="med"/>
-                    </a:lnB>
-                  </a:tcPr>
-                </a:tc>
-                <a:extLst>
-                  <a:ext uri="{0D108BD9-81ED-4DB2-BD59-A6C34878D82A}">
-                    <a16:rowId xmlns:a16="http://schemas.microsoft.com/office/drawing/2014/main" val="2972620062"/>
-                  </a:ext>
-                </a:extLst>
-              </a:tr>
-              <a:tr h="476409">
-                <a:tc>
-                  <a:txBody>
-                    <a:bodyPr/>
-                    <a:lstStyle/>
-                    <a:p>
-                      <a:pPr algn="ctr"/>
-                      <a:r>
-                        <a:rPr kumimoji="1" lang="en-US" altLang="ja-JP" sz="2800" dirty="0">
-                          <a:solidFill>
-                            <a:schemeClr val="tx1"/>
-                          </a:solidFill>
-                        </a:rPr>
-                        <a:t>39</a:t>
-                      </a:r>
-                      <a:endParaRPr kumimoji="1" lang="ja-JP" altLang="en-US" sz="2800" dirty="0">
-                        <a:solidFill>
-                          <a:schemeClr val="tx1"/>
-                        </a:solidFill>
-                      </a:endParaRPr>
-                    </a:p>
-                  </a:txBody>
-                  <a:tcPr>
-                    <a:lnL w="12700" cap="flat" cmpd="sng" algn="ctr">
-                      <a:solidFill>
-                        <a:schemeClr val="tx1"/>
-                      </a:solidFill>
-                      <a:prstDash val="solid"/>
-                      <a:round/>
-                      <a:headEnd type="none" w="med" len="med"/>
-                      <a:tailEnd type="none" w="med" len="med"/>
-                    </a:lnL>
-                    <a:lnR w="12700" cap="flat" cmpd="sng" algn="ctr">
-                      <a:solidFill>
-                        <a:schemeClr val="tx1"/>
-                      </a:solidFill>
-                      <a:prstDash val="solid"/>
-                      <a:round/>
-                      <a:headEnd type="none" w="med" len="med"/>
-                      <a:tailEnd type="none" w="med" len="med"/>
-                    </a:lnR>
-                    <a:lnT w="12700" cap="flat" cmpd="sng" algn="ctr">
-                      <a:solidFill>
-                        <a:schemeClr val="tx1"/>
-                      </a:solidFill>
-                      <a:prstDash val="solid"/>
-                      <a:round/>
-                      <a:headEnd type="none" w="med" len="med"/>
-                      <a:tailEnd type="none" w="med" len="med"/>
-                    </a:lnT>
-                    <a:lnB w="12700" cap="flat" cmpd="sng" algn="ctr">
-                      <a:solidFill>
-                        <a:schemeClr val="tx1"/>
-                      </a:solidFill>
-                      <a:prstDash val="solid"/>
-                      <a:round/>
-                      <a:headEnd type="none" w="med" len="med"/>
-                      <a:tailEnd type="none" w="med" len="med"/>
-                    </a:lnB>
-                  </a:tcPr>
-                </a:tc>
-                <a:tc>
-                  <a:txBody>
-                    <a:bodyPr/>
-                    <a:lstStyle/>
-                    <a:p>
-                      <a:pPr algn="ctr"/>
-                      <a:r>
-                        <a:rPr kumimoji="1" lang="en-US" altLang="ja-JP" sz="2800" dirty="0">
-                          <a:solidFill>
-                            <a:schemeClr val="tx1"/>
-                          </a:solidFill>
-                        </a:rPr>
-                        <a:t>22</a:t>
-                      </a:r>
-                      <a:endParaRPr kumimoji="1" lang="ja-JP" altLang="en-US" sz="2800" dirty="0">
-                        <a:solidFill>
-                          <a:schemeClr val="tx1"/>
-                        </a:solidFill>
-                      </a:endParaRPr>
-                    </a:p>
-                  </a:txBody>
-                  <a:tcPr>
-                    <a:lnL w="12700" cap="flat" cmpd="sng" algn="ctr">
-                      <a:solidFill>
-                        <a:schemeClr val="tx1"/>
-                      </a:solidFill>
-                      <a:prstDash val="solid"/>
-                      <a:round/>
-                      <a:headEnd type="none" w="med" len="med"/>
-                      <a:tailEnd type="none" w="med" len="med"/>
-                    </a:lnL>
-                    <a:lnR w="12700" cap="flat" cmpd="sng" algn="ctr">
-                      <a:solidFill>
-                        <a:schemeClr val="tx1"/>
-                      </a:solidFill>
-                      <a:prstDash val="solid"/>
-                      <a:round/>
-                      <a:headEnd type="none" w="med" len="med"/>
-                      <a:tailEnd type="none" w="med" len="med"/>
-                    </a:lnR>
-                    <a:lnT w="12700" cap="flat" cmpd="sng" algn="ctr">
-                      <a:solidFill>
-                        <a:schemeClr val="tx1"/>
-                      </a:solidFill>
-                      <a:prstDash val="solid"/>
-                      <a:round/>
-                      <a:headEnd type="none" w="med" len="med"/>
-                      <a:tailEnd type="none" w="med" len="med"/>
-                    </a:lnT>
-                    <a:lnB w="12700" cap="flat" cmpd="sng" algn="ctr">
-                      <a:solidFill>
-                        <a:schemeClr val="tx1"/>
-                      </a:solidFill>
-                      <a:prstDash val="solid"/>
-                      <a:round/>
-                      <a:headEnd type="none" w="med" len="med"/>
-                      <a:tailEnd type="none" w="med" len="med"/>
-                    </a:lnB>
-                  </a:tcPr>
-                </a:tc>
-                <a:tc>
-                  <a:txBody>
-                    <a:bodyPr/>
-                    <a:lstStyle/>
-                    <a:p>
-                      <a:pPr algn="ctr"/>
-                      <a:r>
-                        <a:rPr kumimoji="1" lang="en-US" altLang="ja-JP" sz="2800" dirty="0">
-                          <a:solidFill>
-                            <a:schemeClr val="tx1"/>
-                          </a:solidFill>
-                        </a:rPr>
-                        <a:t>0.19</a:t>
-                      </a:r>
-                      <a:endParaRPr kumimoji="1" lang="ja-JP" altLang="en-US" sz="2800" dirty="0">
-                        <a:solidFill>
-                          <a:schemeClr val="tx1"/>
-                        </a:solidFill>
-                      </a:endParaRPr>
-                    </a:p>
-                  </a:txBody>
-                  <a:tcPr>
-                    <a:lnL w="12700" cap="flat" cmpd="sng" algn="ctr">
-                      <a:solidFill>
-                        <a:schemeClr val="tx1"/>
-                      </a:solidFill>
-                      <a:prstDash val="solid"/>
-                      <a:round/>
-                      <a:headEnd type="none" w="med" len="med"/>
-                      <a:tailEnd type="none" w="med" len="med"/>
-                    </a:lnL>
-                    <a:lnR w="12700" cap="flat" cmpd="sng" algn="ctr">
-                      <a:solidFill>
-                        <a:schemeClr val="tx1"/>
-                      </a:solidFill>
-                      <a:prstDash val="solid"/>
-                      <a:round/>
-                      <a:headEnd type="none" w="med" len="med"/>
-                      <a:tailEnd type="none" w="med" len="med"/>
-                    </a:lnR>
-                    <a:lnT w="12700" cap="flat" cmpd="sng" algn="ctr">
-                      <a:solidFill>
-                        <a:schemeClr val="tx1"/>
-                      </a:solidFill>
-                      <a:prstDash val="solid"/>
-                      <a:round/>
-                      <a:headEnd type="none" w="med" len="med"/>
-                      <a:tailEnd type="none" w="med" len="med"/>
-                    </a:lnT>
-                    <a:lnB w="12700" cap="flat" cmpd="sng" algn="ctr">
-                      <a:solidFill>
-                        <a:schemeClr val="tx1"/>
-                      </a:solidFill>
-                      <a:prstDash val="solid"/>
-                      <a:round/>
-                      <a:headEnd type="none" w="med" len="med"/>
-                      <a:tailEnd type="none" w="med" len="med"/>
-                    </a:lnB>
-                  </a:tcPr>
-                </a:tc>
-                <a:tc>
-                  <a:txBody>
-                    <a:bodyPr/>
-                    <a:lstStyle/>
-                    <a:p>
-                      <a:pPr algn="ctr"/>
-                      <a:r>
-                        <a:rPr kumimoji="1" lang="en-US" altLang="ja-JP" sz="2800" dirty="0">
-                          <a:solidFill>
-                            <a:schemeClr val="tx1"/>
-                          </a:solidFill>
-                        </a:rPr>
-                        <a:t>0.862</a:t>
-                      </a:r>
-                      <a:endParaRPr kumimoji="1" lang="ja-JP" altLang="en-US" sz="2800" dirty="0">
-                        <a:solidFill>
-                          <a:schemeClr val="tx1"/>
-                        </a:solidFill>
-                      </a:endParaRPr>
-                    </a:p>
-                  </a:txBody>
-                  <a:tcPr>
-                    <a:lnL w="12700" cap="flat" cmpd="sng" algn="ctr">
-                      <a:solidFill>
-                        <a:schemeClr val="tx1"/>
-                      </a:solidFill>
-                      <a:prstDash val="solid"/>
-                      <a:round/>
-                      <a:headEnd type="none" w="med" len="med"/>
-                      <a:tailEnd type="none" w="med" len="med"/>
-                    </a:lnL>
-                    <a:lnR w="12700" cap="flat" cmpd="sng" algn="ctr">
-                      <a:solidFill>
-                        <a:schemeClr val="tx1"/>
-                      </a:solidFill>
-                      <a:prstDash val="solid"/>
-                      <a:round/>
-                      <a:headEnd type="none" w="med" len="med"/>
-                      <a:tailEnd type="none" w="med" len="med"/>
-                    </a:lnR>
-                    <a:lnT w="12700" cap="flat" cmpd="sng" algn="ctr">
-                      <a:solidFill>
-                        <a:schemeClr val="tx1"/>
-                      </a:solidFill>
-                      <a:prstDash val="solid"/>
-                      <a:round/>
-                      <a:headEnd type="none" w="med" len="med"/>
-                      <a:tailEnd type="none" w="med" len="med"/>
-                    </a:lnT>
-                    <a:lnB w="12700" cap="flat" cmpd="sng" algn="ctr">
-                      <a:solidFill>
-                        <a:schemeClr val="tx1"/>
-                      </a:solidFill>
-                      <a:prstDash val="solid"/>
-                      <a:round/>
-                      <a:headEnd type="none" w="med" len="med"/>
-                      <a:tailEnd type="none" w="med" len="med"/>
-                    </a:lnB>
-                  </a:tcPr>
-                </a:tc>
-                <a:extLst>
-                  <a:ext uri="{0D108BD9-81ED-4DB2-BD59-A6C34878D82A}">
-                    <a16:rowId xmlns:a16="http://schemas.microsoft.com/office/drawing/2014/main" val="3018717977"/>
-                  </a:ext>
-                </a:extLst>
-              </a:tr>
-              <a:tr h="476409">
-                <a:tc>
-                  <a:txBody>
-                    <a:bodyPr/>
-                    <a:lstStyle/>
-                    <a:p>
-                      <a:pPr algn="ctr"/>
-                      <a:r>
-                        <a:rPr kumimoji="1" lang="en-US" altLang="ja-JP" sz="2800" dirty="0">
-                          <a:solidFill>
-                            <a:schemeClr val="tx1"/>
-                          </a:solidFill>
-                        </a:rPr>
-                        <a:t>19</a:t>
-                      </a:r>
-                      <a:endParaRPr kumimoji="1" lang="ja-JP" altLang="en-US" sz="2800" dirty="0">
-                        <a:solidFill>
-                          <a:schemeClr val="tx1"/>
-                        </a:solidFill>
-                      </a:endParaRPr>
-                    </a:p>
-                  </a:txBody>
-                  <a:tcPr>
-                    <a:lnL w="12700" cap="flat" cmpd="sng" algn="ctr">
-                      <a:solidFill>
-                        <a:schemeClr val="tx1"/>
-                      </a:solidFill>
-                      <a:prstDash val="solid"/>
-                      <a:round/>
-                      <a:headEnd type="none" w="med" len="med"/>
-                      <a:tailEnd type="none" w="med" len="med"/>
-                    </a:lnL>
-                    <a:lnR w="12700" cap="flat" cmpd="sng" algn="ctr">
-                      <a:solidFill>
-                        <a:schemeClr val="tx1"/>
-                      </a:solidFill>
-                      <a:prstDash val="solid"/>
-                      <a:round/>
-                      <a:headEnd type="none" w="med" len="med"/>
-                      <a:tailEnd type="none" w="med" len="med"/>
-                    </a:lnR>
-                    <a:lnT w="12700" cap="flat" cmpd="sng" algn="ctr">
-                      <a:solidFill>
-                        <a:schemeClr val="tx1"/>
-                      </a:solidFill>
-                      <a:prstDash val="solid"/>
-                      <a:round/>
-                      <a:headEnd type="none" w="med" len="med"/>
-                      <a:tailEnd type="none" w="med" len="med"/>
-                    </a:lnT>
-                    <a:lnB w="12700" cap="flat" cmpd="sng" algn="ctr">
-                      <a:solidFill>
-                        <a:schemeClr val="tx1"/>
-                      </a:solidFill>
-                      <a:prstDash val="solid"/>
-                      <a:round/>
-                      <a:headEnd type="none" w="med" len="med"/>
-                      <a:tailEnd type="none" w="med" len="med"/>
-                    </a:lnB>
-                  </a:tcPr>
-                </a:tc>
-                <a:tc>
-                  <a:txBody>
-                    <a:bodyPr/>
-                    <a:lstStyle/>
-                    <a:p>
-                      <a:pPr algn="ctr"/>
-                      <a:r>
-                        <a:rPr kumimoji="1" lang="en-US" altLang="ja-JP" sz="2800" dirty="0">
-                          <a:solidFill>
-                            <a:schemeClr val="tx1"/>
-                          </a:solidFill>
-                        </a:rPr>
-                        <a:t>14</a:t>
-                      </a:r>
-                      <a:endParaRPr kumimoji="1" lang="ja-JP" altLang="en-US" sz="2800" dirty="0">
-                        <a:solidFill>
-                          <a:schemeClr val="tx1"/>
-                        </a:solidFill>
-                      </a:endParaRPr>
-                    </a:p>
-                  </a:txBody>
-                  <a:tcPr>
-                    <a:lnL w="12700" cap="flat" cmpd="sng" algn="ctr">
-                      <a:solidFill>
-                        <a:schemeClr val="tx1"/>
-                      </a:solidFill>
-                      <a:prstDash val="solid"/>
-                      <a:round/>
-                      <a:headEnd type="none" w="med" len="med"/>
-                      <a:tailEnd type="none" w="med" len="med"/>
-                    </a:lnL>
-                    <a:lnR w="12700" cap="flat" cmpd="sng" algn="ctr">
-                      <a:solidFill>
-                        <a:schemeClr val="tx1"/>
-                      </a:solidFill>
-                      <a:prstDash val="solid"/>
-                      <a:round/>
-                      <a:headEnd type="none" w="med" len="med"/>
-                      <a:tailEnd type="none" w="med" len="med"/>
-                    </a:lnR>
-                    <a:lnT w="12700" cap="flat" cmpd="sng" algn="ctr">
-                      <a:solidFill>
-                        <a:schemeClr val="tx1"/>
-                      </a:solidFill>
-                      <a:prstDash val="solid"/>
-                      <a:round/>
-                      <a:headEnd type="none" w="med" len="med"/>
-                      <a:tailEnd type="none" w="med" len="med"/>
-                    </a:lnT>
-                    <a:lnB w="12700" cap="flat" cmpd="sng" algn="ctr">
-                      <a:solidFill>
-                        <a:schemeClr val="tx1"/>
-                      </a:solidFill>
-                      <a:prstDash val="solid"/>
-                      <a:round/>
-                      <a:headEnd type="none" w="med" len="med"/>
-                      <a:tailEnd type="none" w="med" len="med"/>
-                    </a:lnB>
-                  </a:tcPr>
-                </a:tc>
-                <a:tc>
-                  <a:txBody>
-                    <a:bodyPr/>
-                    <a:lstStyle/>
-                    <a:p>
-                      <a:pPr algn="ctr"/>
-                      <a:r>
-                        <a:rPr kumimoji="1" lang="en-US" altLang="ja-JP" sz="2800" dirty="0">
-                          <a:solidFill>
-                            <a:schemeClr val="tx1"/>
-                          </a:solidFill>
-                        </a:rPr>
-                        <a:t>0.20</a:t>
-                      </a:r>
-                      <a:endParaRPr kumimoji="1" lang="ja-JP" altLang="en-US" sz="2800" dirty="0">
-                        <a:solidFill>
-                          <a:schemeClr val="tx1"/>
-                        </a:solidFill>
-                      </a:endParaRPr>
-                    </a:p>
-                  </a:txBody>
-                  <a:tcPr>
-                    <a:lnL w="12700" cap="flat" cmpd="sng" algn="ctr">
-                      <a:solidFill>
-                        <a:schemeClr val="tx1"/>
-                      </a:solidFill>
-                      <a:prstDash val="solid"/>
-                      <a:round/>
-                      <a:headEnd type="none" w="med" len="med"/>
-                      <a:tailEnd type="none" w="med" len="med"/>
-                    </a:lnL>
-                    <a:lnR w="12700" cap="flat" cmpd="sng" algn="ctr">
-                      <a:solidFill>
-                        <a:schemeClr val="tx1"/>
-                      </a:solidFill>
-                      <a:prstDash val="solid"/>
-                      <a:round/>
-                      <a:headEnd type="none" w="med" len="med"/>
-                      <a:tailEnd type="none" w="med" len="med"/>
-                    </a:lnR>
-                    <a:lnT w="12700" cap="flat" cmpd="sng" algn="ctr">
-                      <a:solidFill>
-                        <a:schemeClr val="tx1"/>
-                      </a:solidFill>
-                      <a:prstDash val="solid"/>
-                      <a:round/>
-                      <a:headEnd type="none" w="med" len="med"/>
-                      <a:tailEnd type="none" w="med" len="med"/>
-                    </a:lnT>
-                    <a:lnB w="12700" cap="flat" cmpd="sng" algn="ctr">
-                      <a:solidFill>
-                        <a:schemeClr val="tx1"/>
-                      </a:solidFill>
-                      <a:prstDash val="solid"/>
-                      <a:round/>
-                      <a:headEnd type="none" w="med" len="med"/>
-                      <a:tailEnd type="none" w="med" len="med"/>
-                    </a:lnB>
-                  </a:tcPr>
-                </a:tc>
-                <a:tc>
-                  <a:txBody>
-                    <a:bodyPr/>
-                    <a:lstStyle/>
-                    <a:p>
-                      <a:pPr algn="ctr"/>
-                      <a:r>
-                        <a:rPr kumimoji="1" lang="en-US" altLang="ja-JP" sz="2800" dirty="0">
-                          <a:solidFill>
-                            <a:schemeClr val="tx1"/>
-                          </a:solidFill>
-                        </a:rPr>
-                        <a:t>0.825</a:t>
-                      </a:r>
-                      <a:endParaRPr kumimoji="1" lang="ja-JP" altLang="en-US" sz="2800" dirty="0">
-                        <a:solidFill>
-                          <a:schemeClr val="tx1"/>
-                        </a:solidFill>
-                      </a:endParaRPr>
-                    </a:p>
-                  </a:txBody>
-                  <a:tcPr>
-                    <a:lnL w="12700" cap="flat" cmpd="sng" algn="ctr">
-                      <a:solidFill>
-                        <a:schemeClr val="tx1"/>
-                      </a:solidFill>
-                      <a:prstDash val="solid"/>
-                      <a:round/>
-                      <a:headEnd type="none" w="med" len="med"/>
-                      <a:tailEnd type="none" w="med" len="med"/>
-                    </a:lnL>
-                    <a:lnR w="12700" cap="flat" cmpd="sng" algn="ctr">
-                      <a:solidFill>
-                        <a:schemeClr val="tx1"/>
-                      </a:solidFill>
-                      <a:prstDash val="solid"/>
-                      <a:round/>
-                      <a:headEnd type="none" w="med" len="med"/>
-                      <a:tailEnd type="none" w="med" len="med"/>
-                    </a:lnR>
-                    <a:lnT w="12700" cap="flat" cmpd="sng" algn="ctr">
-                      <a:solidFill>
-                        <a:schemeClr val="tx1"/>
-                      </a:solidFill>
-                      <a:prstDash val="solid"/>
-                      <a:round/>
-                      <a:headEnd type="none" w="med" len="med"/>
-                      <a:tailEnd type="none" w="med" len="med"/>
-                    </a:lnT>
-                    <a:lnB w="12700" cap="flat" cmpd="sng" algn="ctr">
-                      <a:solidFill>
-                        <a:schemeClr val="tx1"/>
-                      </a:solidFill>
-                      <a:prstDash val="solid"/>
-                      <a:round/>
-                      <a:headEnd type="none" w="med" len="med"/>
-                      <a:tailEnd type="none" w="med" len="med"/>
-                    </a:lnB>
-                  </a:tcPr>
-                </a:tc>
-                <a:extLst>
-                  <a:ext uri="{0D108BD9-81ED-4DB2-BD59-A6C34878D82A}">
-                    <a16:rowId xmlns:a16="http://schemas.microsoft.com/office/drawing/2014/main" val="750882695"/>
-                  </a:ext>
-                </a:extLst>
-              </a:tr>
-            </a:tbl>
-          </a:graphicData>
-        </a:graphic>
-      </p:graphicFrame>
-    </p:spTree>
-    <p:extLst>
-      <p:ext uri="{BB962C8B-B14F-4D97-AF65-F5344CB8AC3E}">
-        <p14:creationId xmlns:p14="http://schemas.microsoft.com/office/powerpoint/2010/main" val="1453635052"/>
       </p:ext>
     </p:extLst>
   </p:cSld>
@@ -25580,6 +24878,1437 @@
           <p:nvPr>
             <p:extLst>
               <p:ext uri="{D42A27DB-BD31-4B8C-83A1-F6EECF244321}">
+                <p14:modId xmlns:p14="http://schemas.microsoft.com/office/powerpoint/2010/main" val="1106255012"/>
+              </p:ext>
+            </p:extLst>
+          </p:nvPr>
+        </p:nvGraphicFramePr>
+        <p:xfrm>
+          <a:off x="1271587" y="2640013"/>
+          <a:ext cx="6084095" cy="2590800"/>
+        </p:xfrm>
+        <a:graphic>
+          <a:graphicData uri="http://schemas.openxmlformats.org/drawingml/2006/table">
+            <a:tbl>
+              <a:tblPr firstRow="1" bandRow="1">
+                <a:tableStyleId>{7E9639D4-E3E2-4D34-9284-5A2195B3D0D7}</a:tableStyleId>
+              </a:tblPr>
+              <a:tblGrid>
+                <a:gridCol w="1512095">
+                  <a:extLst>
+                    <a:ext uri="{9D8B030D-6E8A-4147-A177-3AD203B41FA5}">
+                      <a16:colId xmlns:a16="http://schemas.microsoft.com/office/drawing/2014/main" val="1433879298"/>
+                    </a:ext>
+                  </a:extLst>
+                </a:gridCol>
+                <a:gridCol w="1524000">
+                  <a:extLst>
+                    <a:ext uri="{9D8B030D-6E8A-4147-A177-3AD203B41FA5}">
+                      <a16:colId xmlns:a16="http://schemas.microsoft.com/office/drawing/2014/main" val="2707363644"/>
+                    </a:ext>
+                  </a:extLst>
+                </a:gridCol>
+                <a:gridCol w="1524000">
+                  <a:extLst>
+                    <a:ext uri="{9D8B030D-6E8A-4147-A177-3AD203B41FA5}">
+                      <a16:colId xmlns:a16="http://schemas.microsoft.com/office/drawing/2014/main" val="219470981"/>
+                    </a:ext>
+                  </a:extLst>
+                </a:gridCol>
+                <a:gridCol w="1524000">
+                  <a:extLst>
+                    <a:ext uri="{9D8B030D-6E8A-4147-A177-3AD203B41FA5}">
+                      <a16:colId xmlns:a16="http://schemas.microsoft.com/office/drawing/2014/main" val="636473423"/>
+                    </a:ext>
+                  </a:extLst>
+                </a:gridCol>
+              </a:tblGrid>
+              <a:tr h="476409">
+                <a:tc>
+                  <a:txBody>
+                    <a:bodyPr/>
+                    <a:lstStyle/>
+                    <a:p>
+                      <a:pPr algn="ctr"/>
+                      <a:r>
+                        <a:rPr kumimoji="1" lang="ja-JP" altLang="en-US" sz="2800" b="0" dirty="0">
+                          <a:solidFill>
+                            <a:schemeClr val="tx1"/>
+                          </a:solidFill>
+                        </a:rPr>
+                        <a:t>採択数</a:t>
+                      </a:r>
+                    </a:p>
+                  </a:txBody>
+                  <a:tcPr>
+                    <a:lnL w="12700" cap="flat" cmpd="sng" algn="ctr">
+                      <a:solidFill>
+                        <a:schemeClr val="tx1"/>
+                      </a:solidFill>
+                      <a:prstDash val="solid"/>
+                      <a:round/>
+                      <a:headEnd type="none" w="med" len="med"/>
+                      <a:tailEnd type="none" w="med" len="med"/>
+                    </a:lnL>
+                    <a:lnR w="12700" cap="flat" cmpd="sng" algn="ctr">
+                      <a:solidFill>
+                        <a:schemeClr val="tx1"/>
+                      </a:solidFill>
+                      <a:prstDash val="solid"/>
+                      <a:round/>
+                      <a:headEnd type="none" w="med" len="med"/>
+                      <a:tailEnd type="none" w="med" len="med"/>
+                    </a:lnR>
+                    <a:lnT w="12700" cap="flat" cmpd="sng" algn="ctr">
+                      <a:solidFill>
+                        <a:schemeClr val="tx1"/>
+                      </a:solidFill>
+                      <a:prstDash val="solid"/>
+                      <a:round/>
+                      <a:headEnd type="none" w="med" len="med"/>
+                      <a:tailEnd type="none" w="med" len="med"/>
+                    </a:lnT>
+                    <a:lnB w="12700" cap="flat" cmpd="sng" algn="ctr">
+                      <a:solidFill>
+                        <a:schemeClr val="tx1"/>
+                      </a:solidFill>
+                      <a:prstDash val="solid"/>
+                      <a:round/>
+                      <a:headEnd type="none" w="med" len="med"/>
+                      <a:tailEnd type="none" w="med" len="med"/>
+                    </a:lnB>
+                    <a:solidFill>
+                      <a:schemeClr val="bg2">
+                        <a:lumMod val="90000"/>
+                      </a:schemeClr>
+                    </a:solidFill>
+                  </a:tcPr>
+                </a:tc>
+                <a:tc>
+                  <a:txBody>
+                    <a:bodyPr/>
+                    <a:lstStyle/>
+                    <a:p>
+                      <a:pPr algn="ctr"/>
+                      <a:r>
+                        <a:rPr kumimoji="1" lang="ja-JP" altLang="en-US" sz="2800" b="0" dirty="0">
+                          <a:solidFill>
+                            <a:schemeClr val="tx1"/>
+                          </a:solidFill>
+                        </a:rPr>
+                        <a:t>正答数</a:t>
+                      </a:r>
+                    </a:p>
+                  </a:txBody>
+                  <a:tcPr>
+                    <a:lnL w="12700" cap="flat" cmpd="sng" algn="ctr">
+                      <a:solidFill>
+                        <a:schemeClr val="tx1"/>
+                      </a:solidFill>
+                      <a:prstDash val="solid"/>
+                      <a:round/>
+                      <a:headEnd type="none" w="med" len="med"/>
+                      <a:tailEnd type="none" w="med" len="med"/>
+                    </a:lnL>
+                    <a:lnR w="12700" cap="flat" cmpd="sng" algn="ctr">
+                      <a:solidFill>
+                        <a:schemeClr val="tx1"/>
+                      </a:solidFill>
+                      <a:prstDash val="solid"/>
+                      <a:round/>
+                      <a:headEnd type="none" w="med" len="med"/>
+                      <a:tailEnd type="none" w="med" len="med"/>
+                    </a:lnR>
+                    <a:lnT w="12700" cap="flat" cmpd="sng" algn="ctr">
+                      <a:solidFill>
+                        <a:schemeClr val="tx1"/>
+                      </a:solidFill>
+                      <a:prstDash val="solid"/>
+                      <a:round/>
+                      <a:headEnd type="none" w="med" len="med"/>
+                      <a:tailEnd type="none" w="med" len="med"/>
+                    </a:lnT>
+                    <a:lnB w="12700" cap="flat" cmpd="sng" algn="ctr">
+                      <a:solidFill>
+                        <a:schemeClr val="tx1"/>
+                      </a:solidFill>
+                      <a:prstDash val="solid"/>
+                      <a:round/>
+                      <a:headEnd type="none" w="med" len="med"/>
+                      <a:tailEnd type="none" w="med" len="med"/>
+                    </a:lnB>
+                    <a:solidFill>
+                      <a:schemeClr val="bg2">
+                        <a:lumMod val="90000"/>
+                      </a:schemeClr>
+                    </a:solidFill>
+                  </a:tcPr>
+                </a:tc>
+                <a:tc>
+                  <a:txBody>
+                    <a:bodyPr/>
+                    <a:lstStyle/>
+                    <a:p>
+                      <a:pPr algn="ctr"/>
+                      <a:r>
+                        <a:rPr kumimoji="1" lang="ja-JP" altLang="en-US" sz="2800" b="0" dirty="0">
+                          <a:solidFill>
+                            <a:schemeClr val="tx1"/>
+                          </a:solidFill>
+                        </a:rPr>
+                        <a:t>閾値</a:t>
+                      </a:r>
+                    </a:p>
+                  </a:txBody>
+                  <a:tcPr>
+                    <a:lnL w="12700" cap="flat" cmpd="sng" algn="ctr">
+                      <a:solidFill>
+                        <a:schemeClr val="tx1"/>
+                      </a:solidFill>
+                      <a:prstDash val="solid"/>
+                      <a:round/>
+                      <a:headEnd type="none" w="med" len="med"/>
+                      <a:tailEnd type="none" w="med" len="med"/>
+                    </a:lnL>
+                    <a:lnR w="12700" cap="flat" cmpd="sng" algn="ctr">
+                      <a:solidFill>
+                        <a:schemeClr val="tx1"/>
+                      </a:solidFill>
+                      <a:prstDash val="solid"/>
+                      <a:round/>
+                      <a:headEnd type="none" w="med" len="med"/>
+                      <a:tailEnd type="none" w="med" len="med"/>
+                    </a:lnR>
+                    <a:lnT w="12700" cap="flat" cmpd="sng" algn="ctr">
+                      <a:solidFill>
+                        <a:schemeClr val="tx1"/>
+                      </a:solidFill>
+                      <a:prstDash val="solid"/>
+                      <a:round/>
+                      <a:headEnd type="none" w="med" len="med"/>
+                      <a:tailEnd type="none" w="med" len="med"/>
+                    </a:lnT>
+                    <a:lnB w="12700" cap="flat" cmpd="sng" algn="ctr">
+                      <a:solidFill>
+                        <a:schemeClr val="tx1"/>
+                      </a:solidFill>
+                      <a:prstDash val="solid"/>
+                      <a:round/>
+                      <a:headEnd type="none" w="med" len="med"/>
+                      <a:tailEnd type="none" w="med" len="med"/>
+                    </a:lnB>
+                    <a:solidFill>
+                      <a:schemeClr val="bg2">
+                        <a:lumMod val="90000"/>
+                      </a:schemeClr>
+                    </a:solidFill>
+                  </a:tcPr>
+                </a:tc>
+                <a:tc>
+                  <a:txBody>
+                    <a:bodyPr/>
+                    <a:lstStyle/>
+                    <a:p>
+                      <a:pPr algn="ctr"/>
+                      <a:r>
+                        <a:rPr kumimoji="1" lang="ja-JP" altLang="en-US" sz="2800" b="0" dirty="0">
+                          <a:solidFill>
+                            <a:schemeClr val="tx1"/>
+                          </a:solidFill>
+                        </a:rPr>
+                        <a:t>精度</a:t>
+                      </a:r>
+                    </a:p>
+                  </a:txBody>
+                  <a:tcPr>
+                    <a:lnL w="12700" cap="flat" cmpd="sng" algn="ctr">
+                      <a:solidFill>
+                        <a:schemeClr val="tx1"/>
+                      </a:solidFill>
+                      <a:prstDash val="solid"/>
+                      <a:round/>
+                      <a:headEnd type="none" w="med" len="med"/>
+                      <a:tailEnd type="none" w="med" len="med"/>
+                    </a:lnL>
+                    <a:lnR w="12700" cap="flat" cmpd="sng" algn="ctr">
+                      <a:solidFill>
+                        <a:schemeClr val="tx1"/>
+                      </a:solidFill>
+                      <a:prstDash val="solid"/>
+                      <a:round/>
+                      <a:headEnd type="none" w="med" len="med"/>
+                      <a:tailEnd type="none" w="med" len="med"/>
+                    </a:lnR>
+                    <a:lnT w="12700" cap="flat" cmpd="sng" algn="ctr">
+                      <a:solidFill>
+                        <a:schemeClr val="tx1"/>
+                      </a:solidFill>
+                      <a:prstDash val="solid"/>
+                      <a:round/>
+                      <a:headEnd type="none" w="med" len="med"/>
+                      <a:tailEnd type="none" w="med" len="med"/>
+                    </a:lnT>
+                    <a:lnB w="12700" cap="flat" cmpd="sng" algn="ctr">
+                      <a:solidFill>
+                        <a:schemeClr val="tx1"/>
+                      </a:solidFill>
+                      <a:prstDash val="solid"/>
+                      <a:round/>
+                      <a:headEnd type="none" w="med" len="med"/>
+                      <a:tailEnd type="none" w="med" len="med"/>
+                    </a:lnB>
+                    <a:solidFill>
+                      <a:schemeClr val="bg2">
+                        <a:lumMod val="90000"/>
+                      </a:schemeClr>
+                    </a:solidFill>
+                  </a:tcPr>
+                </a:tc>
+                <a:extLst>
+                  <a:ext uri="{0D108BD9-81ED-4DB2-BD59-A6C34878D82A}">
+                    <a16:rowId xmlns:a16="http://schemas.microsoft.com/office/drawing/2014/main" val="1430855264"/>
+                  </a:ext>
+                </a:extLst>
+              </a:tr>
+              <a:tr h="476409">
+                <a:tc>
+                  <a:txBody>
+                    <a:bodyPr/>
+                    <a:lstStyle/>
+                    <a:p>
+                      <a:pPr algn="ctr"/>
+                      <a:r>
+                        <a:rPr kumimoji="1" lang="ja-JP" altLang="en-US" sz="2800" dirty="0">
+                          <a:solidFill>
+                            <a:schemeClr val="tx1"/>
+                          </a:solidFill>
+                        </a:rPr>
+                        <a:t>０</a:t>
+                      </a:r>
+                    </a:p>
+                  </a:txBody>
+                  <a:tcPr>
+                    <a:lnL w="12700" cap="flat" cmpd="sng" algn="ctr">
+                      <a:solidFill>
+                        <a:schemeClr val="tx1"/>
+                      </a:solidFill>
+                      <a:prstDash val="solid"/>
+                      <a:round/>
+                      <a:headEnd type="none" w="med" len="med"/>
+                      <a:tailEnd type="none" w="med" len="med"/>
+                    </a:lnL>
+                    <a:lnR w="12700" cap="flat" cmpd="sng" algn="ctr">
+                      <a:solidFill>
+                        <a:schemeClr val="tx1"/>
+                      </a:solidFill>
+                      <a:prstDash val="solid"/>
+                      <a:round/>
+                      <a:headEnd type="none" w="med" len="med"/>
+                      <a:tailEnd type="none" w="med" len="med"/>
+                    </a:lnR>
+                    <a:lnT w="12700" cap="flat" cmpd="sng" algn="ctr">
+                      <a:solidFill>
+                        <a:schemeClr val="tx1"/>
+                      </a:solidFill>
+                      <a:prstDash val="solid"/>
+                      <a:round/>
+                      <a:headEnd type="none" w="med" len="med"/>
+                      <a:tailEnd type="none" w="med" len="med"/>
+                    </a:lnT>
+                    <a:lnB w="12700" cap="flat" cmpd="sng" algn="ctr">
+                      <a:solidFill>
+                        <a:schemeClr val="tx1"/>
+                      </a:solidFill>
+                      <a:prstDash val="solid"/>
+                      <a:round/>
+                      <a:headEnd type="none" w="med" len="med"/>
+                      <a:tailEnd type="none" w="med" len="med"/>
+                    </a:lnB>
+                    <a:lnTlToBr w="12700" cmpd="sng">
+                      <a:noFill/>
+                      <a:prstDash val="solid"/>
+                    </a:lnTlToBr>
+                    <a:lnBlToTr w="12700" cmpd="sng">
+                      <a:noFill/>
+                      <a:prstDash val="solid"/>
+                    </a:lnBlToTr>
+                  </a:tcPr>
+                </a:tc>
+                <a:tc>
+                  <a:txBody>
+                    <a:bodyPr/>
+                    <a:lstStyle/>
+                    <a:p>
+                      <a:pPr algn="ctr"/>
+                      <a:endParaRPr kumimoji="1" lang="ja-JP" altLang="en-US" sz="2800" dirty="0">
+                        <a:solidFill>
+                          <a:schemeClr val="tx1"/>
+                        </a:solidFill>
+                      </a:endParaRPr>
+                    </a:p>
+                  </a:txBody>
+                  <a:tcPr>
+                    <a:lnL w="12700" cap="flat" cmpd="sng" algn="ctr">
+                      <a:solidFill>
+                        <a:schemeClr val="tx1"/>
+                      </a:solidFill>
+                      <a:prstDash val="solid"/>
+                      <a:round/>
+                      <a:headEnd type="none" w="med" len="med"/>
+                      <a:tailEnd type="none" w="med" len="med"/>
+                    </a:lnL>
+                    <a:lnR w="12700" cap="flat" cmpd="sng" algn="ctr">
+                      <a:solidFill>
+                        <a:schemeClr val="tx1"/>
+                      </a:solidFill>
+                      <a:prstDash val="solid"/>
+                      <a:round/>
+                      <a:headEnd type="none" w="med" len="med"/>
+                      <a:tailEnd type="none" w="med" len="med"/>
+                    </a:lnR>
+                    <a:lnT w="12700" cap="flat" cmpd="sng" algn="ctr">
+                      <a:solidFill>
+                        <a:schemeClr val="tx1"/>
+                      </a:solidFill>
+                      <a:prstDash val="solid"/>
+                      <a:round/>
+                      <a:headEnd type="none" w="med" len="med"/>
+                      <a:tailEnd type="none" w="med" len="med"/>
+                    </a:lnT>
+                    <a:lnB w="12700" cap="flat" cmpd="sng" algn="ctr">
+                      <a:solidFill>
+                        <a:schemeClr val="tx1"/>
+                      </a:solidFill>
+                      <a:prstDash val="solid"/>
+                      <a:round/>
+                      <a:headEnd type="none" w="med" len="med"/>
+                      <a:tailEnd type="none" w="med" len="med"/>
+                    </a:lnB>
+                    <a:lnTlToBr w="12700" cap="flat" cmpd="sng" algn="ctr">
+                      <a:solidFill>
+                        <a:schemeClr val="tx1"/>
+                      </a:solidFill>
+                      <a:prstDash val="solid"/>
+                      <a:round/>
+                      <a:headEnd type="none" w="med" len="med"/>
+                      <a:tailEnd type="none" w="med" len="med"/>
+                    </a:lnTlToBr>
+                    <a:lnBlToTr w="12700" cmpd="sng">
+                      <a:noFill/>
+                      <a:prstDash val="solid"/>
+                    </a:lnBlToTr>
+                  </a:tcPr>
+                </a:tc>
+                <a:tc>
+                  <a:txBody>
+                    <a:bodyPr/>
+                    <a:lstStyle/>
+                    <a:p>
+                      <a:pPr algn="ctr"/>
+                      <a:endParaRPr kumimoji="1" lang="ja-JP" altLang="en-US" sz="2800" dirty="0">
+                        <a:solidFill>
+                          <a:schemeClr val="tx1"/>
+                        </a:solidFill>
+                      </a:endParaRPr>
+                    </a:p>
+                  </a:txBody>
+                  <a:tcPr>
+                    <a:lnL w="12700" cap="flat" cmpd="sng" algn="ctr">
+                      <a:solidFill>
+                        <a:schemeClr val="tx1"/>
+                      </a:solidFill>
+                      <a:prstDash val="solid"/>
+                      <a:round/>
+                      <a:headEnd type="none" w="med" len="med"/>
+                      <a:tailEnd type="none" w="med" len="med"/>
+                    </a:lnL>
+                    <a:lnR w="12700" cap="flat" cmpd="sng" algn="ctr">
+                      <a:solidFill>
+                        <a:schemeClr val="tx1"/>
+                      </a:solidFill>
+                      <a:prstDash val="solid"/>
+                      <a:round/>
+                      <a:headEnd type="none" w="med" len="med"/>
+                      <a:tailEnd type="none" w="med" len="med"/>
+                    </a:lnR>
+                    <a:lnT w="12700" cap="flat" cmpd="sng" algn="ctr">
+                      <a:solidFill>
+                        <a:schemeClr val="tx1"/>
+                      </a:solidFill>
+                      <a:prstDash val="solid"/>
+                      <a:round/>
+                      <a:headEnd type="none" w="med" len="med"/>
+                      <a:tailEnd type="none" w="med" len="med"/>
+                    </a:lnT>
+                    <a:lnB w="12700" cap="flat" cmpd="sng" algn="ctr">
+                      <a:solidFill>
+                        <a:schemeClr val="tx1"/>
+                      </a:solidFill>
+                      <a:prstDash val="solid"/>
+                      <a:round/>
+                      <a:headEnd type="none" w="med" len="med"/>
+                      <a:tailEnd type="none" w="med" len="med"/>
+                    </a:lnB>
+                    <a:lnTlToBr w="12700" cap="flat" cmpd="sng" algn="ctr">
+                      <a:solidFill>
+                        <a:schemeClr val="tx1"/>
+                      </a:solidFill>
+                      <a:prstDash val="solid"/>
+                      <a:round/>
+                      <a:headEnd type="none" w="med" len="med"/>
+                      <a:tailEnd type="none" w="med" len="med"/>
+                    </a:lnTlToBr>
+                    <a:lnBlToTr w="12700" cmpd="sng">
+                      <a:noFill/>
+                      <a:prstDash val="solid"/>
+                    </a:lnBlToTr>
+                  </a:tcPr>
+                </a:tc>
+                <a:tc>
+                  <a:txBody>
+                    <a:bodyPr/>
+                    <a:lstStyle/>
+                    <a:p>
+                      <a:pPr algn="ctr"/>
+                      <a:r>
+                        <a:rPr kumimoji="1" lang="en-US" altLang="ja-JP" sz="2800" dirty="0">
+                          <a:solidFill>
+                            <a:schemeClr val="tx1"/>
+                          </a:solidFill>
+                        </a:rPr>
+                        <a:t>0.868</a:t>
+                      </a:r>
+                      <a:endParaRPr kumimoji="1" lang="ja-JP" altLang="en-US" sz="2800" dirty="0">
+                        <a:solidFill>
+                          <a:schemeClr val="tx1"/>
+                        </a:solidFill>
+                      </a:endParaRPr>
+                    </a:p>
+                  </a:txBody>
+                  <a:tcPr>
+                    <a:lnL w="12700" cap="flat" cmpd="sng" algn="ctr">
+                      <a:solidFill>
+                        <a:schemeClr val="tx1"/>
+                      </a:solidFill>
+                      <a:prstDash val="solid"/>
+                      <a:round/>
+                      <a:headEnd type="none" w="med" len="med"/>
+                      <a:tailEnd type="none" w="med" len="med"/>
+                    </a:lnL>
+                    <a:lnR w="12700" cap="flat" cmpd="sng" algn="ctr">
+                      <a:solidFill>
+                        <a:schemeClr val="tx1"/>
+                      </a:solidFill>
+                      <a:prstDash val="solid"/>
+                      <a:round/>
+                      <a:headEnd type="none" w="med" len="med"/>
+                      <a:tailEnd type="none" w="med" len="med"/>
+                    </a:lnR>
+                    <a:lnT w="12700" cap="flat" cmpd="sng" algn="ctr">
+                      <a:solidFill>
+                        <a:schemeClr val="tx1"/>
+                      </a:solidFill>
+                      <a:prstDash val="solid"/>
+                      <a:round/>
+                      <a:headEnd type="none" w="med" len="med"/>
+                      <a:tailEnd type="none" w="med" len="med"/>
+                    </a:lnT>
+                    <a:lnB w="12700" cap="flat" cmpd="sng" algn="ctr">
+                      <a:solidFill>
+                        <a:schemeClr val="tx1"/>
+                      </a:solidFill>
+                      <a:prstDash val="solid"/>
+                      <a:round/>
+                      <a:headEnd type="none" w="med" len="med"/>
+                      <a:tailEnd type="none" w="med" len="med"/>
+                    </a:lnB>
+                    <a:lnTlToBr w="12700" cmpd="sng">
+                      <a:noFill/>
+                      <a:prstDash val="solid"/>
+                    </a:lnTlToBr>
+                    <a:lnBlToTr w="12700" cmpd="sng">
+                      <a:noFill/>
+                      <a:prstDash val="solid"/>
+                    </a:lnBlToTr>
+                  </a:tcPr>
+                </a:tc>
+                <a:extLst>
+                  <a:ext uri="{0D108BD9-81ED-4DB2-BD59-A6C34878D82A}">
+                    <a16:rowId xmlns:a16="http://schemas.microsoft.com/office/drawing/2014/main" val="1377644744"/>
+                  </a:ext>
+                </a:extLst>
+              </a:tr>
+              <a:tr h="476409">
+                <a:tc>
+                  <a:txBody>
+                    <a:bodyPr/>
+                    <a:lstStyle/>
+                    <a:p>
+                      <a:pPr algn="ctr"/>
+                      <a:r>
+                        <a:rPr kumimoji="1" lang="en-US" altLang="ja-JP" sz="2800" dirty="0">
+                          <a:solidFill>
+                            <a:schemeClr val="tx1"/>
+                          </a:solidFill>
+                        </a:rPr>
+                        <a:t>100</a:t>
+                      </a:r>
+                      <a:endParaRPr kumimoji="1" lang="ja-JP" altLang="en-US" sz="2800" dirty="0">
+                        <a:solidFill>
+                          <a:schemeClr val="tx1"/>
+                        </a:solidFill>
+                      </a:endParaRPr>
+                    </a:p>
+                  </a:txBody>
+                  <a:tcPr>
+                    <a:lnL w="12700" cap="flat" cmpd="sng" algn="ctr">
+                      <a:solidFill>
+                        <a:schemeClr val="tx1"/>
+                      </a:solidFill>
+                      <a:prstDash val="solid"/>
+                      <a:round/>
+                      <a:headEnd type="none" w="med" len="med"/>
+                      <a:tailEnd type="none" w="med" len="med"/>
+                    </a:lnL>
+                    <a:lnR w="12700" cap="flat" cmpd="sng" algn="ctr">
+                      <a:solidFill>
+                        <a:schemeClr val="tx1"/>
+                      </a:solidFill>
+                      <a:prstDash val="solid"/>
+                      <a:round/>
+                      <a:headEnd type="none" w="med" len="med"/>
+                      <a:tailEnd type="none" w="med" len="med"/>
+                    </a:lnR>
+                    <a:lnT w="12700" cap="flat" cmpd="sng" algn="ctr">
+                      <a:solidFill>
+                        <a:schemeClr val="tx1"/>
+                      </a:solidFill>
+                      <a:prstDash val="solid"/>
+                      <a:round/>
+                      <a:headEnd type="none" w="med" len="med"/>
+                      <a:tailEnd type="none" w="med" len="med"/>
+                    </a:lnT>
+                    <a:lnB w="12700" cap="flat" cmpd="sng" algn="ctr">
+                      <a:solidFill>
+                        <a:schemeClr val="tx1"/>
+                      </a:solidFill>
+                      <a:prstDash val="solid"/>
+                      <a:round/>
+                      <a:headEnd type="none" w="med" len="med"/>
+                      <a:tailEnd type="none" w="med" len="med"/>
+                    </a:lnB>
+                  </a:tcPr>
+                </a:tc>
+                <a:tc>
+                  <a:txBody>
+                    <a:bodyPr/>
+                    <a:lstStyle/>
+                    <a:p>
+                      <a:pPr algn="ctr"/>
+                      <a:r>
+                        <a:rPr kumimoji="1" lang="en-US" altLang="ja-JP" sz="2800" dirty="0">
+                          <a:solidFill>
+                            <a:schemeClr val="tx1"/>
+                          </a:solidFill>
+                        </a:rPr>
+                        <a:t>46</a:t>
+                      </a:r>
+                      <a:endParaRPr kumimoji="1" lang="ja-JP" altLang="en-US" sz="2800" dirty="0">
+                        <a:solidFill>
+                          <a:schemeClr val="tx1"/>
+                        </a:solidFill>
+                      </a:endParaRPr>
+                    </a:p>
+                  </a:txBody>
+                  <a:tcPr>
+                    <a:lnL w="12700" cap="flat" cmpd="sng" algn="ctr">
+                      <a:solidFill>
+                        <a:schemeClr val="tx1"/>
+                      </a:solidFill>
+                      <a:prstDash val="solid"/>
+                      <a:round/>
+                      <a:headEnd type="none" w="med" len="med"/>
+                      <a:tailEnd type="none" w="med" len="med"/>
+                    </a:lnL>
+                    <a:lnR w="12700" cap="flat" cmpd="sng" algn="ctr">
+                      <a:solidFill>
+                        <a:schemeClr val="tx1"/>
+                      </a:solidFill>
+                      <a:prstDash val="solid"/>
+                      <a:round/>
+                      <a:headEnd type="none" w="med" len="med"/>
+                      <a:tailEnd type="none" w="med" len="med"/>
+                    </a:lnR>
+                    <a:lnT w="12700" cap="flat" cmpd="sng" algn="ctr">
+                      <a:solidFill>
+                        <a:schemeClr val="tx1"/>
+                      </a:solidFill>
+                      <a:prstDash val="solid"/>
+                      <a:round/>
+                      <a:headEnd type="none" w="med" len="med"/>
+                      <a:tailEnd type="none" w="med" len="med"/>
+                    </a:lnT>
+                    <a:lnB w="12700" cap="flat" cmpd="sng" algn="ctr">
+                      <a:solidFill>
+                        <a:schemeClr val="tx1"/>
+                      </a:solidFill>
+                      <a:prstDash val="solid"/>
+                      <a:round/>
+                      <a:headEnd type="none" w="med" len="med"/>
+                      <a:tailEnd type="none" w="med" len="med"/>
+                    </a:lnB>
+                  </a:tcPr>
+                </a:tc>
+                <a:tc>
+                  <a:txBody>
+                    <a:bodyPr/>
+                    <a:lstStyle/>
+                    <a:p>
+                      <a:pPr algn="ctr"/>
+                      <a:r>
+                        <a:rPr kumimoji="1" lang="ja-JP" altLang="en-US" sz="2800" dirty="0">
+                          <a:solidFill>
+                            <a:schemeClr val="tx1"/>
+                          </a:solidFill>
+                        </a:rPr>
+                        <a:t>なし</a:t>
+                      </a:r>
+                    </a:p>
+                  </a:txBody>
+                  <a:tcPr>
+                    <a:lnL w="12700" cap="flat" cmpd="sng" algn="ctr">
+                      <a:solidFill>
+                        <a:schemeClr val="tx1"/>
+                      </a:solidFill>
+                      <a:prstDash val="solid"/>
+                      <a:round/>
+                      <a:headEnd type="none" w="med" len="med"/>
+                      <a:tailEnd type="none" w="med" len="med"/>
+                    </a:lnL>
+                    <a:lnR w="12700" cap="flat" cmpd="sng" algn="ctr">
+                      <a:solidFill>
+                        <a:schemeClr val="tx1"/>
+                      </a:solidFill>
+                      <a:prstDash val="solid"/>
+                      <a:round/>
+                      <a:headEnd type="none" w="med" len="med"/>
+                      <a:tailEnd type="none" w="med" len="med"/>
+                    </a:lnR>
+                    <a:lnT w="12700" cap="flat" cmpd="sng" algn="ctr">
+                      <a:solidFill>
+                        <a:schemeClr val="tx1"/>
+                      </a:solidFill>
+                      <a:prstDash val="solid"/>
+                      <a:round/>
+                      <a:headEnd type="none" w="med" len="med"/>
+                      <a:tailEnd type="none" w="med" len="med"/>
+                    </a:lnT>
+                    <a:lnB w="12700" cap="flat" cmpd="sng" algn="ctr">
+                      <a:solidFill>
+                        <a:schemeClr val="tx1"/>
+                      </a:solidFill>
+                      <a:prstDash val="solid"/>
+                      <a:round/>
+                      <a:headEnd type="none" w="med" len="med"/>
+                      <a:tailEnd type="none" w="med" len="med"/>
+                    </a:lnB>
+                  </a:tcPr>
+                </a:tc>
+                <a:tc>
+                  <a:txBody>
+                    <a:bodyPr/>
+                    <a:lstStyle/>
+                    <a:p>
+                      <a:pPr algn="ctr"/>
+                      <a:r>
+                        <a:rPr kumimoji="1" lang="en-US" altLang="ja-JP" sz="2800" dirty="0">
+                          <a:solidFill>
+                            <a:schemeClr val="tx1"/>
+                          </a:solidFill>
+                        </a:rPr>
+                        <a:t>0.836</a:t>
+                      </a:r>
+                      <a:endParaRPr kumimoji="1" lang="ja-JP" altLang="en-US" sz="2800" dirty="0">
+                        <a:solidFill>
+                          <a:schemeClr val="tx1"/>
+                        </a:solidFill>
+                      </a:endParaRPr>
+                    </a:p>
+                  </a:txBody>
+                  <a:tcPr>
+                    <a:lnL w="12700" cap="flat" cmpd="sng" algn="ctr">
+                      <a:solidFill>
+                        <a:schemeClr val="tx1"/>
+                      </a:solidFill>
+                      <a:prstDash val="solid"/>
+                      <a:round/>
+                      <a:headEnd type="none" w="med" len="med"/>
+                      <a:tailEnd type="none" w="med" len="med"/>
+                    </a:lnL>
+                    <a:lnR w="12700" cap="flat" cmpd="sng" algn="ctr">
+                      <a:solidFill>
+                        <a:schemeClr val="tx1"/>
+                      </a:solidFill>
+                      <a:prstDash val="solid"/>
+                      <a:round/>
+                      <a:headEnd type="none" w="med" len="med"/>
+                      <a:tailEnd type="none" w="med" len="med"/>
+                    </a:lnR>
+                    <a:lnT w="12700" cap="flat" cmpd="sng" algn="ctr">
+                      <a:solidFill>
+                        <a:schemeClr val="tx1"/>
+                      </a:solidFill>
+                      <a:prstDash val="solid"/>
+                      <a:round/>
+                      <a:headEnd type="none" w="med" len="med"/>
+                      <a:tailEnd type="none" w="med" len="med"/>
+                    </a:lnT>
+                    <a:lnB w="12700" cap="flat" cmpd="sng" algn="ctr">
+                      <a:solidFill>
+                        <a:schemeClr val="tx1"/>
+                      </a:solidFill>
+                      <a:prstDash val="solid"/>
+                      <a:round/>
+                      <a:headEnd type="none" w="med" len="med"/>
+                      <a:tailEnd type="none" w="med" len="med"/>
+                    </a:lnB>
+                  </a:tcPr>
+                </a:tc>
+                <a:extLst>
+                  <a:ext uri="{0D108BD9-81ED-4DB2-BD59-A6C34878D82A}">
+                    <a16:rowId xmlns:a16="http://schemas.microsoft.com/office/drawing/2014/main" val="2972620062"/>
+                  </a:ext>
+                </a:extLst>
+              </a:tr>
+              <a:tr h="476409">
+                <a:tc>
+                  <a:txBody>
+                    <a:bodyPr/>
+                    <a:lstStyle/>
+                    <a:p>
+                      <a:pPr algn="ctr"/>
+                      <a:r>
+                        <a:rPr kumimoji="1" lang="en-US" altLang="ja-JP" sz="2800" dirty="0">
+                          <a:solidFill>
+                            <a:schemeClr val="tx1"/>
+                          </a:solidFill>
+                        </a:rPr>
+                        <a:t>39</a:t>
+                      </a:r>
+                      <a:endParaRPr kumimoji="1" lang="ja-JP" altLang="en-US" sz="2800" dirty="0">
+                        <a:solidFill>
+                          <a:schemeClr val="tx1"/>
+                        </a:solidFill>
+                      </a:endParaRPr>
+                    </a:p>
+                  </a:txBody>
+                  <a:tcPr>
+                    <a:lnL w="12700" cap="flat" cmpd="sng" algn="ctr">
+                      <a:solidFill>
+                        <a:schemeClr val="tx1"/>
+                      </a:solidFill>
+                      <a:prstDash val="solid"/>
+                      <a:round/>
+                      <a:headEnd type="none" w="med" len="med"/>
+                      <a:tailEnd type="none" w="med" len="med"/>
+                    </a:lnL>
+                    <a:lnR w="12700" cap="flat" cmpd="sng" algn="ctr">
+                      <a:solidFill>
+                        <a:schemeClr val="tx1"/>
+                      </a:solidFill>
+                      <a:prstDash val="solid"/>
+                      <a:round/>
+                      <a:headEnd type="none" w="med" len="med"/>
+                      <a:tailEnd type="none" w="med" len="med"/>
+                    </a:lnR>
+                    <a:lnT w="12700" cap="flat" cmpd="sng" algn="ctr">
+                      <a:solidFill>
+                        <a:schemeClr val="tx1"/>
+                      </a:solidFill>
+                      <a:prstDash val="solid"/>
+                      <a:round/>
+                      <a:headEnd type="none" w="med" len="med"/>
+                      <a:tailEnd type="none" w="med" len="med"/>
+                    </a:lnT>
+                    <a:lnB w="12700" cap="flat" cmpd="sng" algn="ctr">
+                      <a:solidFill>
+                        <a:schemeClr val="tx1"/>
+                      </a:solidFill>
+                      <a:prstDash val="solid"/>
+                      <a:round/>
+                      <a:headEnd type="none" w="med" len="med"/>
+                      <a:tailEnd type="none" w="med" len="med"/>
+                    </a:lnB>
+                  </a:tcPr>
+                </a:tc>
+                <a:tc>
+                  <a:txBody>
+                    <a:bodyPr/>
+                    <a:lstStyle/>
+                    <a:p>
+                      <a:pPr algn="ctr"/>
+                      <a:r>
+                        <a:rPr kumimoji="1" lang="en-US" altLang="ja-JP" sz="2800" dirty="0">
+                          <a:solidFill>
+                            <a:schemeClr val="tx1"/>
+                          </a:solidFill>
+                        </a:rPr>
+                        <a:t>22</a:t>
+                      </a:r>
+                      <a:endParaRPr kumimoji="1" lang="ja-JP" altLang="en-US" sz="2800" dirty="0">
+                        <a:solidFill>
+                          <a:schemeClr val="tx1"/>
+                        </a:solidFill>
+                      </a:endParaRPr>
+                    </a:p>
+                  </a:txBody>
+                  <a:tcPr>
+                    <a:lnL w="12700" cap="flat" cmpd="sng" algn="ctr">
+                      <a:solidFill>
+                        <a:schemeClr val="tx1"/>
+                      </a:solidFill>
+                      <a:prstDash val="solid"/>
+                      <a:round/>
+                      <a:headEnd type="none" w="med" len="med"/>
+                      <a:tailEnd type="none" w="med" len="med"/>
+                    </a:lnL>
+                    <a:lnR w="12700" cap="flat" cmpd="sng" algn="ctr">
+                      <a:solidFill>
+                        <a:schemeClr val="tx1"/>
+                      </a:solidFill>
+                      <a:prstDash val="solid"/>
+                      <a:round/>
+                      <a:headEnd type="none" w="med" len="med"/>
+                      <a:tailEnd type="none" w="med" len="med"/>
+                    </a:lnR>
+                    <a:lnT w="12700" cap="flat" cmpd="sng" algn="ctr">
+                      <a:solidFill>
+                        <a:schemeClr val="tx1"/>
+                      </a:solidFill>
+                      <a:prstDash val="solid"/>
+                      <a:round/>
+                      <a:headEnd type="none" w="med" len="med"/>
+                      <a:tailEnd type="none" w="med" len="med"/>
+                    </a:lnT>
+                    <a:lnB w="12700" cap="flat" cmpd="sng" algn="ctr">
+                      <a:solidFill>
+                        <a:schemeClr val="tx1"/>
+                      </a:solidFill>
+                      <a:prstDash val="solid"/>
+                      <a:round/>
+                      <a:headEnd type="none" w="med" len="med"/>
+                      <a:tailEnd type="none" w="med" len="med"/>
+                    </a:lnB>
+                  </a:tcPr>
+                </a:tc>
+                <a:tc>
+                  <a:txBody>
+                    <a:bodyPr/>
+                    <a:lstStyle/>
+                    <a:p>
+                      <a:pPr algn="ctr"/>
+                      <a:r>
+                        <a:rPr kumimoji="1" lang="en-US" altLang="ja-JP" sz="2800" dirty="0">
+                          <a:solidFill>
+                            <a:schemeClr val="tx1"/>
+                          </a:solidFill>
+                        </a:rPr>
+                        <a:t>0.19</a:t>
+                      </a:r>
+                      <a:endParaRPr kumimoji="1" lang="ja-JP" altLang="en-US" sz="2800" dirty="0">
+                        <a:solidFill>
+                          <a:schemeClr val="tx1"/>
+                        </a:solidFill>
+                      </a:endParaRPr>
+                    </a:p>
+                  </a:txBody>
+                  <a:tcPr>
+                    <a:lnL w="12700" cap="flat" cmpd="sng" algn="ctr">
+                      <a:solidFill>
+                        <a:schemeClr val="tx1"/>
+                      </a:solidFill>
+                      <a:prstDash val="solid"/>
+                      <a:round/>
+                      <a:headEnd type="none" w="med" len="med"/>
+                      <a:tailEnd type="none" w="med" len="med"/>
+                    </a:lnL>
+                    <a:lnR w="12700" cap="flat" cmpd="sng" algn="ctr">
+                      <a:solidFill>
+                        <a:schemeClr val="tx1"/>
+                      </a:solidFill>
+                      <a:prstDash val="solid"/>
+                      <a:round/>
+                      <a:headEnd type="none" w="med" len="med"/>
+                      <a:tailEnd type="none" w="med" len="med"/>
+                    </a:lnR>
+                    <a:lnT w="12700" cap="flat" cmpd="sng" algn="ctr">
+                      <a:solidFill>
+                        <a:schemeClr val="tx1"/>
+                      </a:solidFill>
+                      <a:prstDash val="solid"/>
+                      <a:round/>
+                      <a:headEnd type="none" w="med" len="med"/>
+                      <a:tailEnd type="none" w="med" len="med"/>
+                    </a:lnT>
+                    <a:lnB w="12700" cap="flat" cmpd="sng" algn="ctr">
+                      <a:solidFill>
+                        <a:schemeClr val="tx1"/>
+                      </a:solidFill>
+                      <a:prstDash val="solid"/>
+                      <a:round/>
+                      <a:headEnd type="none" w="med" len="med"/>
+                      <a:tailEnd type="none" w="med" len="med"/>
+                    </a:lnB>
+                  </a:tcPr>
+                </a:tc>
+                <a:tc>
+                  <a:txBody>
+                    <a:bodyPr/>
+                    <a:lstStyle/>
+                    <a:p>
+                      <a:pPr algn="ctr"/>
+                      <a:r>
+                        <a:rPr kumimoji="1" lang="en-US" altLang="ja-JP" sz="2800" dirty="0">
+                          <a:solidFill>
+                            <a:schemeClr val="tx1"/>
+                          </a:solidFill>
+                        </a:rPr>
+                        <a:t>0.862</a:t>
+                      </a:r>
+                      <a:endParaRPr kumimoji="1" lang="ja-JP" altLang="en-US" sz="2800" dirty="0">
+                        <a:solidFill>
+                          <a:schemeClr val="tx1"/>
+                        </a:solidFill>
+                      </a:endParaRPr>
+                    </a:p>
+                  </a:txBody>
+                  <a:tcPr>
+                    <a:lnL w="12700" cap="flat" cmpd="sng" algn="ctr">
+                      <a:solidFill>
+                        <a:schemeClr val="tx1"/>
+                      </a:solidFill>
+                      <a:prstDash val="solid"/>
+                      <a:round/>
+                      <a:headEnd type="none" w="med" len="med"/>
+                      <a:tailEnd type="none" w="med" len="med"/>
+                    </a:lnL>
+                    <a:lnR w="12700" cap="flat" cmpd="sng" algn="ctr">
+                      <a:solidFill>
+                        <a:schemeClr val="tx1"/>
+                      </a:solidFill>
+                      <a:prstDash val="solid"/>
+                      <a:round/>
+                      <a:headEnd type="none" w="med" len="med"/>
+                      <a:tailEnd type="none" w="med" len="med"/>
+                    </a:lnR>
+                    <a:lnT w="12700" cap="flat" cmpd="sng" algn="ctr">
+                      <a:solidFill>
+                        <a:schemeClr val="tx1"/>
+                      </a:solidFill>
+                      <a:prstDash val="solid"/>
+                      <a:round/>
+                      <a:headEnd type="none" w="med" len="med"/>
+                      <a:tailEnd type="none" w="med" len="med"/>
+                    </a:lnT>
+                    <a:lnB w="12700" cap="flat" cmpd="sng" algn="ctr">
+                      <a:solidFill>
+                        <a:schemeClr val="tx1"/>
+                      </a:solidFill>
+                      <a:prstDash val="solid"/>
+                      <a:round/>
+                      <a:headEnd type="none" w="med" len="med"/>
+                      <a:tailEnd type="none" w="med" len="med"/>
+                    </a:lnB>
+                  </a:tcPr>
+                </a:tc>
+                <a:extLst>
+                  <a:ext uri="{0D108BD9-81ED-4DB2-BD59-A6C34878D82A}">
+                    <a16:rowId xmlns:a16="http://schemas.microsoft.com/office/drawing/2014/main" val="3018717977"/>
+                  </a:ext>
+                </a:extLst>
+              </a:tr>
+              <a:tr h="476409">
+                <a:tc>
+                  <a:txBody>
+                    <a:bodyPr/>
+                    <a:lstStyle/>
+                    <a:p>
+                      <a:pPr algn="ctr"/>
+                      <a:r>
+                        <a:rPr kumimoji="1" lang="en-US" altLang="ja-JP" sz="2800" dirty="0">
+                          <a:solidFill>
+                            <a:schemeClr val="tx1"/>
+                          </a:solidFill>
+                        </a:rPr>
+                        <a:t>19</a:t>
+                      </a:r>
+                      <a:endParaRPr kumimoji="1" lang="ja-JP" altLang="en-US" sz="2800" dirty="0">
+                        <a:solidFill>
+                          <a:schemeClr val="tx1"/>
+                        </a:solidFill>
+                      </a:endParaRPr>
+                    </a:p>
+                  </a:txBody>
+                  <a:tcPr>
+                    <a:lnL w="12700" cap="flat" cmpd="sng" algn="ctr">
+                      <a:solidFill>
+                        <a:schemeClr val="tx1"/>
+                      </a:solidFill>
+                      <a:prstDash val="solid"/>
+                      <a:round/>
+                      <a:headEnd type="none" w="med" len="med"/>
+                      <a:tailEnd type="none" w="med" len="med"/>
+                    </a:lnL>
+                    <a:lnR w="12700" cap="flat" cmpd="sng" algn="ctr">
+                      <a:solidFill>
+                        <a:schemeClr val="tx1"/>
+                      </a:solidFill>
+                      <a:prstDash val="solid"/>
+                      <a:round/>
+                      <a:headEnd type="none" w="med" len="med"/>
+                      <a:tailEnd type="none" w="med" len="med"/>
+                    </a:lnR>
+                    <a:lnT w="12700" cap="flat" cmpd="sng" algn="ctr">
+                      <a:solidFill>
+                        <a:schemeClr val="tx1"/>
+                      </a:solidFill>
+                      <a:prstDash val="solid"/>
+                      <a:round/>
+                      <a:headEnd type="none" w="med" len="med"/>
+                      <a:tailEnd type="none" w="med" len="med"/>
+                    </a:lnT>
+                    <a:lnB w="12700" cap="flat" cmpd="sng" algn="ctr">
+                      <a:solidFill>
+                        <a:schemeClr val="tx1"/>
+                      </a:solidFill>
+                      <a:prstDash val="solid"/>
+                      <a:round/>
+                      <a:headEnd type="none" w="med" len="med"/>
+                      <a:tailEnd type="none" w="med" len="med"/>
+                    </a:lnB>
+                  </a:tcPr>
+                </a:tc>
+                <a:tc>
+                  <a:txBody>
+                    <a:bodyPr/>
+                    <a:lstStyle/>
+                    <a:p>
+                      <a:pPr algn="ctr"/>
+                      <a:r>
+                        <a:rPr kumimoji="1" lang="en-US" altLang="ja-JP" sz="2800" dirty="0">
+                          <a:solidFill>
+                            <a:schemeClr val="tx1"/>
+                          </a:solidFill>
+                        </a:rPr>
+                        <a:t>14</a:t>
+                      </a:r>
+                      <a:endParaRPr kumimoji="1" lang="ja-JP" altLang="en-US" sz="2800" dirty="0">
+                        <a:solidFill>
+                          <a:schemeClr val="tx1"/>
+                        </a:solidFill>
+                      </a:endParaRPr>
+                    </a:p>
+                  </a:txBody>
+                  <a:tcPr>
+                    <a:lnL w="12700" cap="flat" cmpd="sng" algn="ctr">
+                      <a:solidFill>
+                        <a:schemeClr val="tx1"/>
+                      </a:solidFill>
+                      <a:prstDash val="solid"/>
+                      <a:round/>
+                      <a:headEnd type="none" w="med" len="med"/>
+                      <a:tailEnd type="none" w="med" len="med"/>
+                    </a:lnL>
+                    <a:lnR w="12700" cap="flat" cmpd="sng" algn="ctr">
+                      <a:solidFill>
+                        <a:schemeClr val="tx1"/>
+                      </a:solidFill>
+                      <a:prstDash val="solid"/>
+                      <a:round/>
+                      <a:headEnd type="none" w="med" len="med"/>
+                      <a:tailEnd type="none" w="med" len="med"/>
+                    </a:lnR>
+                    <a:lnT w="12700" cap="flat" cmpd="sng" algn="ctr">
+                      <a:solidFill>
+                        <a:schemeClr val="tx1"/>
+                      </a:solidFill>
+                      <a:prstDash val="solid"/>
+                      <a:round/>
+                      <a:headEnd type="none" w="med" len="med"/>
+                      <a:tailEnd type="none" w="med" len="med"/>
+                    </a:lnT>
+                    <a:lnB w="12700" cap="flat" cmpd="sng" algn="ctr">
+                      <a:solidFill>
+                        <a:schemeClr val="tx1"/>
+                      </a:solidFill>
+                      <a:prstDash val="solid"/>
+                      <a:round/>
+                      <a:headEnd type="none" w="med" len="med"/>
+                      <a:tailEnd type="none" w="med" len="med"/>
+                    </a:lnB>
+                  </a:tcPr>
+                </a:tc>
+                <a:tc>
+                  <a:txBody>
+                    <a:bodyPr/>
+                    <a:lstStyle/>
+                    <a:p>
+                      <a:pPr algn="ctr"/>
+                      <a:r>
+                        <a:rPr kumimoji="1" lang="en-US" altLang="ja-JP" sz="2800" dirty="0">
+                          <a:solidFill>
+                            <a:schemeClr val="tx1"/>
+                          </a:solidFill>
+                        </a:rPr>
+                        <a:t>0.20</a:t>
+                      </a:r>
+                      <a:endParaRPr kumimoji="1" lang="ja-JP" altLang="en-US" sz="2800" dirty="0">
+                        <a:solidFill>
+                          <a:schemeClr val="tx1"/>
+                        </a:solidFill>
+                      </a:endParaRPr>
+                    </a:p>
+                  </a:txBody>
+                  <a:tcPr>
+                    <a:lnL w="12700" cap="flat" cmpd="sng" algn="ctr">
+                      <a:solidFill>
+                        <a:schemeClr val="tx1"/>
+                      </a:solidFill>
+                      <a:prstDash val="solid"/>
+                      <a:round/>
+                      <a:headEnd type="none" w="med" len="med"/>
+                      <a:tailEnd type="none" w="med" len="med"/>
+                    </a:lnL>
+                    <a:lnR w="12700" cap="flat" cmpd="sng" algn="ctr">
+                      <a:solidFill>
+                        <a:schemeClr val="tx1"/>
+                      </a:solidFill>
+                      <a:prstDash val="solid"/>
+                      <a:round/>
+                      <a:headEnd type="none" w="med" len="med"/>
+                      <a:tailEnd type="none" w="med" len="med"/>
+                    </a:lnR>
+                    <a:lnT w="12700" cap="flat" cmpd="sng" algn="ctr">
+                      <a:solidFill>
+                        <a:schemeClr val="tx1"/>
+                      </a:solidFill>
+                      <a:prstDash val="solid"/>
+                      <a:round/>
+                      <a:headEnd type="none" w="med" len="med"/>
+                      <a:tailEnd type="none" w="med" len="med"/>
+                    </a:lnT>
+                    <a:lnB w="12700" cap="flat" cmpd="sng" algn="ctr">
+                      <a:solidFill>
+                        <a:schemeClr val="tx1"/>
+                      </a:solidFill>
+                      <a:prstDash val="solid"/>
+                      <a:round/>
+                      <a:headEnd type="none" w="med" len="med"/>
+                      <a:tailEnd type="none" w="med" len="med"/>
+                    </a:lnB>
+                  </a:tcPr>
+                </a:tc>
+                <a:tc>
+                  <a:txBody>
+                    <a:bodyPr/>
+                    <a:lstStyle/>
+                    <a:p>
+                      <a:pPr algn="ctr"/>
+                      <a:r>
+                        <a:rPr kumimoji="1" lang="en-US" altLang="ja-JP" sz="2800" dirty="0">
+                          <a:solidFill>
+                            <a:schemeClr val="tx1"/>
+                          </a:solidFill>
+                        </a:rPr>
+                        <a:t>0.825</a:t>
+                      </a:r>
+                      <a:endParaRPr kumimoji="1" lang="ja-JP" altLang="en-US" sz="2800" dirty="0">
+                        <a:solidFill>
+                          <a:schemeClr val="tx1"/>
+                        </a:solidFill>
+                      </a:endParaRPr>
+                    </a:p>
+                  </a:txBody>
+                  <a:tcPr>
+                    <a:lnL w="12700" cap="flat" cmpd="sng" algn="ctr">
+                      <a:solidFill>
+                        <a:schemeClr val="tx1"/>
+                      </a:solidFill>
+                      <a:prstDash val="solid"/>
+                      <a:round/>
+                      <a:headEnd type="none" w="med" len="med"/>
+                      <a:tailEnd type="none" w="med" len="med"/>
+                    </a:lnL>
+                    <a:lnR w="12700" cap="flat" cmpd="sng" algn="ctr">
+                      <a:solidFill>
+                        <a:schemeClr val="tx1"/>
+                      </a:solidFill>
+                      <a:prstDash val="solid"/>
+                      <a:round/>
+                      <a:headEnd type="none" w="med" len="med"/>
+                      <a:tailEnd type="none" w="med" len="med"/>
+                    </a:lnR>
+                    <a:lnT w="12700" cap="flat" cmpd="sng" algn="ctr">
+                      <a:solidFill>
+                        <a:schemeClr val="tx1"/>
+                      </a:solidFill>
+                      <a:prstDash val="solid"/>
+                      <a:round/>
+                      <a:headEnd type="none" w="med" len="med"/>
+                      <a:tailEnd type="none" w="med" len="med"/>
+                    </a:lnT>
+                    <a:lnB w="12700" cap="flat" cmpd="sng" algn="ctr">
+                      <a:solidFill>
+                        <a:schemeClr val="tx1"/>
+                      </a:solidFill>
+                      <a:prstDash val="solid"/>
+                      <a:round/>
+                      <a:headEnd type="none" w="med" len="med"/>
+                      <a:tailEnd type="none" w="med" len="med"/>
+                    </a:lnB>
+                  </a:tcPr>
+                </a:tc>
+                <a:extLst>
+                  <a:ext uri="{0D108BD9-81ED-4DB2-BD59-A6C34878D82A}">
+                    <a16:rowId xmlns:a16="http://schemas.microsoft.com/office/drawing/2014/main" val="750882695"/>
+                  </a:ext>
+                </a:extLst>
+              </a:tr>
+            </a:tbl>
+          </a:graphicData>
+        </a:graphic>
+      </p:graphicFrame>
+    </p:spTree>
+    <p:extLst>
+      <p:ext uri="{BB962C8B-B14F-4D97-AF65-F5344CB8AC3E}">
+        <p14:creationId xmlns:p14="http://schemas.microsoft.com/office/powerpoint/2010/main" val="1453635052"/>
+      </p:ext>
+    </p:extLst>
+  </p:cSld>
+  <p:clrMapOvr>
+    <a:masterClrMapping/>
+  </p:clrMapOvr>
+</p:sld>
+</file>
+
+<file path=ppt/slides/slide41.xml><?xml version="1.0" encoding="utf-8"?>
+<p:sld xmlns:a="http://schemas.openxmlformats.org/drawingml/2006/main" xmlns:r="http://schemas.openxmlformats.org/officeDocument/2006/relationships" xmlns:p="http://schemas.openxmlformats.org/presentationml/2006/main">
+  <p:cSld>
+    <p:spTree>
+      <p:nvGrpSpPr>
+        <p:cNvPr id="1" name=""/>
+        <p:cNvGrpSpPr/>
+        <p:nvPr/>
+      </p:nvGrpSpPr>
+      <p:grpSpPr>
+        <a:xfrm>
+          <a:off x="0" y="0"/>
+          <a:ext cx="0" cy="0"/>
+          <a:chOff x="0" y="0"/>
+          <a:chExt cx="0" cy="0"/>
+        </a:xfrm>
+      </p:grpSpPr>
+      <p:sp>
+        <p:nvSpPr>
+          <p:cNvPr id="4" name="スライド番号プレースホルダー 3">
+            <a:extLst>
+              <a:ext uri="{FF2B5EF4-FFF2-40B4-BE49-F238E27FC236}">
+                <a16:creationId xmlns:a16="http://schemas.microsoft.com/office/drawing/2014/main" id="{7811F4A6-62BE-4074-9E9E-CBF94EF64F40}"/>
+              </a:ext>
+            </a:extLst>
+          </p:cNvPr>
+          <p:cNvSpPr>
+            <a:spLocks noGrp="1"/>
+          </p:cNvSpPr>
+          <p:nvPr>
+            <p:ph type="sldNum" sz="quarter" idx="12"/>
+          </p:nvPr>
+        </p:nvSpPr>
+        <p:spPr/>
+        <p:txBody>
+          <a:bodyPr/>
+          <a:lstStyle/>
+          <a:p>
+            <a:fld id="{D57F1E4F-1CFF-5643-939E-217C01CDF565}" type="slidenum">
+              <a:rPr lang="en-US" smtClean="0"/>
+              <a:pPr/>
+              <a:t>41</a:t>
+            </a:fld>
+            <a:endParaRPr lang="en-US" dirty="0"/>
+          </a:p>
+        </p:txBody>
+      </p:sp>
+      <p:sp>
+        <p:nvSpPr>
+          <p:cNvPr id="6" name="テキスト ボックス 5">
+            <a:extLst>
+              <a:ext uri="{FF2B5EF4-FFF2-40B4-BE49-F238E27FC236}">
+                <a16:creationId xmlns:a16="http://schemas.microsoft.com/office/drawing/2014/main" id="{A787110A-F680-4C3A-AF75-2F6E113D5236}"/>
+              </a:ext>
+            </a:extLst>
+          </p:cNvPr>
+          <p:cNvSpPr txBox="1"/>
+          <p:nvPr/>
+        </p:nvSpPr>
+        <p:spPr>
+          <a:xfrm>
+            <a:off x="457467" y="628433"/>
+            <a:ext cx="6497348" cy="715581"/>
+          </a:xfrm>
+          <a:prstGeom prst="rect">
+            <a:avLst/>
+          </a:prstGeom>
+          <a:noFill/>
+        </p:spPr>
+        <p:txBody>
+          <a:bodyPr wrap="square" rtlCol="0" anchor="t">
+            <a:spAutoFit/>
+          </a:bodyPr>
+          <a:lstStyle/>
+          <a:p>
+            <a:r>
+              <a:rPr kumimoji="1" lang="ja-JP" sz="4050" dirty="0">
+                <a:ea typeface="メイリオ"/>
+              </a:rPr>
+              <a:t>実験</a:t>
+            </a:r>
+            <a:r>
+              <a:rPr kumimoji="1" lang="en-US" altLang="ja-JP" sz="4050" dirty="0">
+                <a:ea typeface="メイリオ"/>
+              </a:rPr>
+              <a:t>    </a:t>
+            </a:r>
+            <a:r>
+              <a:rPr kumimoji="1" lang="ja-JP" altLang="en-US" sz="4050" dirty="0">
+                <a:ea typeface="メイリオ"/>
+              </a:rPr>
+              <a:t>結果</a:t>
+            </a:r>
+            <a:r>
+              <a:rPr kumimoji="1" lang="ja-JP" sz="4050" dirty="0">
+                <a:ea typeface="メイリオ"/>
+              </a:rPr>
+              <a:t>　</a:t>
+            </a:r>
+            <a:endParaRPr lang="ja-JP" altLang="en-US" dirty="0"/>
+          </a:p>
+        </p:txBody>
+      </p:sp>
+      <p:graphicFrame>
+        <p:nvGraphicFramePr>
+          <p:cNvPr id="3" name="表 6">
+            <a:extLst>
+              <a:ext uri="{FF2B5EF4-FFF2-40B4-BE49-F238E27FC236}">
+                <a16:creationId xmlns:a16="http://schemas.microsoft.com/office/drawing/2014/main" id="{723CA669-AF50-4E6C-A4B9-603D39AF7BAA}"/>
+              </a:ext>
+            </a:extLst>
+          </p:cNvPr>
+          <p:cNvGraphicFramePr>
+            <a:graphicFrameLocks noGrp="1"/>
+          </p:cNvGraphicFramePr>
+          <p:nvPr>
+            <p:extLst>
+              <p:ext uri="{D42A27DB-BD31-4B8C-83A1-F6EECF244321}">
                 <p14:modId xmlns:p14="http://schemas.microsoft.com/office/powerpoint/2010/main" val="3060390019"/>
               </p:ext>
             </p:extLst>
@@ -27001,7 +27730,7 @@
 </p:sld>
 </file>
 
-<file path=ppt/slides/slide41.xml><?xml version="1.0" encoding="utf-8"?>
+<file path=ppt/slides/slide42.xml><?xml version="1.0" encoding="utf-8"?>
 <p:sld xmlns:a="http://schemas.openxmlformats.org/drawingml/2006/main" xmlns:r="http://schemas.openxmlformats.org/officeDocument/2006/relationships" xmlns:p="http://schemas.openxmlformats.org/presentationml/2006/main">
   <p:cSld>
     <p:spTree>
@@ -27042,7 +27771,7 @@
             <a:fld id="{D57F1E4F-1CFF-5643-939E-217C01CDF565}" type="slidenum">
               <a:rPr lang="en-US" smtClean="0"/>
               <a:pPr/>
-              <a:t>41</a:t>
+              <a:t>42</a:t>
             </a:fld>
             <a:endParaRPr lang="en-US" dirty="0"/>
           </a:p>
@@ -28557,7 +29286,7 @@
 </p:sld>
 </file>
 
-<file path=ppt/slides/slide42.xml><?xml version="1.0" encoding="utf-8"?>
+<file path=ppt/slides/slide43.xml><?xml version="1.0" encoding="utf-8"?>
 <p:sld xmlns:a="http://schemas.openxmlformats.org/drawingml/2006/main" xmlns:r="http://schemas.openxmlformats.org/officeDocument/2006/relationships" xmlns:p="http://schemas.openxmlformats.org/presentationml/2006/main">
   <p:cSld>
     <p:spTree>
@@ -28598,7 +29327,7 @@
             <a:fld id="{D57F1E4F-1CFF-5643-939E-217C01CDF565}" type="slidenum">
               <a:rPr lang="en-US" smtClean="0"/>
               <a:pPr/>
-              <a:t>42</a:t>
+              <a:t>43</a:t>
             </a:fld>
             <a:endParaRPr lang="en-US" dirty="0"/>
           </a:p>
@@ -30075,7 +30804,7 @@
 </p:sld>
 </file>
 
-<file path=ppt/slides/slide43.xml><?xml version="1.0" encoding="utf-8"?>
+<file path=ppt/slides/slide44.xml><?xml version="1.0" encoding="utf-8"?>
 <p:sld xmlns:a="http://schemas.openxmlformats.org/drawingml/2006/main" xmlns:r="http://schemas.openxmlformats.org/officeDocument/2006/relationships" xmlns:p="http://schemas.openxmlformats.org/presentationml/2006/main">
   <p:cSld>
     <p:spTree>
@@ -30121,7 +30850,7 @@
             <a:fld id="{D57F1E4F-1CFF-5643-939E-217C01CDF565}" type="slidenum">
               <a:rPr lang="en-US" smtClean="0"/>
               <a:pPr/>
-              <a:t>43</a:t>
+              <a:t>44</a:t>
             </a:fld>
             <a:endParaRPr lang="en-US" dirty="0"/>
           </a:p>
@@ -30535,189 +31264,6 @@
 </p:sld>
 </file>
 
-<file path=ppt/slides/slide44.xml><?xml version="1.0" encoding="utf-8"?>
-<p:sld xmlns:a="http://schemas.openxmlformats.org/drawingml/2006/main" xmlns:r="http://schemas.openxmlformats.org/officeDocument/2006/relationships" xmlns:p="http://schemas.openxmlformats.org/presentationml/2006/main">
-  <p:cSld>
-    <p:spTree>
-      <p:nvGrpSpPr>
-        <p:cNvPr id="1" name=""/>
-        <p:cNvGrpSpPr/>
-        <p:nvPr/>
-      </p:nvGrpSpPr>
-      <p:grpSpPr>
-        <a:xfrm>
-          <a:off x="0" y="0"/>
-          <a:ext cx="0" cy="0"/>
-          <a:chOff x="0" y="0"/>
-          <a:chExt cx="0" cy="0"/>
-        </a:xfrm>
-      </p:grpSpPr>
-      <p:sp>
-        <p:nvSpPr>
-          <p:cNvPr id="4" name="スライド番号プレースホルダー 3">
-            <a:extLst>
-              <a:ext uri="{FF2B5EF4-FFF2-40B4-BE49-F238E27FC236}">
-                <a16:creationId xmlns:a16="http://schemas.microsoft.com/office/drawing/2014/main" id="{1612CE8C-FED7-45E1-A8B7-D2A85EE1DF3C}"/>
-              </a:ext>
-            </a:extLst>
-          </p:cNvPr>
-          <p:cNvSpPr>
-            <a:spLocks noGrp="1"/>
-          </p:cNvSpPr>
-          <p:nvPr>
-            <p:ph type="sldNum" sz="quarter" idx="12"/>
-          </p:nvPr>
-        </p:nvSpPr>
-        <p:spPr/>
-        <p:txBody>
-          <a:bodyPr/>
-          <a:lstStyle/>
-          <a:p>
-            <a:fld id="{D57F1E4F-1CFF-5643-939E-217C01CDF565}" type="slidenum">
-              <a:rPr lang="en-US" smtClean="0"/>
-              <a:pPr/>
-              <a:t>44</a:t>
-            </a:fld>
-            <a:endParaRPr lang="en-US" dirty="0"/>
-          </a:p>
-        </p:txBody>
-      </p:sp>
-      <p:sp>
-        <p:nvSpPr>
-          <p:cNvPr id="5" name="テキスト ボックス 4">
-            <a:extLst>
-              <a:ext uri="{FF2B5EF4-FFF2-40B4-BE49-F238E27FC236}">
-                <a16:creationId xmlns:a16="http://schemas.microsoft.com/office/drawing/2014/main" id="{3E4AB2AC-00D6-4156-A830-D18A2281A623}"/>
-              </a:ext>
-            </a:extLst>
-          </p:cNvPr>
-          <p:cNvSpPr txBox="1"/>
-          <p:nvPr/>
-        </p:nvSpPr>
-        <p:spPr>
-          <a:xfrm>
-            <a:off x="457467" y="628433"/>
-            <a:ext cx="5054344" cy="715581"/>
-          </a:xfrm>
-          <a:prstGeom prst="rect">
-            <a:avLst/>
-          </a:prstGeom>
-          <a:noFill/>
-        </p:spPr>
-        <p:txBody>
-          <a:bodyPr wrap="square" rtlCol="0" anchor="t">
-            <a:spAutoFit/>
-          </a:bodyPr>
-          <a:lstStyle/>
-          <a:p>
-            <a:r>
-              <a:rPr lang="ja-JP" altLang="en-US" sz="4050">
-                <a:ea typeface="メイリオ"/>
-              </a:rPr>
-              <a:t>まとめ</a:t>
-            </a:r>
-            <a:endParaRPr lang="ja-JP" altLang="en-US" sz="4050" dirty="0">
-              <a:ea typeface="メイリオ"/>
-            </a:endParaRPr>
-          </a:p>
-        </p:txBody>
-      </p:sp>
-      <p:sp>
-        <p:nvSpPr>
-          <p:cNvPr id="3" name="テキスト ボックス 2">
-            <a:extLst>
-              <a:ext uri="{FF2B5EF4-FFF2-40B4-BE49-F238E27FC236}">
-                <a16:creationId xmlns:a16="http://schemas.microsoft.com/office/drawing/2014/main" id="{03A29AE3-C30B-49E9-BE62-767F0B8D380D}"/>
-              </a:ext>
-            </a:extLst>
-          </p:cNvPr>
-          <p:cNvSpPr txBox="1"/>
-          <p:nvPr/>
-        </p:nvSpPr>
-        <p:spPr>
-          <a:xfrm>
-            <a:off x="457467" y="2224088"/>
-            <a:ext cx="7460458" cy="3046988"/>
-          </a:xfrm>
-          <a:prstGeom prst="rect">
-            <a:avLst/>
-          </a:prstGeom>
-          <a:noFill/>
-        </p:spPr>
-        <p:txBody>
-          <a:bodyPr wrap="square" rtlCol="0">
-            <a:spAutoFit/>
-          </a:bodyPr>
-          <a:lstStyle/>
-          <a:p>
-            <a:pPr marL="285750" indent="-285750">
-              <a:buFont typeface="Arial" panose="020B0604020202020204" pitchFamily="34" charset="0"/>
-              <a:buChar char="•"/>
-            </a:pPr>
-            <a:r>
-              <a:rPr kumimoji="1" lang="en-US" altLang="ja-JP" sz="3200" dirty="0"/>
-              <a:t>GA</a:t>
-            </a:r>
-            <a:r>
-              <a:rPr kumimoji="1" lang="ja-JP" altLang="en-US" sz="3200" dirty="0"/>
-              <a:t>を用いた擬似ラベルの</a:t>
-            </a:r>
-            <a:endParaRPr kumimoji="1" lang="en-US" altLang="ja-JP" sz="3200" dirty="0"/>
-          </a:p>
-          <a:p>
-            <a:r>
-              <a:rPr kumimoji="1" lang="ja-JP" altLang="en-US" sz="3200" dirty="0"/>
-              <a:t>  探索を行った</a:t>
-            </a:r>
-            <a:r>
-              <a:rPr kumimoji="1" lang="en-US" altLang="ja-JP" sz="3200" dirty="0"/>
-              <a:t>.</a:t>
-            </a:r>
-          </a:p>
-          <a:p>
-            <a:endParaRPr kumimoji="1" lang="en-US" altLang="ja-JP" sz="3200" dirty="0"/>
-          </a:p>
-          <a:p>
-            <a:endParaRPr kumimoji="1" lang="en-US" altLang="ja-JP" sz="3200" dirty="0"/>
-          </a:p>
-          <a:p>
-            <a:pPr marL="457200" indent="-457200">
-              <a:buFont typeface="Arial" panose="020B0604020202020204" pitchFamily="34" charset="0"/>
-              <a:buChar char="•"/>
-            </a:pPr>
-            <a:r>
-              <a:rPr kumimoji="1" lang="ja-JP" altLang="en-US" sz="3200" dirty="0"/>
-              <a:t>探索された疑似ラベルを用いた</a:t>
-            </a:r>
-            <a:r>
-              <a:rPr kumimoji="1" lang="en-US" altLang="ja-JP" sz="3200" dirty="0" err="1"/>
-              <a:t>FixMatch</a:t>
-            </a:r>
-            <a:r>
-              <a:rPr kumimoji="1" lang="ja-JP" altLang="en-US" sz="3200" dirty="0"/>
-              <a:t>の精度改善はできなかった</a:t>
-            </a:r>
-            <a:r>
-              <a:rPr kumimoji="1" lang="en-US" altLang="ja-JP" sz="3200" dirty="0"/>
-              <a:t>.</a:t>
-            </a:r>
-            <a:endParaRPr kumimoji="1" lang="ja-JP" altLang="en-US" sz="3200" dirty="0"/>
-          </a:p>
-        </p:txBody>
-      </p:sp>
-    </p:spTree>
-    <p:extLst>
-      <p:ext uri="{BB962C8B-B14F-4D97-AF65-F5344CB8AC3E}">
-        <p14:creationId xmlns:p14="http://schemas.microsoft.com/office/powerpoint/2010/main" val="349530152"/>
-      </p:ext>
-    </p:extLst>
-  </p:cSld>
-  <p:clrMapOvr>
-    <a:masterClrMapping/>
-  </p:clrMapOvr>
-</p:sld>
-</file>
-
 <file path=ppt/slides/slide45.xml><?xml version="1.0" encoding="utf-8"?>
 <p:sld xmlns:a="http://schemas.openxmlformats.org/drawingml/2006/main" xmlns:r="http://schemas.openxmlformats.org/officeDocument/2006/relationships" xmlns:p="http://schemas.openxmlformats.org/presentationml/2006/main">
   <p:cSld>
@@ -30794,6 +31340,189 @@
           <a:lstStyle/>
           <a:p>
             <a:r>
+              <a:rPr lang="ja-JP" altLang="en-US" sz="4050">
+                <a:ea typeface="メイリオ"/>
+              </a:rPr>
+              <a:t>まとめ</a:t>
+            </a:r>
+            <a:endParaRPr lang="ja-JP" altLang="en-US" sz="4050" dirty="0">
+              <a:ea typeface="メイリオ"/>
+            </a:endParaRPr>
+          </a:p>
+        </p:txBody>
+      </p:sp>
+      <p:sp>
+        <p:nvSpPr>
+          <p:cNvPr id="3" name="テキスト ボックス 2">
+            <a:extLst>
+              <a:ext uri="{FF2B5EF4-FFF2-40B4-BE49-F238E27FC236}">
+                <a16:creationId xmlns:a16="http://schemas.microsoft.com/office/drawing/2014/main" id="{03A29AE3-C30B-49E9-BE62-767F0B8D380D}"/>
+              </a:ext>
+            </a:extLst>
+          </p:cNvPr>
+          <p:cNvSpPr txBox="1"/>
+          <p:nvPr/>
+        </p:nvSpPr>
+        <p:spPr>
+          <a:xfrm>
+            <a:off x="457467" y="2224088"/>
+            <a:ext cx="7460458" cy="3046988"/>
+          </a:xfrm>
+          <a:prstGeom prst="rect">
+            <a:avLst/>
+          </a:prstGeom>
+          <a:noFill/>
+        </p:spPr>
+        <p:txBody>
+          <a:bodyPr wrap="square" rtlCol="0">
+            <a:spAutoFit/>
+          </a:bodyPr>
+          <a:lstStyle/>
+          <a:p>
+            <a:pPr marL="285750" indent="-285750">
+              <a:buFont typeface="Arial" panose="020B0604020202020204" pitchFamily="34" charset="0"/>
+              <a:buChar char="•"/>
+            </a:pPr>
+            <a:r>
+              <a:rPr kumimoji="1" lang="en-US" altLang="ja-JP" sz="3200" dirty="0"/>
+              <a:t>GA</a:t>
+            </a:r>
+            <a:r>
+              <a:rPr kumimoji="1" lang="ja-JP" altLang="en-US" sz="3200" dirty="0"/>
+              <a:t>を用いた擬似ラベルの</a:t>
+            </a:r>
+            <a:endParaRPr kumimoji="1" lang="en-US" altLang="ja-JP" sz="3200" dirty="0"/>
+          </a:p>
+          <a:p>
+            <a:r>
+              <a:rPr kumimoji="1" lang="ja-JP" altLang="en-US" sz="3200" dirty="0"/>
+              <a:t>  探索を行った</a:t>
+            </a:r>
+            <a:r>
+              <a:rPr kumimoji="1" lang="en-US" altLang="ja-JP" sz="3200" dirty="0"/>
+              <a:t>.</a:t>
+            </a:r>
+          </a:p>
+          <a:p>
+            <a:endParaRPr kumimoji="1" lang="en-US" altLang="ja-JP" sz="3200" dirty="0"/>
+          </a:p>
+          <a:p>
+            <a:endParaRPr kumimoji="1" lang="en-US" altLang="ja-JP" sz="3200" dirty="0"/>
+          </a:p>
+          <a:p>
+            <a:pPr marL="457200" indent="-457200">
+              <a:buFont typeface="Arial" panose="020B0604020202020204" pitchFamily="34" charset="0"/>
+              <a:buChar char="•"/>
+            </a:pPr>
+            <a:r>
+              <a:rPr kumimoji="1" lang="ja-JP" altLang="en-US" sz="3200" dirty="0"/>
+              <a:t>探索された疑似ラベルを用いた</a:t>
+            </a:r>
+            <a:r>
+              <a:rPr kumimoji="1" lang="en-US" altLang="ja-JP" sz="3200" dirty="0" err="1"/>
+              <a:t>FixMatch</a:t>
+            </a:r>
+            <a:r>
+              <a:rPr kumimoji="1" lang="ja-JP" altLang="en-US" sz="3200" dirty="0"/>
+              <a:t>の精度改善はできなかった</a:t>
+            </a:r>
+            <a:r>
+              <a:rPr kumimoji="1" lang="en-US" altLang="ja-JP" sz="3200" dirty="0"/>
+              <a:t>.</a:t>
+            </a:r>
+            <a:endParaRPr kumimoji="1" lang="ja-JP" altLang="en-US" sz="3200" dirty="0"/>
+          </a:p>
+        </p:txBody>
+      </p:sp>
+    </p:spTree>
+    <p:extLst>
+      <p:ext uri="{BB962C8B-B14F-4D97-AF65-F5344CB8AC3E}">
+        <p14:creationId xmlns:p14="http://schemas.microsoft.com/office/powerpoint/2010/main" val="349530152"/>
+      </p:ext>
+    </p:extLst>
+  </p:cSld>
+  <p:clrMapOvr>
+    <a:masterClrMapping/>
+  </p:clrMapOvr>
+</p:sld>
+</file>
+
+<file path=ppt/slides/slide46.xml><?xml version="1.0" encoding="utf-8"?>
+<p:sld xmlns:a="http://schemas.openxmlformats.org/drawingml/2006/main" xmlns:r="http://schemas.openxmlformats.org/officeDocument/2006/relationships" xmlns:p="http://schemas.openxmlformats.org/presentationml/2006/main">
+  <p:cSld>
+    <p:spTree>
+      <p:nvGrpSpPr>
+        <p:cNvPr id="1" name=""/>
+        <p:cNvGrpSpPr/>
+        <p:nvPr/>
+      </p:nvGrpSpPr>
+      <p:grpSpPr>
+        <a:xfrm>
+          <a:off x="0" y="0"/>
+          <a:ext cx="0" cy="0"/>
+          <a:chOff x="0" y="0"/>
+          <a:chExt cx="0" cy="0"/>
+        </a:xfrm>
+      </p:grpSpPr>
+      <p:sp>
+        <p:nvSpPr>
+          <p:cNvPr id="4" name="スライド番号プレースホルダー 3">
+            <a:extLst>
+              <a:ext uri="{FF2B5EF4-FFF2-40B4-BE49-F238E27FC236}">
+                <a16:creationId xmlns:a16="http://schemas.microsoft.com/office/drawing/2014/main" id="{1612CE8C-FED7-45E1-A8B7-D2A85EE1DF3C}"/>
+              </a:ext>
+            </a:extLst>
+          </p:cNvPr>
+          <p:cNvSpPr>
+            <a:spLocks noGrp="1"/>
+          </p:cNvSpPr>
+          <p:nvPr>
+            <p:ph type="sldNum" sz="quarter" idx="12"/>
+          </p:nvPr>
+        </p:nvSpPr>
+        <p:spPr/>
+        <p:txBody>
+          <a:bodyPr/>
+          <a:lstStyle/>
+          <a:p>
+            <a:fld id="{D57F1E4F-1CFF-5643-939E-217C01CDF565}" type="slidenum">
+              <a:rPr lang="en-US" smtClean="0"/>
+              <a:pPr/>
+              <a:t>46</a:t>
+            </a:fld>
+            <a:endParaRPr lang="en-US" dirty="0"/>
+          </a:p>
+        </p:txBody>
+      </p:sp>
+      <p:sp>
+        <p:nvSpPr>
+          <p:cNvPr id="5" name="テキスト ボックス 4">
+            <a:extLst>
+              <a:ext uri="{FF2B5EF4-FFF2-40B4-BE49-F238E27FC236}">
+                <a16:creationId xmlns:a16="http://schemas.microsoft.com/office/drawing/2014/main" id="{3E4AB2AC-00D6-4156-A830-D18A2281A623}"/>
+              </a:ext>
+            </a:extLst>
+          </p:cNvPr>
+          <p:cNvSpPr txBox="1"/>
+          <p:nvPr/>
+        </p:nvSpPr>
+        <p:spPr>
+          <a:xfrm>
+            <a:off x="457467" y="628433"/>
+            <a:ext cx="5054344" cy="715581"/>
+          </a:xfrm>
+          <a:prstGeom prst="rect">
+            <a:avLst/>
+          </a:prstGeom>
+          <a:noFill/>
+        </p:spPr>
+        <p:txBody>
+          <a:bodyPr wrap="square" rtlCol="0" anchor="t">
+            <a:spAutoFit/>
+          </a:bodyPr>
+          <a:lstStyle/>
+          <a:p>
+            <a:r>
               <a:rPr lang="ja-JP" altLang="en-US" sz="4050" dirty="0">
                 <a:ea typeface="メイリオ"/>
               </a:rPr>
@@ -30913,6 +31642,114 @@
     <p:extLst>
       <p:ext uri="{BB962C8B-B14F-4D97-AF65-F5344CB8AC3E}">
         <p14:creationId xmlns:p14="http://schemas.microsoft.com/office/powerpoint/2010/main" val="1188551686"/>
+      </p:ext>
+    </p:extLst>
+  </p:cSld>
+  <p:clrMapOvr>
+    <a:masterClrMapping/>
+  </p:clrMapOvr>
+</p:sld>
+</file>
+
+<file path=ppt/slides/slide47.xml><?xml version="1.0" encoding="utf-8"?>
+<p:sld xmlns:a="http://schemas.openxmlformats.org/drawingml/2006/main" xmlns:r="http://schemas.openxmlformats.org/officeDocument/2006/relationships" xmlns:p="http://schemas.openxmlformats.org/presentationml/2006/main">
+  <p:cSld>
+    <p:spTree>
+      <p:nvGrpSpPr>
+        <p:cNvPr id="1" name=""/>
+        <p:cNvGrpSpPr/>
+        <p:nvPr/>
+      </p:nvGrpSpPr>
+      <p:grpSpPr>
+        <a:xfrm>
+          <a:off x="0" y="0"/>
+          <a:ext cx="0" cy="0"/>
+          <a:chOff x="0" y="0"/>
+          <a:chExt cx="0" cy="0"/>
+        </a:xfrm>
+      </p:grpSpPr>
+      <p:sp>
+        <p:nvSpPr>
+          <p:cNvPr id="4" name="スライド番号プレースホルダー 3">
+            <a:extLst>
+              <a:ext uri="{FF2B5EF4-FFF2-40B4-BE49-F238E27FC236}">
+                <a16:creationId xmlns:a16="http://schemas.microsoft.com/office/drawing/2014/main" id="{1612CE8C-FED7-45E1-A8B7-D2A85EE1DF3C}"/>
+              </a:ext>
+            </a:extLst>
+          </p:cNvPr>
+          <p:cNvSpPr>
+            <a:spLocks noGrp="1"/>
+          </p:cNvSpPr>
+          <p:nvPr>
+            <p:ph type="sldNum" sz="quarter" idx="12"/>
+          </p:nvPr>
+        </p:nvSpPr>
+        <p:spPr/>
+        <p:txBody>
+          <a:bodyPr/>
+          <a:lstStyle/>
+          <a:p>
+            <a:fld id="{D57F1E4F-1CFF-5643-939E-217C01CDF565}" type="slidenum">
+              <a:rPr lang="en-US" smtClean="0"/>
+              <a:pPr/>
+              <a:t>47</a:t>
+            </a:fld>
+            <a:endParaRPr lang="en-US" dirty="0"/>
+          </a:p>
+        </p:txBody>
+      </p:sp>
+      <p:sp>
+        <p:nvSpPr>
+          <p:cNvPr id="5" name="テキスト ボックス 4">
+            <a:extLst>
+              <a:ext uri="{FF2B5EF4-FFF2-40B4-BE49-F238E27FC236}">
+                <a16:creationId xmlns:a16="http://schemas.microsoft.com/office/drawing/2014/main" id="{3E4AB2AC-00D6-4156-A830-D18A2281A623}"/>
+              </a:ext>
+            </a:extLst>
+          </p:cNvPr>
+          <p:cNvSpPr txBox="1"/>
+          <p:nvPr/>
+        </p:nvSpPr>
+        <p:spPr>
+          <a:xfrm>
+            <a:off x="1108334" y="2568669"/>
+            <a:ext cx="7130643" cy="1569660"/>
+          </a:xfrm>
+          <a:prstGeom prst="rect">
+            <a:avLst/>
+          </a:prstGeom>
+          <a:noFill/>
+        </p:spPr>
+        <p:txBody>
+          <a:bodyPr wrap="square" rtlCol="0" anchor="t">
+            <a:spAutoFit/>
+          </a:bodyPr>
+          <a:lstStyle/>
+          <a:p>
+            <a:r>
+              <a:rPr lang="ja-JP" altLang="en-US" sz="4800" u="sng" dirty="0">
+                <a:ea typeface="メイリオ"/>
+              </a:rPr>
+              <a:t>ご清聴</a:t>
+            </a:r>
+            <a:endParaRPr lang="en-US" altLang="ja-JP" sz="4800" u="sng" dirty="0">
+              <a:ea typeface="メイリオ"/>
+            </a:endParaRPr>
+          </a:p>
+          <a:p>
+            <a:r>
+              <a:rPr lang="ja-JP" altLang="en-US" sz="4800" u="sng" dirty="0">
+                <a:ea typeface="メイリオ"/>
+              </a:rPr>
+              <a:t>ありがとうございました</a:t>
+            </a:r>
+          </a:p>
+        </p:txBody>
+      </p:sp>
+    </p:spTree>
+    <p:extLst>
+      <p:ext uri="{BB962C8B-B14F-4D97-AF65-F5344CB8AC3E}">
+        <p14:creationId xmlns:p14="http://schemas.microsoft.com/office/powerpoint/2010/main" val="2694809415"/>
       </p:ext>
     </p:extLst>
   </p:cSld>
